--- a/Paathsala.pptx
+++ b/Paathsala.pptx
@@ -7,15 +7,17 @@
   <p:sldIdLst>
     <p:sldId id="256" r:id="rId2"/>
     <p:sldId id="257" r:id="rId3"/>
-    <p:sldId id="258" r:id="rId4"/>
-    <p:sldId id="259" r:id="rId5"/>
-    <p:sldId id="260" r:id="rId6"/>
-    <p:sldId id="261" r:id="rId7"/>
-    <p:sldId id="262" r:id="rId8"/>
-    <p:sldId id="263" r:id="rId9"/>
-    <p:sldId id="264" r:id="rId10"/>
-    <p:sldId id="265" r:id="rId11"/>
-    <p:sldId id="266" r:id="rId12"/>
+    <p:sldId id="267" r:id="rId4"/>
+    <p:sldId id="268" r:id="rId5"/>
+    <p:sldId id="269" r:id="rId6"/>
+    <p:sldId id="265" r:id="rId7"/>
+    <p:sldId id="258" r:id="rId8"/>
+    <p:sldId id="260" r:id="rId9"/>
+    <p:sldId id="263" r:id="rId10"/>
+    <p:sldId id="261" r:id="rId11"/>
+    <p:sldId id="262" r:id="rId12"/>
+    <p:sldId id="264" r:id="rId13"/>
+    <p:sldId id="266" r:id="rId14"/>
   </p:sldIdLst>
   <p:sldSz cx="12192000" cy="6858000"/>
   <p:notesSz cx="6858000" cy="9144000"/>
@@ -116,7 +118,18 @@
   </p:defaultTextStyle>
   <p:extLst>
     <p:ext uri="{EFAFB233-063F-42B5-8137-9DF3F51BA10A}">
-      <p15:sldGuideLst xmlns:p15="http://schemas.microsoft.com/office/powerpoint/2012/main" xmlns=""/>
+      <p15:sldGuideLst xmlns:p15="http://schemas.microsoft.com/office/powerpoint/2012/main">
+        <p15:guide id="1" orient="horz" pos="2160">
+          <p15:clr>
+            <a:srgbClr val="A4A3A4"/>
+          </p15:clr>
+        </p15:guide>
+        <p15:guide id="2" pos="3840">
+          <p15:clr>
+            <a:srgbClr val="A4A3A4"/>
+          </p15:clr>
+        </p15:guide>
+      </p15:sldGuideLst>
     </p:ext>
   </p:extLst>
 </p:presentation>
@@ -5345,8 +5358,8 @@
           <a:lstStyle/>
           <a:p>
             <a:r>
-              <a:rPr lang="en-IN" dirty="0" err="1" smtClean="0"/>
-              <a:t>Paathsala</a:t>
+              <a:rPr lang="en-IN" dirty="0" smtClean="0"/>
+              <a:t>Paathshala</a:t>
             </a:r>
             <a:r>
               <a:rPr lang="en-IN" dirty="0" smtClean="0"/>
@@ -5395,18 +5408,38 @@
                   <a:schemeClr val="tx1"/>
                 </a:solidFill>
               </a:rPr>
-              <a:t>Guided By:- </a:t>
-            </a:r>
-            <a:r>
-              <a:rPr lang="en-IN" dirty="0" err="1" smtClean="0">
+              <a:t>Guided By:- Prof. Sidhhanta Ku. Balabantaray,</a:t>
+            </a:r>
+          </a:p>
+          <a:p>
+            <a:r>
+              <a:rPr lang="en-IN" dirty="0">
                 <a:solidFill>
                   <a:schemeClr val="tx1"/>
                 </a:solidFill>
               </a:rPr>
-              <a:t>Prof.</a:t>
+              <a:t>	</a:t>
             </a:r>
             <a:r>
               <a:rPr lang="en-IN" dirty="0" smtClean="0">
+                <a:solidFill>
+                  <a:schemeClr val="tx1"/>
+                </a:solidFill>
+              </a:rPr>
+              <a:t>		   Dept. of CSE &amp; MCA</a:t>
+            </a:r>
+          </a:p>
+          <a:p>
+            <a:r>
+              <a:rPr lang="en-IN" dirty="0" smtClean="0">
+                <a:solidFill>
+                  <a:schemeClr val="tx1"/>
+                </a:solidFill>
+              </a:rPr>
+              <a:t>Submitted By:- </a:t>
+            </a:r>
+            <a:r>
+              <a:rPr lang="en-IN" dirty="0">
                 <a:solidFill>
                   <a:schemeClr val="tx1"/>
                 </a:solidFill>
@@ -5414,36 +5447,12 @@
               <a:t> </a:t>
             </a:r>
             <a:r>
-              <a:rPr lang="en-IN" dirty="0" err="1" smtClean="0">
+              <a:rPr lang="en-IN" dirty="0" smtClean="0">
                 <a:solidFill>
                   <a:schemeClr val="tx1"/>
                 </a:solidFill>
               </a:rPr>
-              <a:t>Sidhhanta</a:t>
-            </a:r>
-            <a:r>
-              <a:rPr lang="en-IN" dirty="0" smtClean="0">
-                <a:solidFill>
-                  <a:schemeClr val="tx1"/>
-                </a:solidFill>
-              </a:rPr>
-              <a:t> Ku. </a:t>
-            </a:r>
-            <a:r>
-              <a:rPr lang="en-IN" dirty="0" err="1" smtClean="0">
-                <a:solidFill>
-                  <a:schemeClr val="tx1"/>
-                </a:solidFill>
-              </a:rPr>
-              <a:t>Balabantaray</a:t>
-            </a:r>
-            <a:r>
-              <a:rPr lang="en-IN" dirty="0" smtClean="0">
-                <a:solidFill>
-                  <a:schemeClr val="tx1"/>
-                </a:solidFill>
-              </a:rPr>
-              <a:t>,</a:t>
+              <a:t>     Sonali Ipsita</a:t>
             </a:r>
           </a:p>
           <a:p>
@@ -5461,63 +5470,24 @@
                   <a:schemeClr val="tx1"/>
                 </a:solidFill>
               </a:rPr>
-              <a:t>		   Dept. of CSE &amp; MCA</a:t>
-            </a:r>
-          </a:p>
-          <a:p>
+              <a:t>		        Naveen </a:t>
+            </a:r>
+            <a:r>
+              <a:rPr lang="en-IN" dirty="0">
+                <a:solidFill>
+                  <a:schemeClr val="tx1"/>
+                </a:solidFill>
+              </a:rPr>
+              <a:t>K</a:t>
+            </a:r>
             <a:r>
               <a:rPr lang="en-IN" dirty="0" smtClean="0">
                 <a:solidFill>
                   <a:schemeClr val="tx1"/>
                 </a:solidFill>
               </a:rPr>
-              <a:t>Submitted By:- </a:t>
-            </a:r>
-            <a:r>
-              <a:rPr lang="en-IN" dirty="0">
-                <a:solidFill>
-                  <a:schemeClr val="tx1"/>
-                </a:solidFill>
-              </a:rPr>
-              <a:t> </a:t>
-            </a:r>
-            <a:r>
-              <a:rPr lang="en-IN" dirty="0" smtClean="0">
-                <a:solidFill>
-                  <a:schemeClr val="tx1"/>
-                </a:solidFill>
-              </a:rPr>
-              <a:t>     </a:t>
-            </a:r>
-            <a:r>
-              <a:rPr lang="en-IN" dirty="0" err="1" smtClean="0">
-                <a:solidFill>
-                  <a:schemeClr val="tx1"/>
-                </a:solidFill>
-              </a:rPr>
-              <a:t>Sonali</a:t>
-            </a:r>
-            <a:r>
-              <a:rPr lang="en-IN" dirty="0" smtClean="0">
-                <a:solidFill>
-                  <a:schemeClr val="tx1"/>
-                </a:solidFill>
-              </a:rPr>
-              <a:t> </a:t>
-            </a:r>
-            <a:r>
-              <a:rPr lang="en-IN" dirty="0" err="1" smtClean="0">
-                <a:solidFill>
-                  <a:schemeClr val="tx1"/>
-                </a:solidFill>
-              </a:rPr>
-              <a:t>Ipsita</a:t>
-            </a:r>
-            <a:endParaRPr lang="en-IN" dirty="0" smtClean="0">
-              <a:solidFill>
-                <a:schemeClr val="tx1"/>
-              </a:solidFill>
-            </a:endParaRPr>
+              <a:t>umar Jha</a:t>
+            </a:r>
           </a:p>
           <a:p>
             <a:r>
@@ -5534,45 +5504,8 @@
                   <a:schemeClr val="tx1"/>
                 </a:solidFill>
               </a:rPr>
-              <a:t>		      </a:t>
-            </a:r>
-            <a:r>
-              <a:rPr lang="en-IN" dirty="0" smtClean="0">
-                <a:solidFill>
-                  <a:schemeClr val="tx1"/>
-                </a:solidFill>
-              </a:rPr>
-              <a:t>  Naveen </a:t>
-            </a:r>
-            <a:r>
-              <a:rPr lang="en-IN" dirty="0">
-                <a:solidFill>
-                  <a:schemeClr val="tx1"/>
-                </a:solidFill>
-              </a:rPr>
-              <a:t>K</a:t>
-            </a:r>
-            <a:r>
-              <a:rPr lang="en-IN" dirty="0" smtClean="0">
-                <a:solidFill>
-                  <a:schemeClr val="tx1"/>
-                </a:solidFill>
-              </a:rPr>
-              <a:t>umar </a:t>
-            </a:r>
-            <a:r>
-              <a:rPr lang="en-IN" dirty="0" err="1" smtClean="0">
-                <a:solidFill>
-                  <a:schemeClr val="tx1"/>
-                </a:solidFill>
-              </a:rPr>
-              <a:t>Jha</a:t>
-            </a:r>
-            <a:endParaRPr lang="en-IN" dirty="0" smtClean="0">
-              <a:solidFill>
-                <a:schemeClr val="tx1"/>
-              </a:solidFill>
-            </a:endParaRPr>
+              <a:t>			Sujit Kumar Das</a:t>
+            </a:r>
           </a:p>
           <a:p>
             <a:r>
@@ -5589,57 +5522,7 @@
                   <a:schemeClr val="tx1"/>
                 </a:solidFill>
               </a:rPr>
-              <a:t>			</a:t>
-            </a:r>
-            <a:r>
-              <a:rPr lang="en-IN" dirty="0" err="1" smtClean="0">
-                <a:solidFill>
-                  <a:schemeClr val="tx1"/>
-                </a:solidFill>
-              </a:rPr>
-              <a:t>Sujit</a:t>
-            </a:r>
-            <a:r>
-              <a:rPr lang="en-IN" dirty="0" smtClean="0">
-                <a:solidFill>
-                  <a:schemeClr val="tx1"/>
-                </a:solidFill>
-              </a:rPr>
-              <a:t> Kumar Das</a:t>
-            </a:r>
-          </a:p>
-          <a:p>
-            <a:r>
-              <a:rPr lang="en-IN" dirty="0">
-                <a:solidFill>
-                  <a:schemeClr val="tx1"/>
-                </a:solidFill>
-              </a:rPr>
-              <a:t>	</a:t>
-            </a:r>
-            <a:r>
-              <a:rPr lang="en-IN" dirty="0" smtClean="0">
-                <a:solidFill>
-                  <a:schemeClr val="tx1"/>
-                </a:solidFill>
-              </a:rPr>
-              <a:t>			</a:t>
-            </a:r>
-            <a:r>
-              <a:rPr lang="en-IN" dirty="0" err="1" smtClean="0">
-                <a:solidFill>
-                  <a:schemeClr val="tx1"/>
-                </a:solidFill>
-              </a:rPr>
-              <a:t>Gulshan</a:t>
-            </a:r>
-            <a:r>
-              <a:rPr lang="en-IN" dirty="0" smtClean="0">
-                <a:solidFill>
-                  <a:schemeClr val="tx1"/>
-                </a:solidFill>
-              </a:rPr>
-              <a:t> Kumar</a:t>
+              <a:t>			Gulshan Kumar</a:t>
             </a:r>
           </a:p>
           <a:p>
@@ -5669,20 +5552,12 @@
           </a:p>
           <a:p>
             <a:r>
-              <a:rPr lang="en-IN" dirty="0" err="1" smtClean="0">
+              <a:rPr lang="en-IN" dirty="0" smtClean="0">
                 <a:solidFill>
                   <a:schemeClr val="tx1"/>
                 </a:solidFill>
               </a:rPr>
-              <a:t>Sem</a:t>
-            </a:r>
-            <a:r>
-              <a:rPr lang="en-IN" dirty="0" smtClean="0">
-                <a:solidFill>
-                  <a:schemeClr val="tx1"/>
-                </a:solidFill>
-              </a:rPr>
-              <a:t>:- 7</a:t>
+              <a:t>Sem:- 7</a:t>
             </a:r>
             <a:r>
               <a:rPr lang="en-IN" baseline="30000" dirty="0" smtClean="0">
@@ -5698,31 +5573,15 @@
                   <a:schemeClr val="tx1"/>
                 </a:solidFill>
               </a:rPr>
-              <a:t> </a:t>
-            </a:r>
-            <a:r>
-              <a:rPr lang="en-IN" dirty="0" err="1" smtClean="0">
+              <a:t> sem, Dept. Of </a:t>
+            </a:r>
+            <a:r>
+              <a:rPr lang="en-IN" dirty="0" smtClean="0">
                 <a:solidFill>
                   <a:schemeClr val="tx1"/>
                 </a:solidFill>
               </a:rPr>
-              <a:t>sem</a:t>
-            </a:r>
-            <a:r>
-              <a:rPr lang="en-IN" dirty="0" smtClean="0">
-                <a:solidFill>
-                  <a:schemeClr val="tx1"/>
-                </a:solidFill>
-              </a:rPr>
-              <a:t>, Dept. Of </a:t>
-            </a:r>
-            <a:r>
-              <a:rPr lang="en-IN" dirty="0" err="1" smtClean="0">
-                <a:solidFill>
-                  <a:schemeClr val="tx1"/>
-                </a:solidFill>
-              </a:rPr>
-              <a:t>cse</a:t>
+              <a:t>CSE</a:t>
             </a:r>
             <a:endParaRPr lang="en-IN" dirty="0" smtClean="0">
               <a:solidFill>
@@ -5742,6 +5601,13 @@
   <p:clrMapOvr>
     <a:masterClrMapping/>
   </p:clrMapOvr>
+  <p:timing>
+    <p:tnLst>
+      <p:par>
+        <p:cTn id="1" dur="indefinite" restart="never" nodeType="tmRoot"/>
+      </p:par>
+    </p:tnLst>
+  </p:timing>
 </p:sld>
 </file>
 
@@ -5764,150 +5630,100 @@
       </p:grpSpPr>
       <p:sp>
         <p:nvSpPr>
-          <p:cNvPr id="2" name="TextBox 1"/>
-          <p:cNvSpPr txBox="1"/>
-          <p:nvPr/>
-        </p:nvSpPr>
-        <p:spPr>
-          <a:xfrm>
-            <a:off x="1100831" y="355107"/>
-            <a:ext cx="10200443" cy="646331"/>
-          </a:xfrm>
-          <a:prstGeom prst="rect">
-            <a:avLst/>
-          </a:prstGeom>
-          <a:noFill/>
-        </p:spPr>
-        <p:txBody>
-          <a:bodyPr wrap="square" rtlCol="0">
-            <a:spAutoFit/>
-          </a:bodyPr>
-          <a:lstStyle/>
-          <a:p>
-            <a:r>
-              <a:rPr lang="en-IN" sz="3600" dirty="0" smtClean="0"/>
-              <a:t>Software Requirements</a:t>
-            </a:r>
-            <a:endParaRPr lang="en-IN" sz="3600" dirty="0"/>
-          </a:p>
-        </p:txBody>
-      </p:sp>
-      <p:sp>
-        <p:nvSpPr>
-          <p:cNvPr id="3" name="TextBox 2"/>
-          <p:cNvSpPr txBox="1"/>
-          <p:nvPr/>
-        </p:nvSpPr>
-        <p:spPr>
-          <a:xfrm>
-            <a:off x="443883" y="1473693"/>
-            <a:ext cx="11425562" cy="3139321"/>
-          </a:xfrm>
-          <a:prstGeom prst="rect">
-            <a:avLst/>
-          </a:prstGeom>
-          <a:noFill/>
-        </p:spPr>
-        <p:txBody>
-          <a:bodyPr wrap="square" rtlCol="0">
-            <a:spAutoFit/>
-          </a:bodyPr>
-          <a:lstStyle/>
-          <a:p>
-            <a:pPr marL="342900" indent="-342900">
-              <a:buAutoNum type="arabicPeriod"/>
+          <p:cNvPr id="2" name="Title 1"/>
+          <p:cNvSpPr>
+            <a:spLocks noGrp="1"/>
+          </p:cNvSpPr>
+          <p:nvPr>
+            <p:ph type="title"/>
+          </p:nvPr>
+        </p:nvSpPr>
+        <p:spPr>
+          <a:xfrm>
+            <a:off x="77629" y="87348"/>
+            <a:ext cx="8534400" cy="1182159"/>
+          </a:xfrm>
+        </p:spPr>
+        <p:txBody>
+          <a:bodyPr/>
+          <a:lstStyle/>
+          <a:p>
+            <a:r>
+              <a:rPr lang="en-IN" dirty="0" smtClean="0"/>
+              <a:t>Admin module</a:t>
+            </a:r>
+            <a:endParaRPr lang="en-IN" dirty="0"/>
+          </a:p>
+        </p:txBody>
+      </p:sp>
+      <p:sp>
+        <p:nvSpPr>
+          <p:cNvPr id="3" name="Content Placeholder 2"/>
+          <p:cNvSpPr>
+            <a:spLocks noGrp="1"/>
+          </p:cNvSpPr>
+          <p:nvPr>
+            <p:ph idx="1"/>
+          </p:nvPr>
+        </p:nvSpPr>
+        <p:spPr>
+          <a:xfrm>
+            <a:off x="267576" y="2525588"/>
+            <a:ext cx="8534400" cy="3615267"/>
+          </a:xfrm>
+        </p:spPr>
+        <p:txBody>
+          <a:bodyPr/>
+          <a:lstStyle/>
+          <a:p>
+            <a:pPr marL="0" indent="0">
+              <a:buNone/>
             </a:pPr>
             <a:r>
               <a:rPr lang="en-IN" dirty="0" smtClean="0"/>
-              <a:t>UI Technologies</a:t>
-            </a:r>
-          </a:p>
-          <a:p>
-            <a:r>
-              <a:rPr lang="en-IN" dirty="0" smtClean="0"/>
-              <a:t>		1.1 HTML</a:t>
-            </a:r>
-          </a:p>
-          <a:p>
-            <a:r>
-              <a:rPr lang="en-IN" dirty="0"/>
-              <a:t>	</a:t>
-            </a:r>
-            <a:r>
-              <a:rPr lang="en-IN" dirty="0" smtClean="0"/>
-              <a:t>	1.2 CSS</a:t>
-            </a:r>
-          </a:p>
-          <a:p>
-            <a:r>
-              <a:rPr lang="en-IN" dirty="0"/>
-              <a:t>	</a:t>
-            </a:r>
-            <a:r>
-              <a:rPr lang="en-IN" dirty="0" smtClean="0"/>
-              <a:t>	1.2 BOOTSTRAP</a:t>
-            </a:r>
-          </a:p>
-          <a:p>
-            <a:r>
-              <a:rPr lang="en-IN" dirty="0"/>
-              <a:t>	</a:t>
-            </a:r>
-            <a:r>
-              <a:rPr lang="en-IN" dirty="0" smtClean="0"/>
-              <a:t>	1.3 JAVA SCRIPT</a:t>
-            </a:r>
-          </a:p>
-          <a:p>
-            <a:r>
-              <a:rPr lang="en-IN" dirty="0" smtClean="0"/>
-              <a:t>2. Backend Technologies</a:t>
-            </a:r>
-          </a:p>
-          <a:p>
-            <a:r>
-              <a:rPr lang="en-IN" dirty="0"/>
-              <a:t>	</a:t>
-            </a:r>
-            <a:r>
-              <a:rPr lang="en-IN" dirty="0" smtClean="0"/>
-              <a:t>	2.1 Python</a:t>
-            </a:r>
-          </a:p>
-          <a:p>
-            <a:r>
-              <a:rPr lang="en-IN" dirty="0"/>
-              <a:t>	</a:t>
-            </a:r>
-            <a:r>
-              <a:rPr lang="en-IN" dirty="0" smtClean="0"/>
-              <a:t>	2.2 Django</a:t>
-            </a:r>
-          </a:p>
-          <a:p>
-            <a:r>
-              <a:rPr lang="en-IN" dirty="0"/>
-              <a:t>	</a:t>
-            </a:r>
-            <a:r>
-              <a:rPr lang="en-IN" dirty="0" smtClean="0"/>
-              <a:t>	2.3 Django Development Server</a:t>
-            </a:r>
-          </a:p>
-          <a:p>
-            <a:r>
-              <a:rPr lang="en-IN" dirty="0" smtClean="0"/>
-              <a:t>3. Database</a:t>
-            </a:r>
-          </a:p>
-          <a:p>
-            <a:r>
-              <a:rPr lang="en-IN" dirty="0"/>
-              <a:t>	</a:t>
-            </a:r>
-            <a:r>
-              <a:rPr lang="en-IN" dirty="0" smtClean="0"/>
-              <a:t>	3.1 SQL</a:t>
+              <a:t>Sections that are inclusive of admin modules are</a:t>
+            </a:r>
+          </a:p>
+          <a:p>
+            <a:r>
+              <a:rPr lang="en-IN" dirty="0" smtClean="0"/>
+              <a:t>Users</a:t>
+            </a:r>
+          </a:p>
+          <a:p>
+            <a:r>
+              <a:rPr lang="en-IN" dirty="0" smtClean="0"/>
+              <a:t>Branches</a:t>
+            </a:r>
+          </a:p>
+          <a:p>
+            <a:r>
+              <a:rPr lang="en-IN" dirty="0" smtClean="0"/>
+              <a:t>Services</a:t>
+            </a:r>
+          </a:p>
+          <a:p>
+            <a:r>
+              <a:rPr lang="en-IN" dirty="0" smtClean="0"/>
+              <a:t>Videos</a:t>
+            </a:r>
+          </a:p>
+          <a:p>
+            <a:r>
+              <a:rPr lang="en-IN" dirty="0" smtClean="0"/>
+              <a:t>Notes</a:t>
+            </a:r>
+          </a:p>
+          <a:p>
+            <a:r>
+              <a:rPr lang="en-IN" dirty="0" smtClean="0"/>
+              <a:t>Blogs</a:t>
+            </a:r>
+          </a:p>
+          <a:p>
+            <a:r>
+              <a:rPr lang="en-IN" dirty="0" smtClean="0"/>
+              <a:t>Forum</a:t>
             </a:r>
             <a:endParaRPr lang="en-IN" dirty="0"/>
           </a:p>
@@ -5916,13 +5732,20 @@
     </p:spTree>
     <p:extLst>
       <p:ext uri="{BB962C8B-B14F-4D97-AF65-F5344CB8AC3E}">
-        <p14:creationId xmlns:p14="http://schemas.microsoft.com/office/powerpoint/2010/main" val="2434127352"/>
+        <p14:creationId xmlns:p14="http://schemas.microsoft.com/office/powerpoint/2010/main" val="3055856414"/>
       </p:ext>
     </p:extLst>
   </p:cSld>
   <p:clrMapOvr>
     <a:masterClrMapping/>
   </p:clrMapOvr>
+  <p:timing>
+    <p:tnLst>
+      <p:par>
+        <p:cTn id="1" dur="indefinite" restart="never" nodeType="tmRoot"/>
+      </p:par>
+    </p:tnLst>
+  </p:timing>
 </p:sld>
 </file>
 
@@ -5945,740 +5768,6 @@
       </p:grpSpPr>
       <p:sp>
         <p:nvSpPr>
-          <p:cNvPr id="5" name="TextBox 4"/>
-          <p:cNvSpPr txBox="1"/>
-          <p:nvPr/>
-        </p:nvSpPr>
-        <p:spPr>
-          <a:xfrm>
-            <a:off x="514905" y="399495"/>
-            <a:ext cx="10972800" cy="646331"/>
-          </a:xfrm>
-          <a:prstGeom prst="rect">
-            <a:avLst/>
-          </a:prstGeom>
-          <a:noFill/>
-        </p:spPr>
-        <p:txBody>
-          <a:bodyPr wrap="square" rtlCol="0">
-            <a:spAutoFit/>
-          </a:bodyPr>
-          <a:lstStyle/>
-          <a:p>
-            <a:pPr algn="just"/>
-            <a:r>
-              <a:rPr lang="en-IN" sz="3600" dirty="0" smtClean="0"/>
-              <a:t>Completion and Implementation Date</a:t>
-            </a:r>
-            <a:endParaRPr lang="en-IN" sz="3600" dirty="0"/>
-          </a:p>
-        </p:txBody>
-      </p:sp>
-      <p:sp>
-        <p:nvSpPr>
-          <p:cNvPr id="6" name="TextBox 5"/>
-          <p:cNvSpPr txBox="1"/>
-          <p:nvPr/>
-        </p:nvSpPr>
-        <p:spPr>
-          <a:xfrm>
-            <a:off x="772357" y="1713390"/>
-            <a:ext cx="9792070" cy="923330"/>
-          </a:xfrm>
-          <a:prstGeom prst="rect">
-            <a:avLst/>
-          </a:prstGeom>
-          <a:noFill/>
-        </p:spPr>
-        <p:txBody>
-          <a:bodyPr wrap="square" rtlCol="0">
-            <a:spAutoFit/>
-          </a:bodyPr>
-          <a:lstStyle/>
-          <a:p>
-            <a:r>
-              <a:rPr lang="en-IN" dirty="0" smtClean="0"/>
-              <a:t>Completion till :- </a:t>
-            </a:r>
-            <a:r>
-              <a:rPr lang="en-IN" smtClean="0"/>
-              <a:t>November 10</a:t>
-            </a:r>
-            <a:r>
-              <a:rPr lang="en-IN" baseline="30000" smtClean="0"/>
-              <a:t>th </a:t>
-            </a:r>
-            <a:r>
-              <a:rPr lang="en-IN" smtClean="0"/>
-              <a:t> 2018</a:t>
-            </a:r>
-            <a:endParaRPr lang="en-IN" dirty="0" smtClean="0"/>
-          </a:p>
-          <a:p>
-            <a:endParaRPr lang="en-IN" dirty="0"/>
-          </a:p>
-          <a:p>
-            <a:r>
-              <a:rPr lang="en-IN" dirty="0" smtClean="0"/>
-              <a:t>Implementation Date:- November 15</a:t>
-            </a:r>
-            <a:r>
-              <a:rPr lang="en-IN" baseline="30000" dirty="0" smtClean="0"/>
-              <a:t>th</a:t>
-            </a:r>
-            <a:r>
-              <a:rPr lang="en-IN" dirty="0" smtClean="0"/>
-              <a:t> 2018</a:t>
-            </a:r>
-            <a:endParaRPr lang="en-IN" dirty="0"/>
-          </a:p>
-        </p:txBody>
-      </p:sp>
-    </p:spTree>
-    <p:extLst>
-      <p:ext uri="{BB962C8B-B14F-4D97-AF65-F5344CB8AC3E}">
-        <p14:creationId xmlns:p14="http://schemas.microsoft.com/office/powerpoint/2010/main" val="2584035808"/>
-      </p:ext>
-    </p:extLst>
-  </p:cSld>
-  <p:clrMapOvr>
-    <a:masterClrMapping/>
-  </p:clrMapOvr>
-</p:sld>
-</file>
-
-<file path=ppt/slides/slide2.xml><?xml version="1.0" encoding="utf-8"?>
-<p:sld xmlns:a="http://schemas.openxmlformats.org/drawingml/2006/main" xmlns:r="http://schemas.openxmlformats.org/officeDocument/2006/relationships" xmlns:p="http://schemas.openxmlformats.org/presentationml/2006/main">
-  <p:cSld>
-    <p:spTree>
-      <p:nvGrpSpPr>
-        <p:cNvPr id="1" name=""/>
-        <p:cNvGrpSpPr/>
-        <p:nvPr/>
-      </p:nvGrpSpPr>
-      <p:grpSpPr>
-        <a:xfrm>
-          <a:off x="0" y="0"/>
-          <a:ext cx="0" cy="0"/>
-          <a:chOff x="0" y="0"/>
-          <a:chExt cx="0" cy="0"/>
-        </a:xfrm>
-      </p:grpSpPr>
-      <p:sp>
-        <p:nvSpPr>
-          <p:cNvPr id="2" name="Title 1"/>
-          <p:cNvSpPr>
-            <a:spLocks noGrp="1"/>
-          </p:cNvSpPr>
-          <p:nvPr>
-            <p:ph type="title"/>
-          </p:nvPr>
-        </p:nvSpPr>
-        <p:spPr>
-          <a:xfrm>
-            <a:off x="117915" y="103072"/>
-            <a:ext cx="8534400" cy="1274967"/>
-          </a:xfrm>
-        </p:spPr>
-        <p:txBody>
-          <a:bodyPr/>
-          <a:lstStyle/>
-          <a:p>
-            <a:r>
-              <a:rPr lang="en-IN" dirty="0" smtClean="0"/>
-              <a:t>Introduction</a:t>
-            </a:r>
-            <a:endParaRPr lang="en-IN" dirty="0"/>
-          </a:p>
-        </p:txBody>
-      </p:sp>
-      <p:sp>
-        <p:nvSpPr>
-          <p:cNvPr id="3" name="Content Placeholder 2"/>
-          <p:cNvSpPr>
-            <a:spLocks noGrp="1"/>
-          </p:cNvSpPr>
-          <p:nvPr>
-            <p:ph idx="1"/>
-          </p:nvPr>
-        </p:nvSpPr>
-        <p:spPr>
-          <a:xfrm>
-            <a:off x="117915" y="1378039"/>
-            <a:ext cx="8534400" cy="4636395"/>
-          </a:xfrm>
-        </p:spPr>
-        <p:txBody>
-          <a:bodyPr/>
-          <a:lstStyle/>
-          <a:p>
-            <a:pPr algn="just"/>
-            <a:r>
-              <a:rPr lang="en-IN" dirty="0" err="1" smtClean="0"/>
-              <a:t>Paathsala</a:t>
-            </a:r>
-            <a:r>
-              <a:rPr lang="en-IN" dirty="0" smtClean="0"/>
-              <a:t> is a simple learning platform where the students find their own time to study and cope up with the academic syllabus. This platform is developed with pure intent of helping students in terms of studying while having some fun. The user interface has been kept so much simple for the ease if use so that they won’t face any problem on the future. </a:t>
-            </a:r>
-            <a:endParaRPr lang="en-IN" dirty="0"/>
-          </a:p>
-        </p:txBody>
-      </p:sp>
-    </p:spTree>
-    <p:extLst>
-      <p:ext uri="{BB962C8B-B14F-4D97-AF65-F5344CB8AC3E}">
-        <p14:creationId xmlns:p14="http://schemas.microsoft.com/office/powerpoint/2010/main" val="822521204"/>
-      </p:ext>
-    </p:extLst>
-  </p:cSld>
-  <p:clrMapOvr>
-    <a:masterClrMapping/>
-  </p:clrMapOvr>
-</p:sld>
-</file>
-
-<file path=ppt/slides/slide3.xml><?xml version="1.0" encoding="utf-8"?>
-<p:sld xmlns:a="http://schemas.openxmlformats.org/drawingml/2006/main" xmlns:r="http://schemas.openxmlformats.org/officeDocument/2006/relationships" xmlns:p="http://schemas.openxmlformats.org/presentationml/2006/main">
-  <p:cSld>
-    <p:spTree>
-      <p:nvGrpSpPr>
-        <p:cNvPr id="1" name=""/>
-        <p:cNvGrpSpPr/>
-        <p:nvPr/>
-      </p:nvGrpSpPr>
-      <p:grpSpPr>
-        <a:xfrm>
-          <a:off x="0" y="0"/>
-          <a:ext cx="0" cy="0"/>
-          <a:chOff x="0" y="0"/>
-          <a:chExt cx="0" cy="0"/>
-        </a:xfrm>
-      </p:grpSpPr>
-      <p:sp>
-        <p:nvSpPr>
-          <p:cNvPr id="2" name="Title 1"/>
-          <p:cNvSpPr>
-            <a:spLocks noGrp="1"/>
-          </p:cNvSpPr>
-          <p:nvPr>
-            <p:ph type="title"/>
-          </p:nvPr>
-        </p:nvSpPr>
-        <p:spPr>
-          <a:xfrm>
-            <a:off x="257156" y="0"/>
-            <a:ext cx="8534400" cy="1507067"/>
-          </a:xfrm>
-        </p:spPr>
-        <p:txBody>
-          <a:bodyPr/>
-          <a:lstStyle/>
-          <a:p>
-            <a:r>
-              <a:rPr lang="en-IN" dirty="0" smtClean="0"/>
-              <a:t>Specifications</a:t>
-            </a:r>
-            <a:endParaRPr lang="en-IN" dirty="0"/>
-          </a:p>
-        </p:txBody>
-      </p:sp>
-      <p:sp>
-        <p:nvSpPr>
-          <p:cNvPr id="3" name="Content Placeholder 2"/>
-          <p:cNvSpPr>
-            <a:spLocks noGrp="1"/>
-          </p:cNvSpPr>
-          <p:nvPr>
-            <p:ph idx="1"/>
-          </p:nvPr>
-        </p:nvSpPr>
-        <p:spPr>
-          <a:xfrm>
-            <a:off x="257156" y="2080451"/>
-            <a:ext cx="8534400" cy="3615267"/>
-          </a:xfrm>
-        </p:spPr>
-        <p:txBody>
-          <a:bodyPr>
-            <a:normAutofit fontScale="92500" lnSpcReduction="10000"/>
-          </a:bodyPr>
-          <a:lstStyle/>
-          <a:p>
-            <a:pPr marL="0" indent="0">
-              <a:buNone/>
-            </a:pPr>
-            <a:r>
-              <a:rPr lang="en-IN" dirty="0" smtClean="0"/>
-              <a:t>Hardware specifications:-</a:t>
-            </a:r>
-          </a:p>
-          <a:p>
-            <a:r>
-              <a:rPr lang="en-IN" dirty="0" smtClean="0"/>
-              <a:t>A desktop running windows 7 or higher</a:t>
-            </a:r>
-          </a:p>
-          <a:p>
-            <a:r>
-              <a:rPr lang="en-IN" dirty="0" smtClean="0"/>
-              <a:t>512MB ram</a:t>
-            </a:r>
-          </a:p>
-          <a:p>
-            <a:r>
-              <a:rPr lang="en-IN" dirty="0" smtClean="0"/>
-              <a:t>Dual core processor</a:t>
-            </a:r>
-          </a:p>
-          <a:p>
-            <a:pPr marL="0" indent="0">
-              <a:buNone/>
-            </a:pPr>
-            <a:endParaRPr lang="en-IN" dirty="0" smtClean="0"/>
-          </a:p>
-          <a:p>
-            <a:pPr marL="0" indent="0">
-              <a:buNone/>
-            </a:pPr>
-            <a:r>
-              <a:rPr lang="en-IN" dirty="0" smtClean="0"/>
-              <a:t>Software </a:t>
-            </a:r>
-            <a:r>
-              <a:rPr lang="en-IN" dirty="0" smtClean="0"/>
-              <a:t>Specifications:-</a:t>
-            </a:r>
-          </a:p>
-          <a:p>
-            <a:r>
-              <a:rPr lang="en-IN" dirty="0" smtClean="0"/>
-              <a:t>Chrome v. 30 or Above</a:t>
-            </a:r>
-          </a:p>
-          <a:p>
-            <a:r>
-              <a:rPr lang="en-IN" dirty="0" smtClean="0"/>
-              <a:t>Data connection</a:t>
-            </a:r>
-          </a:p>
-          <a:p>
-            <a:r>
-              <a:rPr lang="en-IN" dirty="0" smtClean="0"/>
-              <a:t>Flash player</a:t>
-            </a:r>
-          </a:p>
-          <a:p>
-            <a:endParaRPr lang="en-IN" dirty="0"/>
-          </a:p>
-        </p:txBody>
-      </p:sp>
-    </p:spTree>
-    <p:extLst>
-      <p:ext uri="{BB962C8B-B14F-4D97-AF65-F5344CB8AC3E}">
-        <p14:creationId xmlns:p14="http://schemas.microsoft.com/office/powerpoint/2010/main" val="4204839390"/>
-      </p:ext>
-    </p:extLst>
-  </p:cSld>
-  <p:clrMapOvr>
-    <a:masterClrMapping/>
-  </p:clrMapOvr>
-</p:sld>
-</file>
-
-<file path=ppt/slides/slide4.xml><?xml version="1.0" encoding="utf-8"?>
-<p:sld xmlns:a="http://schemas.openxmlformats.org/drawingml/2006/main" xmlns:r="http://schemas.openxmlformats.org/officeDocument/2006/relationships" xmlns:p="http://schemas.openxmlformats.org/presentationml/2006/main">
-  <p:cSld>
-    <p:spTree>
-      <p:nvGrpSpPr>
-        <p:cNvPr id="1" name=""/>
-        <p:cNvGrpSpPr/>
-        <p:nvPr/>
-      </p:nvGrpSpPr>
-      <p:grpSpPr>
-        <a:xfrm>
-          <a:off x="0" y="0"/>
-          <a:ext cx="0" cy="0"/>
-          <a:chOff x="0" y="0"/>
-          <a:chExt cx="0" cy="0"/>
-        </a:xfrm>
-      </p:grpSpPr>
-      <p:sp>
-        <p:nvSpPr>
-          <p:cNvPr id="2" name="Title 1"/>
-          <p:cNvSpPr>
-            <a:spLocks noGrp="1"/>
-          </p:cNvSpPr>
-          <p:nvPr>
-            <p:ph type="title"/>
-          </p:nvPr>
-        </p:nvSpPr>
-        <p:spPr>
-          <a:xfrm>
-            <a:off x="226919" y="144540"/>
-            <a:ext cx="8534400" cy="1167426"/>
-          </a:xfrm>
-        </p:spPr>
-        <p:txBody>
-          <a:bodyPr/>
-          <a:lstStyle/>
-          <a:p>
-            <a:r>
-              <a:rPr lang="en-IN" dirty="0" smtClean="0"/>
-              <a:t>What we offer</a:t>
-            </a:r>
-            <a:endParaRPr lang="en-IN" dirty="0"/>
-          </a:p>
-        </p:txBody>
-      </p:sp>
-      <p:sp>
-        <p:nvSpPr>
-          <p:cNvPr id="3" name="Content Placeholder 2"/>
-          <p:cNvSpPr>
-            <a:spLocks noGrp="1"/>
-          </p:cNvSpPr>
-          <p:nvPr>
-            <p:ph idx="1"/>
-          </p:nvPr>
-        </p:nvSpPr>
-        <p:spPr>
-          <a:xfrm>
-            <a:off x="226919" y="1618679"/>
-            <a:ext cx="11315724" cy="4729112"/>
-          </a:xfrm>
-        </p:spPr>
-        <p:txBody>
-          <a:bodyPr/>
-          <a:lstStyle/>
-          <a:p>
-            <a:pPr marL="0" indent="0">
-              <a:buNone/>
-            </a:pPr>
-            <a:r>
-              <a:rPr lang="en-IN" dirty="0" smtClean="0"/>
-              <a:t>We Offer the one stop solution for all your study related problems. These are some features which we offer exclusively:-</a:t>
-            </a:r>
-          </a:p>
-          <a:p>
-            <a:r>
-              <a:rPr lang="en-IN" dirty="0" smtClean="0"/>
-              <a:t>Lecture Notes</a:t>
-            </a:r>
-          </a:p>
-          <a:p>
-            <a:r>
-              <a:rPr lang="en-IN" dirty="0" smtClean="0"/>
-              <a:t>Video Lectures</a:t>
-            </a:r>
-          </a:p>
-          <a:p>
-            <a:r>
-              <a:rPr lang="en-IN" dirty="0" smtClean="0"/>
-              <a:t>Discussion forum</a:t>
-            </a:r>
-          </a:p>
-          <a:p>
-            <a:r>
-              <a:rPr lang="en-IN" dirty="0" smtClean="0"/>
-              <a:t>Blog Writing Section</a:t>
-            </a:r>
-          </a:p>
-          <a:p>
-            <a:r>
-              <a:rPr lang="en-IN" dirty="0" smtClean="0"/>
-              <a:t>Project Management Guide</a:t>
-            </a:r>
-          </a:p>
-          <a:p>
-            <a:r>
-              <a:rPr lang="en-IN" dirty="0" smtClean="0"/>
-              <a:t>Aptitude and Reasoning Section</a:t>
-            </a:r>
-          </a:p>
-          <a:p>
-            <a:r>
-              <a:rPr lang="en-IN" dirty="0" smtClean="0"/>
-              <a:t>Novel Library</a:t>
-            </a:r>
-          </a:p>
-          <a:p>
-            <a:r>
-              <a:rPr lang="en-IN" dirty="0" smtClean="0"/>
-              <a:t>Typing Practicing</a:t>
-            </a:r>
-            <a:endParaRPr lang="en-IN" dirty="0"/>
-          </a:p>
-        </p:txBody>
-      </p:sp>
-    </p:spTree>
-    <p:extLst>
-      <p:ext uri="{BB962C8B-B14F-4D97-AF65-F5344CB8AC3E}">
-        <p14:creationId xmlns:p14="http://schemas.microsoft.com/office/powerpoint/2010/main" val="3771036657"/>
-      </p:ext>
-    </p:extLst>
-  </p:cSld>
-  <p:clrMapOvr>
-    <a:masterClrMapping/>
-  </p:clrMapOvr>
-</p:sld>
-</file>
-
-<file path=ppt/slides/slide5.xml><?xml version="1.0" encoding="utf-8"?>
-<p:sld xmlns:a="http://schemas.openxmlformats.org/drawingml/2006/main" xmlns:r="http://schemas.openxmlformats.org/officeDocument/2006/relationships" xmlns:p="http://schemas.openxmlformats.org/presentationml/2006/main">
-  <p:cSld>
-    <p:spTree>
-      <p:nvGrpSpPr>
-        <p:cNvPr id="1" name=""/>
-        <p:cNvGrpSpPr/>
-        <p:nvPr/>
-      </p:nvGrpSpPr>
-      <p:grpSpPr>
-        <a:xfrm>
-          <a:off x="0" y="0"/>
-          <a:ext cx="0" cy="0"/>
-          <a:chOff x="0" y="0"/>
-          <a:chExt cx="0" cy="0"/>
-        </a:xfrm>
-      </p:grpSpPr>
-      <p:sp>
-        <p:nvSpPr>
-          <p:cNvPr id="2" name="Title 1"/>
-          <p:cNvSpPr>
-            <a:spLocks noGrp="1"/>
-          </p:cNvSpPr>
-          <p:nvPr>
-            <p:ph type="title"/>
-          </p:nvPr>
-        </p:nvSpPr>
-        <p:spPr>
-          <a:xfrm>
-            <a:off x="141259" y="65223"/>
-            <a:ext cx="8534400" cy="1507067"/>
-          </a:xfrm>
-        </p:spPr>
-        <p:txBody>
-          <a:bodyPr/>
-          <a:lstStyle/>
-          <a:p>
-            <a:r>
-              <a:rPr lang="en-IN" dirty="0" smtClean="0"/>
-              <a:t>Modules</a:t>
-            </a:r>
-            <a:endParaRPr lang="en-IN" dirty="0"/>
-          </a:p>
-        </p:txBody>
-      </p:sp>
-      <p:sp>
-        <p:nvSpPr>
-          <p:cNvPr id="3" name="Content Placeholder 2"/>
-          <p:cNvSpPr>
-            <a:spLocks noGrp="1"/>
-          </p:cNvSpPr>
-          <p:nvPr>
-            <p:ph idx="1"/>
-          </p:nvPr>
-        </p:nvSpPr>
-        <p:spPr>
-          <a:xfrm>
-            <a:off x="136242" y="2106392"/>
-            <a:ext cx="8534400" cy="3615267"/>
-          </a:xfrm>
-        </p:spPr>
-        <p:txBody>
-          <a:bodyPr/>
-          <a:lstStyle/>
-          <a:p>
-            <a:pPr marL="0" indent="0">
-              <a:buNone/>
-            </a:pPr>
-            <a:r>
-              <a:rPr lang="en-IN" dirty="0" smtClean="0"/>
-              <a:t>Our portal works basically on 2 modules:-</a:t>
-            </a:r>
-          </a:p>
-          <a:p>
-            <a:r>
-              <a:rPr lang="en-IN" dirty="0" smtClean="0"/>
-              <a:t>Admin</a:t>
-            </a:r>
-          </a:p>
-          <a:p>
-            <a:r>
-              <a:rPr lang="en-IN" dirty="0" smtClean="0"/>
-              <a:t>User </a:t>
-            </a:r>
-          </a:p>
-          <a:p>
-            <a:pPr marL="0" indent="0">
-              <a:buNone/>
-            </a:pPr>
-            <a:endParaRPr lang="en-IN" dirty="0"/>
-          </a:p>
-        </p:txBody>
-      </p:sp>
-    </p:spTree>
-    <p:extLst>
-      <p:ext uri="{BB962C8B-B14F-4D97-AF65-F5344CB8AC3E}">
-        <p14:creationId xmlns:p14="http://schemas.microsoft.com/office/powerpoint/2010/main" val="1565098221"/>
-      </p:ext>
-    </p:extLst>
-  </p:cSld>
-  <p:clrMapOvr>
-    <a:masterClrMapping/>
-  </p:clrMapOvr>
-</p:sld>
-</file>
-
-<file path=ppt/slides/slide6.xml><?xml version="1.0" encoding="utf-8"?>
-<p:sld xmlns:a="http://schemas.openxmlformats.org/drawingml/2006/main" xmlns:r="http://schemas.openxmlformats.org/officeDocument/2006/relationships" xmlns:p="http://schemas.openxmlformats.org/presentationml/2006/main">
-  <p:cSld>
-    <p:spTree>
-      <p:nvGrpSpPr>
-        <p:cNvPr id="1" name=""/>
-        <p:cNvGrpSpPr/>
-        <p:nvPr/>
-      </p:nvGrpSpPr>
-      <p:grpSpPr>
-        <a:xfrm>
-          <a:off x="0" y="0"/>
-          <a:ext cx="0" cy="0"/>
-          <a:chOff x="0" y="0"/>
-          <a:chExt cx="0" cy="0"/>
-        </a:xfrm>
-      </p:grpSpPr>
-      <p:sp>
-        <p:nvSpPr>
-          <p:cNvPr id="2" name="Title 1"/>
-          <p:cNvSpPr>
-            <a:spLocks noGrp="1"/>
-          </p:cNvSpPr>
-          <p:nvPr>
-            <p:ph type="title"/>
-          </p:nvPr>
-        </p:nvSpPr>
-        <p:spPr>
-          <a:xfrm>
-            <a:off x="77629" y="87348"/>
-            <a:ext cx="8534400" cy="1182159"/>
-          </a:xfrm>
-        </p:spPr>
-        <p:txBody>
-          <a:bodyPr/>
-          <a:lstStyle/>
-          <a:p>
-            <a:r>
-              <a:rPr lang="en-IN" dirty="0" smtClean="0"/>
-              <a:t>Admin module</a:t>
-            </a:r>
-            <a:endParaRPr lang="en-IN" dirty="0"/>
-          </a:p>
-        </p:txBody>
-      </p:sp>
-      <p:sp>
-        <p:nvSpPr>
-          <p:cNvPr id="3" name="Content Placeholder 2"/>
-          <p:cNvSpPr>
-            <a:spLocks noGrp="1"/>
-          </p:cNvSpPr>
-          <p:nvPr>
-            <p:ph idx="1"/>
-          </p:nvPr>
-        </p:nvSpPr>
-        <p:spPr>
-          <a:xfrm>
-            <a:off x="267576" y="2525588"/>
-            <a:ext cx="8534400" cy="3615267"/>
-          </a:xfrm>
-        </p:spPr>
-        <p:txBody>
-          <a:bodyPr/>
-          <a:lstStyle/>
-          <a:p>
-            <a:pPr marL="0" indent="0">
-              <a:buNone/>
-            </a:pPr>
-            <a:r>
-              <a:rPr lang="en-IN" dirty="0" smtClean="0"/>
-              <a:t>Sections that are inclusive of admin modules are</a:t>
-            </a:r>
-          </a:p>
-          <a:p>
-            <a:r>
-              <a:rPr lang="en-IN" dirty="0" smtClean="0"/>
-              <a:t>Users</a:t>
-            </a:r>
-          </a:p>
-          <a:p>
-            <a:r>
-              <a:rPr lang="en-IN" dirty="0" smtClean="0"/>
-              <a:t>Branches</a:t>
-            </a:r>
-          </a:p>
-          <a:p>
-            <a:r>
-              <a:rPr lang="en-IN" dirty="0" smtClean="0"/>
-              <a:t>Services</a:t>
-            </a:r>
-          </a:p>
-          <a:p>
-            <a:r>
-              <a:rPr lang="en-IN" dirty="0" smtClean="0"/>
-              <a:t>Videos</a:t>
-            </a:r>
-          </a:p>
-          <a:p>
-            <a:r>
-              <a:rPr lang="en-IN" dirty="0" smtClean="0"/>
-              <a:t>Notes</a:t>
-            </a:r>
-          </a:p>
-          <a:p>
-            <a:r>
-              <a:rPr lang="en-IN" dirty="0" smtClean="0"/>
-              <a:t>Blogs</a:t>
-            </a:r>
-          </a:p>
-          <a:p>
-            <a:r>
-              <a:rPr lang="en-IN" dirty="0" smtClean="0"/>
-              <a:t>Forum</a:t>
-            </a:r>
-            <a:endParaRPr lang="en-IN" dirty="0"/>
-          </a:p>
-        </p:txBody>
-      </p:sp>
-    </p:spTree>
-    <p:extLst>
-      <p:ext uri="{BB962C8B-B14F-4D97-AF65-F5344CB8AC3E}">
-        <p14:creationId xmlns:p14="http://schemas.microsoft.com/office/powerpoint/2010/main" val="3055856414"/>
-      </p:ext>
-    </p:extLst>
-  </p:cSld>
-  <p:clrMapOvr>
-    <a:masterClrMapping/>
-  </p:clrMapOvr>
-</p:sld>
-</file>
-
-<file path=ppt/slides/slide7.xml><?xml version="1.0" encoding="utf-8"?>
-<p:sld xmlns:a="http://schemas.openxmlformats.org/drawingml/2006/main" xmlns:r="http://schemas.openxmlformats.org/officeDocument/2006/relationships" xmlns:p="http://schemas.openxmlformats.org/presentationml/2006/main">
-  <p:cSld>
-    <p:spTree>
-      <p:nvGrpSpPr>
-        <p:cNvPr id="1" name=""/>
-        <p:cNvGrpSpPr/>
-        <p:nvPr/>
-      </p:nvGrpSpPr>
-      <p:grpSpPr>
-        <a:xfrm>
-          <a:off x="0" y="0"/>
-          <a:ext cx="0" cy="0"/>
-          <a:chOff x="0" y="0"/>
-          <a:chExt cx="0" cy="0"/>
-        </a:xfrm>
-      </p:grpSpPr>
-      <p:sp>
-        <p:nvSpPr>
           <p:cNvPr id="2" name="Title 1"/>
           <p:cNvSpPr>
             <a:spLocks noGrp="1"/>
@@ -6747,12 +5836,12 @@
           <a:p>
             <a:pPr lvl="2"/>
             <a:r>
-              <a:rPr lang="en-IN" dirty="0" err="1" smtClean="0"/>
-              <a:t>Ui</a:t>
-            </a:r>
-            <a:r>
-              <a:rPr lang="en-IN" dirty="0" smtClean="0"/>
-              <a:t> displaying set of operation</a:t>
+              <a:rPr lang="en-IN" dirty="0" smtClean="0"/>
+              <a:t>UI </a:t>
+            </a:r>
+            <a:r>
+              <a:rPr lang="en-IN" dirty="0" smtClean="0"/>
+              <a:t>displaying set of operation</a:t>
             </a:r>
           </a:p>
           <a:p>
@@ -6809,914 +5898,17 @@
   <p:clrMapOvr>
     <a:masterClrMapping/>
   </p:clrMapOvr>
+  <p:timing>
+    <p:tnLst>
+      <p:par>
+        <p:cTn id="1" dur="indefinite" restart="never" nodeType="tmRoot"/>
+      </p:par>
+    </p:tnLst>
+  </p:timing>
 </p:sld>
 </file>
 
-<file path=ppt/slides/slide8.xml><?xml version="1.0" encoding="utf-8"?>
-<p:sld xmlns:a="http://schemas.openxmlformats.org/drawingml/2006/main" xmlns:r="http://schemas.openxmlformats.org/officeDocument/2006/relationships" xmlns:p="http://schemas.openxmlformats.org/presentationml/2006/main">
-  <p:cSld>
-    <p:spTree>
-      <p:nvGrpSpPr>
-        <p:cNvPr id="1" name=""/>
-        <p:cNvGrpSpPr/>
-        <p:nvPr/>
-      </p:nvGrpSpPr>
-      <p:grpSpPr>
-        <a:xfrm>
-          <a:off x="0" y="0"/>
-          <a:ext cx="0" cy="0"/>
-          <a:chOff x="0" y="0"/>
-          <a:chExt cx="0" cy="0"/>
-        </a:xfrm>
-      </p:grpSpPr>
-      <p:sp>
-        <p:nvSpPr>
-          <p:cNvPr id="6" name="Rectangle 5"/>
-          <p:cNvSpPr/>
-          <p:nvPr/>
-        </p:nvSpPr>
-        <p:spPr>
-          <a:xfrm>
-            <a:off x="4199803" y="1056443"/>
-            <a:ext cx="2396970" cy="4953740"/>
-          </a:xfrm>
-          <a:prstGeom prst="rect">
-            <a:avLst/>
-          </a:prstGeom>
-          <a:solidFill>
-            <a:schemeClr val="bg2">
-              <a:lumMod val="60000"/>
-              <a:lumOff val="40000"/>
-            </a:schemeClr>
-          </a:solidFill>
-        </p:spPr>
-        <p:style>
-          <a:lnRef idx="2">
-            <a:schemeClr val="accent1">
-              <a:shade val="50000"/>
-            </a:schemeClr>
-          </a:lnRef>
-          <a:fillRef idx="1">
-            <a:schemeClr val="accent1"/>
-          </a:fillRef>
-          <a:effectRef idx="0">
-            <a:schemeClr val="accent1"/>
-          </a:effectRef>
-          <a:fontRef idx="minor">
-            <a:schemeClr val="lt1"/>
-          </a:fontRef>
-        </p:style>
-        <p:txBody>
-          <a:bodyPr rtlCol="0" anchor="ctr"/>
-          <a:lstStyle/>
-          <a:p>
-            <a:pPr algn="ctr"/>
-            <a:endParaRPr lang="en-IN"/>
-          </a:p>
-        </p:txBody>
-      </p:sp>
-      <p:sp>
-        <p:nvSpPr>
-          <p:cNvPr id="9" name="Flowchart: Terminator 8"/>
-          <p:cNvSpPr/>
-          <p:nvPr/>
-        </p:nvSpPr>
-        <p:spPr>
-          <a:xfrm>
-            <a:off x="4749553" y="1194046"/>
-            <a:ext cx="1411550" cy="421690"/>
-          </a:xfrm>
-          <a:prstGeom prst="flowChartTerminator">
-            <a:avLst/>
-          </a:prstGeom>
-          <a:solidFill>
-            <a:schemeClr val="bg2">
-              <a:lumMod val="60000"/>
-              <a:lumOff val="40000"/>
-              <a:alpha val="75000"/>
-            </a:schemeClr>
-          </a:solidFill>
-        </p:spPr>
-        <p:style>
-          <a:lnRef idx="2">
-            <a:schemeClr val="accent1">
-              <a:shade val="50000"/>
-            </a:schemeClr>
-          </a:lnRef>
-          <a:fillRef idx="1">
-            <a:schemeClr val="accent1"/>
-          </a:fillRef>
-          <a:effectRef idx="0">
-            <a:schemeClr val="accent1"/>
-          </a:effectRef>
-          <a:fontRef idx="minor">
-            <a:schemeClr val="lt1"/>
-          </a:fontRef>
-        </p:style>
-        <p:txBody>
-          <a:bodyPr rtlCol="0" anchor="ctr"/>
-          <a:lstStyle/>
-          <a:p>
-            <a:pPr algn="ctr"/>
-            <a:r>
-              <a:rPr lang="en-IN" dirty="0" smtClean="0"/>
-              <a:t>login</a:t>
-            </a:r>
-            <a:endParaRPr lang="en-IN" dirty="0"/>
-          </a:p>
-        </p:txBody>
-      </p:sp>
-      <p:sp>
-        <p:nvSpPr>
-          <p:cNvPr id="10" name="Flowchart: Terminator 9"/>
-          <p:cNvSpPr/>
-          <p:nvPr/>
-        </p:nvSpPr>
-        <p:spPr>
-          <a:xfrm>
-            <a:off x="4749553" y="1819922"/>
-            <a:ext cx="1411549" cy="399495"/>
-          </a:xfrm>
-          <a:prstGeom prst="flowChartTerminator">
-            <a:avLst/>
-          </a:prstGeom>
-          <a:solidFill>
-            <a:schemeClr val="bg2">
-              <a:lumMod val="60000"/>
-              <a:lumOff val="40000"/>
-              <a:alpha val="53000"/>
-            </a:schemeClr>
-          </a:solidFill>
-        </p:spPr>
-        <p:style>
-          <a:lnRef idx="2">
-            <a:schemeClr val="accent1">
-              <a:shade val="50000"/>
-            </a:schemeClr>
-          </a:lnRef>
-          <a:fillRef idx="1">
-            <a:schemeClr val="accent1"/>
-          </a:fillRef>
-          <a:effectRef idx="0">
-            <a:schemeClr val="accent1"/>
-          </a:effectRef>
-          <a:fontRef idx="minor">
-            <a:schemeClr val="lt1"/>
-          </a:fontRef>
-        </p:style>
-        <p:txBody>
-          <a:bodyPr rtlCol="0" anchor="ctr"/>
-          <a:lstStyle/>
-          <a:p>
-            <a:pPr algn="ctr"/>
-            <a:r>
-              <a:rPr lang="en-IN" dirty="0" smtClean="0"/>
-              <a:t>Sign up</a:t>
-            </a:r>
-            <a:endParaRPr lang="en-IN" dirty="0"/>
-          </a:p>
-        </p:txBody>
-      </p:sp>
-      <p:sp>
-        <p:nvSpPr>
-          <p:cNvPr id="11" name="Flowchart: Terminator 10"/>
-          <p:cNvSpPr/>
-          <p:nvPr/>
-        </p:nvSpPr>
-        <p:spPr>
-          <a:xfrm>
-            <a:off x="4749553" y="2396971"/>
-            <a:ext cx="1411549" cy="408284"/>
-          </a:xfrm>
-          <a:prstGeom prst="flowChartTerminator">
-            <a:avLst/>
-          </a:prstGeom>
-          <a:solidFill>
-            <a:schemeClr val="bg2">
-              <a:lumMod val="60000"/>
-              <a:lumOff val="40000"/>
-              <a:alpha val="63000"/>
-            </a:schemeClr>
-          </a:solidFill>
-        </p:spPr>
-        <p:style>
-          <a:lnRef idx="2">
-            <a:schemeClr val="accent1">
-              <a:shade val="50000"/>
-            </a:schemeClr>
-          </a:lnRef>
-          <a:fillRef idx="1">
-            <a:schemeClr val="accent1"/>
-          </a:fillRef>
-          <a:effectRef idx="0">
-            <a:schemeClr val="accent1"/>
-          </a:effectRef>
-          <a:fontRef idx="minor">
-            <a:schemeClr val="lt1"/>
-          </a:fontRef>
-        </p:style>
-        <p:txBody>
-          <a:bodyPr rtlCol="0" anchor="ctr"/>
-          <a:lstStyle/>
-          <a:p>
-            <a:pPr algn="ctr"/>
-            <a:r>
-              <a:rPr lang="en-IN" dirty="0" smtClean="0"/>
-              <a:t>video</a:t>
-            </a:r>
-            <a:endParaRPr lang="en-IN" dirty="0"/>
-          </a:p>
-        </p:txBody>
-      </p:sp>
-      <p:sp>
-        <p:nvSpPr>
-          <p:cNvPr id="12" name="Flowchart: Terminator 11"/>
-          <p:cNvSpPr/>
-          <p:nvPr/>
-        </p:nvSpPr>
-        <p:spPr>
-          <a:xfrm>
-            <a:off x="4749554" y="3027329"/>
-            <a:ext cx="1411548" cy="399451"/>
-          </a:xfrm>
-          <a:prstGeom prst="flowChartTerminator">
-            <a:avLst/>
-          </a:prstGeom>
-          <a:solidFill>
-            <a:schemeClr val="bg2">
-              <a:lumMod val="60000"/>
-              <a:lumOff val="40000"/>
-              <a:alpha val="59000"/>
-            </a:schemeClr>
-          </a:solidFill>
-        </p:spPr>
-        <p:style>
-          <a:lnRef idx="2">
-            <a:schemeClr val="accent1">
-              <a:shade val="50000"/>
-            </a:schemeClr>
-          </a:lnRef>
-          <a:fillRef idx="1">
-            <a:schemeClr val="accent1"/>
-          </a:fillRef>
-          <a:effectRef idx="0">
-            <a:schemeClr val="accent1"/>
-          </a:effectRef>
-          <a:fontRef idx="minor">
-            <a:schemeClr val="lt1"/>
-          </a:fontRef>
-        </p:style>
-        <p:txBody>
-          <a:bodyPr rtlCol="0" anchor="ctr"/>
-          <a:lstStyle/>
-          <a:p>
-            <a:pPr algn="ctr"/>
-            <a:r>
-              <a:rPr lang="en-IN" dirty="0" smtClean="0"/>
-              <a:t>notes</a:t>
-            </a:r>
-            <a:endParaRPr lang="en-IN" dirty="0"/>
-          </a:p>
-        </p:txBody>
-      </p:sp>
-      <p:sp>
-        <p:nvSpPr>
-          <p:cNvPr id="13" name="Flowchart: Terminator 12"/>
-          <p:cNvSpPr/>
-          <p:nvPr/>
-        </p:nvSpPr>
-        <p:spPr>
-          <a:xfrm>
-            <a:off x="4749554" y="3613255"/>
-            <a:ext cx="1411548" cy="381696"/>
-          </a:xfrm>
-          <a:prstGeom prst="flowChartTerminator">
-            <a:avLst/>
-          </a:prstGeom>
-          <a:solidFill>
-            <a:schemeClr val="bg2">
-              <a:lumMod val="60000"/>
-              <a:lumOff val="40000"/>
-              <a:alpha val="41000"/>
-            </a:schemeClr>
-          </a:solidFill>
-        </p:spPr>
-        <p:style>
-          <a:lnRef idx="2">
-            <a:schemeClr val="accent1">
-              <a:shade val="50000"/>
-            </a:schemeClr>
-          </a:lnRef>
-          <a:fillRef idx="1">
-            <a:schemeClr val="accent1"/>
-          </a:fillRef>
-          <a:effectRef idx="0">
-            <a:schemeClr val="accent1"/>
-          </a:effectRef>
-          <a:fontRef idx="minor">
-            <a:schemeClr val="lt1"/>
-          </a:fontRef>
-        </p:style>
-        <p:txBody>
-          <a:bodyPr rtlCol="0" anchor="ctr"/>
-          <a:lstStyle/>
-          <a:p>
-            <a:pPr algn="ctr"/>
-            <a:r>
-              <a:rPr lang="en-IN" dirty="0" smtClean="0"/>
-              <a:t>projects</a:t>
-            </a:r>
-            <a:endParaRPr lang="en-IN" dirty="0"/>
-          </a:p>
-        </p:txBody>
-      </p:sp>
-      <p:sp>
-        <p:nvSpPr>
-          <p:cNvPr id="14" name="Flowchart: Terminator 13"/>
-          <p:cNvSpPr/>
-          <p:nvPr/>
-        </p:nvSpPr>
-        <p:spPr>
-          <a:xfrm>
-            <a:off x="4749554" y="4172549"/>
-            <a:ext cx="1411548" cy="417206"/>
-          </a:xfrm>
-          <a:prstGeom prst="flowChartTerminator">
-            <a:avLst/>
-          </a:prstGeom>
-          <a:solidFill>
-            <a:schemeClr val="bg2">
-              <a:lumMod val="60000"/>
-              <a:lumOff val="40000"/>
-              <a:alpha val="41000"/>
-            </a:schemeClr>
-          </a:solidFill>
-        </p:spPr>
-        <p:style>
-          <a:lnRef idx="2">
-            <a:schemeClr val="accent1">
-              <a:shade val="50000"/>
-            </a:schemeClr>
-          </a:lnRef>
-          <a:fillRef idx="1">
-            <a:schemeClr val="accent1"/>
-          </a:fillRef>
-          <a:effectRef idx="0">
-            <a:schemeClr val="accent1"/>
-          </a:effectRef>
-          <a:fontRef idx="minor">
-            <a:schemeClr val="lt1"/>
-          </a:fontRef>
-        </p:style>
-        <p:txBody>
-          <a:bodyPr rtlCol="0" anchor="ctr"/>
-          <a:lstStyle/>
-          <a:p>
-            <a:pPr algn="ctr"/>
-            <a:r>
-              <a:rPr lang="en-IN" dirty="0" smtClean="0"/>
-              <a:t>game</a:t>
-            </a:r>
-            <a:endParaRPr lang="en-IN" dirty="0"/>
-          </a:p>
-        </p:txBody>
-      </p:sp>
-      <p:sp>
-        <p:nvSpPr>
-          <p:cNvPr id="15" name="Rectangle 14"/>
-          <p:cNvSpPr/>
-          <p:nvPr/>
-        </p:nvSpPr>
-        <p:spPr>
-          <a:xfrm>
-            <a:off x="1020932" y="1615736"/>
-            <a:ext cx="1500326" cy="532660"/>
-          </a:xfrm>
-          <a:prstGeom prst="rect">
-            <a:avLst/>
-          </a:prstGeom>
-          <a:solidFill>
-            <a:schemeClr val="bg2">
-              <a:lumMod val="60000"/>
-              <a:lumOff val="40000"/>
-              <a:alpha val="40000"/>
-            </a:schemeClr>
-          </a:solidFill>
-        </p:spPr>
-        <p:style>
-          <a:lnRef idx="2">
-            <a:schemeClr val="accent1">
-              <a:shade val="50000"/>
-            </a:schemeClr>
-          </a:lnRef>
-          <a:fillRef idx="1">
-            <a:schemeClr val="accent1"/>
-          </a:fillRef>
-          <a:effectRef idx="0">
-            <a:schemeClr val="accent1"/>
-          </a:effectRef>
-          <a:fontRef idx="minor">
-            <a:schemeClr val="lt1"/>
-          </a:fontRef>
-        </p:style>
-        <p:txBody>
-          <a:bodyPr rtlCol="0" anchor="ctr"/>
-          <a:lstStyle/>
-          <a:p>
-            <a:pPr algn="ctr"/>
-            <a:r>
-              <a:rPr lang="en-IN" dirty="0" smtClean="0"/>
-              <a:t>Admin</a:t>
-            </a:r>
-            <a:endParaRPr lang="en-IN" dirty="0"/>
-          </a:p>
-        </p:txBody>
-      </p:sp>
-      <p:sp>
-        <p:nvSpPr>
-          <p:cNvPr id="16" name="Rectangle 15"/>
-          <p:cNvSpPr/>
-          <p:nvPr/>
-        </p:nvSpPr>
-        <p:spPr>
-          <a:xfrm>
-            <a:off x="1020932" y="3551068"/>
-            <a:ext cx="1500325" cy="523782"/>
-          </a:xfrm>
-          <a:prstGeom prst="rect">
-            <a:avLst/>
-          </a:prstGeom>
-          <a:solidFill>
-            <a:schemeClr val="bg2">
-              <a:lumMod val="60000"/>
-              <a:lumOff val="40000"/>
-              <a:alpha val="41000"/>
-            </a:schemeClr>
-          </a:solidFill>
-        </p:spPr>
-        <p:style>
-          <a:lnRef idx="2">
-            <a:schemeClr val="accent1">
-              <a:shade val="50000"/>
-            </a:schemeClr>
-          </a:lnRef>
-          <a:fillRef idx="1">
-            <a:schemeClr val="accent1"/>
-          </a:fillRef>
-          <a:effectRef idx="0">
-            <a:schemeClr val="accent1"/>
-          </a:effectRef>
-          <a:fontRef idx="minor">
-            <a:schemeClr val="lt1"/>
-          </a:fontRef>
-        </p:style>
-        <p:txBody>
-          <a:bodyPr rtlCol="0" anchor="ctr"/>
-          <a:lstStyle/>
-          <a:p>
-            <a:pPr algn="ctr"/>
-            <a:r>
-              <a:rPr lang="en-IN" dirty="0" smtClean="0"/>
-              <a:t>user</a:t>
-            </a:r>
-            <a:endParaRPr lang="en-IN" dirty="0"/>
-          </a:p>
-        </p:txBody>
-      </p:sp>
-      <p:cxnSp>
-        <p:nvCxnSpPr>
-          <p:cNvPr id="18" name="Straight Arrow Connector 17"/>
-          <p:cNvCxnSpPr>
-            <a:stCxn id="15" idx="3"/>
-          </p:cNvCxnSpPr>
-          <p:nvPr/>
-        </p:nvCxnSpPr>
-        <p:spPr>
-          <a:xfrm>
-            <a:off x="2521258" y="1882066"/>
-            <a:ext cx="1678545" cy="0"/>
-          </a:xfrm>
-          <a:prstGeom prst="straightConnector1">
-            <a:avLst/>
-          </a:prstGeom>
-          <a:ln>
-            <a:solidFill>
-              <a:schemeClr val="bg1">
-                <a:lumMod val="95000"/>
-                <a:lumOff val="5000"/>
-                <a:alpha val="60000"/>
-              </a:schemeClr>
-            </a:solidFill>
-            <a:tailEnd type="arrow"/>
-          </a:ln>
-        </p:spPr>
-        <p:style>
-          <a:lnRef idx="1">
-            <a:schemeClr val="accent1"/>
-          </a:lnRef>
-          <a:fillRef idx="0">
-            <a:schemeClr val="accent1"/>
-          </a:fillRef>
-          <a:effectRef idx="0">
-            <a:schemeClr val="accent1"/>
-          </a:effectRef>
-          <a:fontRef idx="minor">
-            <a:schemeClr val="tx1"/>
-          </a:fontRef>
-        </p:style>
-      </p:cxnSp>
-      <p:cxnSp>
-        <p:nvCxnSpPr>
-          <p:cNvPr id="23" name="Straight Arrow Connector 22"/>
-          <p:cNvCxnSpPr/>
-          <p:nvPr/>
-        </p:nvCxnSpPr>
-        <p:spPr>
-          <a:xfrm>
-            <a:off x="2521258" y="3812959"/>
-            <a:ext cx="1678545" cy="0"/>
-          </a:xfrm>
-          <a:prstGeom prst="straightConnector1">
-            <a:avLst/>
-          </a:prstGeom>
-          <a:ln>
-            <a:solidFill>
-              <a:schemeClr val="bg1">
-                <a:lumMod val="95000"/>
-                <a:lumOff val="5000"/>
-                <a:alpha val="60000"/>
-              </a:schemeClr>
-            </a:solidFill>
-            <a:tailEnd type="arrow"/>
-          </a:ln>
-        </p:spPr>
-        <p:style>
-          <a:lnRef idx="1">
-            <a:schemeClr val="accent1"/>
-          </a:lnRef>
-          <a:fillRef idx="0">
-            <a:schemeClr val="accent1"/>
-          </a:fillRef>
-          <a:effectRef idx="0">
-            <a:schemeClr val="accent1"/>
-          </a:effectRef>
-          <a:fontRef idx="minor">
-            <a:schemeClr val="tx1"/>
-          </a:fontRef>
-        </p:style>
-      </p:cxnSp>
-      <p:cxnSp>
-        <p:nvCxnSpPr>
-          <p:cNvPr id="31" name="Straight Arrow Connector 30"/>
-          <p:cNvCxnSpPr/>
-          <p:nvPr/>
-        </p:nvCxnSpPr>
-        <p:spPr>
-          <a:xfrm>
-            <a:off x="6596773" y="1819922"/>
-            <a:ext cx="1384252" cy="0"/>
-          </a:xfrm>
-          <a:prstGeom prst="straightConnector1">
-            <a:avLst/>
-          </a:prstGeom>
-          <a:ln>
-            <a:solidFill>
-              <a:schemeClr val="bg1">
-                <a:lumMod val="95000"/>
-                <a:lumOff val="5000"/>
-                <a:alpha val="60000"/>
-              </a:schemeClr>
-            </a:solidFill>
-            <a:tailEnd type="arrow"/>
-          </a:ln>
-        </p:spPr>
-        <p:style>
-          <a:lnRef idx="1">
-            <a:schemeClr val="accent1"/>
-          </a:lnRef>
-          <a:fillRef idx="0">
-            <a:schemeClr val="accent1"/>
-          </a:fillRef>
-          <a:effectRef idx="0">
-            <a:schemeClr val="accent1"/>
-          </a:effectRef>
-          <a:fontRef idx="minor">
-            <a:schemeClr val="tx1"/>
-          </a:fontRef>
-        </p:style>
-      </p:cxnSp>
-      <p:cxnSp>
-        <p:nvCxnSpPr>
-          <p:cNvPr id="35" name="Straight Arrow Connector 34"/>
-          <p:cNvCxnSpPr/>
-          <p:nvPr/>
-        </p:nvCxnSpPr>
-        <p:spPr>
-          <a:xfrm>
-            <a:off x="6623406" y="3804103"/>
-            <a:ext cx="1268843" cy="8856"/>
-          </a:xfrm>
-          <a:prstGeom prst="straightConnector1">
-            <a:avLst/>
-          </a:prstGeom>
-          <a:ln>
-            <a:solidFill>
-              <a:schemeClr val="bg1">
-                <a:lumMod val="95000"/>
-                <a:lumOff val="5000"/>
-                <a:alpha val="60000"/>
-              </a:schemeClr>
-            </a:solidFill>
-            <a:tailEnd type="arrow"/>
-          </a:ln>
-        </p:spPr>
-        <p:style>
-          <a:lnRef idx="1">
-            <a:schemeClr val="accent1"/>
-          </a:lnRef>
-          <a:fillRef idx="0">
-            <a:schemeClr val="accent1"/>
-          </a:fillRef>
-          <a:effectRef idx="0">
-            <a:schemeClr val="accent1"/>
-          </a:effectRef>
-          <a:fontRef idx="minor">
-            <a:schemeClr val="tx1"/>
-          </a:fontRef>
-        </p:style>
-      </p:cxnSp>
-      <p:sp>
-        <p:nvSpPr>
-          <p:cNvPr id="38" name="Rectangle 37"/>
-          <p:cNvSpPr/>
-          <p:nvPr/>
-        </p:nvSpPr>
-        <p:spPr>
-          <a:xfrm>
-            <a:off x="7981025" y="1615737"/>
-            <a:ext cx="1615736" cy="532660"/>
-          </a:xfrm>
-          <a:prstGeom prst="rect">
-            <a:avLst/>
-          </a:prstGeom>
-          <a:solidFill>
-            <a:schemeClr val="bg2">
-              <a:lumMod val="60000"/>
-              <a:lumOff val="40000"/>
-              <a:alpha val="41000"/>
-            </a:schemeClr>
-          </a:solidFill>
-        </p:spPr>
-        <p:style>
-          <a:lnRef idx="2">
-            <a:schemeClr val="accent1">
-              <a:shade val="50000"/>
-            </a:schemeClr>
-          </a:lnRef>
-          <a:fillRef idx="1">
-            <a:schemeClr val="accent1"/>
-          </a:fillRef>
-          <a:effectRef idx="0">
-            <a:schemeClr val="accent1"/>
-          </a:effectRef>
-          <a:fontRef idx="minor">
-            <a:schemeClr val="lt1"/>
-          </a:fontRef>
-        </p:style>
-        <p:txBody>
-          <a:bodyPr rtlCol="0" anchor="ctr"/>
-          <a:lstStyle/>
-          <a:p>
-            <a:pPr algn="ctr"/>
-            <a:r>
-              <a:rPr lang="en-IN" dirty="0" smtClean="0"/>
-              <a:t>U </a:t>
-            </a:r>
-            <a:r>
-              <a:rPr lang="en-IN" dirty="0"/>
-              <a:t>I</a:t>
-            </a:r>
-          </a:p>
-        </p:txBody>
-      </p:sp>
-      <p:sp>
-        <p:nvSpPr>
-          <p:cNvPr id="39" name="Can 38"/>
-          <p:cNvSpPr/>
-          <p:nvPr/>
-        </p:nvSpPr>
-        <p:spPr>
-          <a:xfrm>
-            <a:off x="7967709" y="3373603"/>
-            <a:ext cx="1629052" cy="1007549"/>
-          </a:xfrm>
-          <a:prstGeom prst="can">
-            <a:avLst/>
-          </a:prstGeom>
-          <a:solidFill>
-            <a:schemeClr val="bg2">
-              <a:lumMod val="60000"/>
-              <a:lumOff val="40000"/>
-              <a:alpha val="42000"/>
-            </a:schemeClr>
-          </a:solidFill>
-          <a:ln>
-            <a:solidFill>
-              <a:schemeClr val="bg1">
-                <a:lumMod val="95000"/>
-                <a:lumOff val="5000"/>
-                <a:alpha val="75000"/>
-              </a:schemeClr>
-            </a:solidFill>
-          </a:ln>
-        </p:spPr>
-        <p:style>
-          <a:lnRef idx="2">
-            <a:schemeClr val="accent1">
-              <a:shade val="50000"/>
-            </a:schemeClr>
-          </a:lnRef>
-          <a:fillRef idx="1">
-            <a:schemeClr val="accent1"/>
-          </a:fillRef>
-          <a:effectRef idx="0">
-            <a:schemeClr val="accent1"/>
-          </a:effectRef>
-          <a:fontRef idx="minor">
-            <a:schemeClr val="lt1"/>
-          </a:fontRef>
-        </p:style>
-        <p:txBody>
-          <a:bodyPr rtlCol="0" anchor="ctr"/>
-          <a:lstStyle/>
-          <a:p>
-            <a:pPr algn="ctr"/>
-            <a:r>
-              <a:rPr lang="en-IN" dirty="0" smtClean="0"/>
-              <a:t>Database</a:t>
-            </a:r>
-            <a:endParaRPr lang="en-IN" dirty="0"/>
-          </a:p>
-        </p:txBody>
-      </p:sp>
-      <p:sp>
-        <p:nvSpPr>
-          <p:cNvPr id="40" name="Flowchart: Terminator 39"/>
-          <p:cNvSpPr/>
-          <p:nvPr/>
-        </p:nvSpPr>
-        <p:spPr>
-          <a:xfrm>
-            <a:off x="4729577" y="4776185"/>
-            <a:ext cx="1411548" cy="417252"/>
-          </a:xfrm>
-          <a:prstGeom prst="flowChartTerminator">
-            <a:avLst/>
-          </a:prstGeom>
-          <a:solidFill>
-            <a:schemeClr val="bg2">
-              <a:lumMod val="60000"/>
-              <a:lumOff val="40000"/>
-              <a:alpha val="42000"/>
-            </a:schemeClr>
-          </a:solidFill>
-        </p:spPr>
-        <p:style>
-          <a:lnRef idx="2">
-            <a:schemeClr val="accent1">
-              <a:shade val="50000"/>
-            </a:schemeClr>
-          </a:lnRef>
-          <a:fillRef idx="1">
-            <a:schemeClr val="accent1"/>
-          </a:fillRef>
-          <a:effectRef idx="0">
-            <a:schemeClr val="accent1"/>
-          </a:effectRef>
-          <a:fontRef idx="minor">
-            <a:schemeClr val="lt1"/>
-          </a:fontRef>
-        </p:style>
-        <p:txBody>
-          <a:bodyPr rtlCol="0" anchor="ctr"/>
-          <a:lstStyle/>
-          <a:p>
-            <a:pPr algn="ctr"/>
-            <a:r>
-              <a:rPr lang="en-IN" dirty="0" err="1" smtClean="0"/>
-              <a:t>blug</a:t>
-            </a:r>
-            <a:endParaRPr lang="en-IN" dirty="0"/>
-          </a:p>
-        </p:txBody>
-      </p:sp>
-      <p:sp>
-        <p:nvSpPr>
-          <p:cNvPr id="41" name="Flowchart: Terminator 40"/>
-          <p:cNvSpPr/>
-          <p:nvPr/>
-        </p:nvSpPr>
-        <p:spPr>
-          <a:xfrm>
-            <a:off x="4742891" y="5326645"/>
-            <a:ext cx="1398234" cy="426085"/>
-          </a:xfrm>
-          <a:prstGeom prst="flowChartTerminator">
-            <a:avLst/>
-          </a:prstGeom>
-          <a:solidFill>
-            <a:schemeClr val="bg2">
-              <a:lumMod val="60000"/>
-              <a:lumOff val="40000"/>
-              <a:alpha val="43000"/>
-            </a:schemeClr>
-          </a:solidFill>
-        </p:spPr>
-        <p:style>
-          <a:lnRef idx="2">
-            <a:schemeClr val="accent1">
-              <a:shade val="50000"/>
-            </a:schemeClr>
-          </a:lnRef>
-          <a:fillRef idx="1">
-            <a:schemeClr val="accent1"/>
-          </a:fillRef>
-          <a:effectRef idx="0">
-            <a:schemeClr val="accent1"/>
-          </a:effectRef>
-          <a:fontRef idx="minor">
-            <a:schemeClr val="lt1"/>
-          </a:fontRef>
-        </p:style>
-        <p:txBody>
-          <a:bodyPr rtlCol="0" anchor="ctr"/>
-          <a:lstStyle/>
-          <a:p>
-            <a:pPr algn="ctr"/>
-            <a:r>
-              <a:rPr lang="en-IN" dirty="0" smtClean="0"/>
-              <a:t>forum</a:t>
-            </a:r>
-            <a:endParaRPr lang="en-IN" dirty="0"/>
-          </a:p>
-        </p:txBody>
-      </p:sp>
-      <p:sp>
-        <p:nvSpPr>
-          <p:cNvPr id="42" name="TextBox 41"/>
-          <p:cNvSpPr txBox="1"/>
-          <p:nvPr/>
-        </p:nvSpPr>
-        <p:spPr>
-          <a:xfrm>
-            <a:off x="1020932" y="97654"/>
-            <a:ext cx="4434396" cy="646331"/>
-          </a:xfrm>
-          <a:prstGeom prst="rect">
-            <a:avLst/>
-          </a:prstGeom>
-          <a:noFill/>
-        </p:spPr>
-        <p:txBody>
-          <a:bodyPr wrap="square" rtlCol="0">
-            <a:spAutoFit/>
-          </a:bodyPr>
-          <a:lstStyle/>
-          <a:p>
-            <a:r>
-              <a:rPr lang="en-IN" sz="3600" dirty="0" smtClean="0"/>
-              <a:t>Context </a:t>
-            </a:r>
-            <a:r>
-              <a:rPr lang="en-IN" sz="3600" dirty="0" err="1"/>
-              <a:t>L</a:t>
-            </a:r>
-            <a:r>
-              <a:rPr lang="en-IN" sz="3600" dirty="0" err="1" smtClean="0"/>
-              <a:t>avel</a:t>
-            </a:r>
-            <a:r>
-              <a:rPr lang="en-IN" sz="3600" dirty="0" smtClean="0"/>
-              <a:t>  DFD</a:t>
-            </a:r>
-            <a:endParaRPr lang="en-IN" sz="3600" dirty="0"/>
-          </a:p>
-        </p:txBody>
-      </p:sp>
-    </p:spTree>
-    <p:extLst>
-      <p:ext uri="{BB962C8B-B14F-4D97-AF65-F5344CB8AC3E}">
-        <p14:creationId xmlns:p14="http://schemas.microsoft.com/office/powerpoint/2010/main" val="2856231031"/>
-      </p:ext>
-    </p:extLst>
-  </p:cSld>
-  <p:clrMapOvr>
-    <a:masterClrMapping/>
-  </p:clrMapOvr>
-</p:sld>
-</file>
-
-<file path=ppt/slides/slide9.xml><?xml version="1.0" encoding="utf-8"?>
+<file path=ppt/slides/slide12.xml><?xml version="1.0" encoding="utf-8"?>
 <p:sld xmlns:a="http://schemas.openxmlformats.org/drawingml/2006/main" xmlns:r="http://schemas.openxmlformats.org/officeDocument/2006/relationships" xmlns:p="http://schemas.openxmlformats.org/presentationml/2006/main">
   <p:cSld>
     <p:spTree>
@@ -8242,6 +6434,2124 @@
   <p:clrMapOvr>
     <a:masterClrMapping/>
   </p:clrMapOvr>
+  <p:timing>
+    <p:tnLst>
+      <p:par>
+        <p:cTn id="1" dur="indefinite" restart="never" nodeType="tmRoot"/>
+      </p:par>
+    </p:tnLst>
+  </p:timing>
+</p:sld>
+</file>
+
+<file path=ppt/slides/slide13.xml><?xml version="1.0" encoding="utf-8"?>
+<p:sld xmlns:a="http://schemas.openxmlformats.org/drawingml/2006/main" xmlns:r="http://schemas.openxmlformats.org/officeDocument/2006/relationships" xmlns:p="http://schemas.openxmlformats.org/presentationml/2006/main">
+  <p:cSld>
+    <p:spTree>
+      <p:nvGrpSpPr>
+        <p:cNvPr id="1" name=""/>
+        <p:cNvGrpSpPr/>
+        <p:nvPr/>
+      </p:nvGrpSpPr>
+      <p:grpSpPr>
+        <a:xfrm>
+          <a:off x="0" y="0"/>
+          <a:ext cx="0" cy="0"/>
+          <a:chOff x="0" y="0"/>
+          <a:chExt cx="0" cy="0"/>
+        </a:xfrm>
+      </p:grpSpPr>
+      <p:sp>
+        <p:nvSpPr>
+          <p:cNvPr id="5" name="TextBox 4"/>
+          <p:cNvSpPr txBox="1"/>
+          <p:nvPr/>
+        </p:nvSpPr>
+        <p:spPr>
+          <a:xfrm>
+            <a:off x="514905" y="399495"/>
+            <a:ext cx="10972800" cy="646331"/>
+          </a:xfrm>
+          <a:prstGeom prst="rect">
+            <a:avLst/>
+          </a:prstGeom>
+          <a:noFill/>
+        </p:spPr>
+        <p:txBody>
+          <a:bodyPr wrap="square" rtlCol="0">
+            <a:spAutoFit/>
+          </a:bodyPr>
+          <a:lstStyle/>
+          <a:p>
+            <a:pPr algn="just"/>
+            <a:r>
+              <a:rPr lang="en-IN" sz="3600" dirty="0" smtClean="0"/>
+              <a:t>Completion and Implementation Date</a:t>
+            </a:r>
+            <a:endParaRPr lang="en-IN" sz="3600" dirty="0"/>
+          </a:p>
+        </p:txBody>
+      </p:sp>
+      <p:sp>
+        <p:nvSpPr>
+          <p:cNvPr id="6" name="TextBox 5"/>
+          <p:cNvSpPr txBox="1"/>
+          <p:nvPr/>
+        </p:nvSpPr>
+        <p:spPr>
+          <a:xfrm>
+            <a:off x="772357" y="1713390"/>
+            <a:ext cx="9792070" cy="923330"/>
+          </a:xfrm>
+          <a:prstGeom prst="rect">
+            <a:avLst/>
+          </a:prstGeom>
+          <a:noFill/>
+        </p:spPr>
+        <p:txBody>
+          <a:bodyPr wrap="square" rtlCol="0">
+            <a:spAutoFit/>
+          </a:bodyPr>
+          <a:lstStyle/>
+          <a:p>
+            <a:r>
+              <a:rPr lang="en-IN" dirty="0" smtClean="0"/>
+              <a:t>Completion till :- </a:t>
+            </a:r>
+            <a:r>
+              <a:rPr lang="en-IN" smtClean="0"/>
+              <a:t>November 10</a:t>
+            </a:r>
+            <a:r>
+              <a:rPr lang="en-IN" baseline="30000" smtClean="0"/>
+              <a:t>th </a:t>
+            </a:r>
+            <a:r>
+              <a:rPr lang="en-IN" smtClean="0"/>
+              <a:t> 2018</a:t>
+            </a:r>
+            <a:endParaRPr lang="en-IN" dirty="0" smtClean="0"/>
+          </a:p>
+          <a:p>
+            <a:endParaRPr lang="en-IN" dirty="0"/>
+          </a:p>
+          <a:p>
+            <a:r>
+              <a:rPr lang="en-IN" dirty="0" smtClean="0"/>
+              <a:t>Implementation Date:- November 15</a:t>
+            </a:r>
+            <a:r>
+              <a:rPr lang="en-IN" baseline="30000" dirty="0" smtClean="0"/>
+              <a:t>th</a:t>
+            </a:r>
+            <a:r>
+              <a:rPr lang="en-IN" dirty="0" smtClean="0"/>
+              <a:t> 2018</a:t>
+            </a:r>
+            <a:endParaRPr lang="en-IN" dirty="0"/>
+          </a:p>
+        </p:txBody>
+      </p:sp>
+    </p:spTree>
+    <p:extLst>
+      <p:ext uri="{BB962C8B-B14F-4D97-AF65-F5344CB8AC3E}">
+        <p14:creationId xmlns:p14="http://schemas.microsoft.com/office/powerpoint/2010/main" val="2584035808"/>
+      </p:ext>
+    </p:extLst>
+  </p:cSld>
+  <p:clrMapOvr>
+    <a:masterClrMapping/>
+  </p:clrMapOvr>
+  <p:timing>
+    <p:tnLst>
+      <p:par>
+        <p:cTn id="1" dur="indefinite" restart="never" nodeType="tmRoot"/>
+      </p:par>
+    </p:tnLst>
+  </p:timing>
+</p:sld>
+</file>
+
+<file path=ppt/slides/slide2.xml><?xml version="1.0" encoding="utf-8"?>
+<p:sld xmlns:a="http://schemas.openxmlformats.org/drawingml/2006/main" xmlns:r="http://schemas.openxmlformats.org/officeDocument/2006/relationships" xmlns:p="http://schemas.openxmlformats.org/presentationml/2006/main">
+  <p:cSld>
+    <p:spTree>
+      <p:nvGrpSpPr>
+        <p:cNvPr id="1" name=""/>
+        <p:cNvGrpSpPr/>
+        <p:nvPr/>
+      </p:nvGrpSpPr>
+      <p:grpSpPr>
+        <a:xfrm>
+          <a:off x="0" y="0"/>
+          <a:ext cx="0" cy="0"/>
+          <a:chOff x="0" y="0"/>
+          <a:chExt cx="0" cy="0"/>
+        </a:xfrm>
+      </p:grpSpPr>
+      <p:sp>
+        <p:nvSpPr>
+          <p:cNvPr id="2" name="Title 1"/>
+          <p:cNvSpPr>
+            <a:spLocks noGrp="1"/>
+          </p:cNvSpPr>
+          <p:nvPr>
+            <p:ph type="title"/>
+          </p:nvPr>
+        </p:nvSpPr>
+        <p:spPr>
+          <a:xfrm>
+            <a:off x="117915" y="103072"/>
+            <a:ext cx="8534400" cy="1274967"/>
+          </a:xfrm>
+        </p:spPr>
+        <p:txBody>
+          <a:bodyPr/>
+          <a:lstStyle/>
+          <a:p>
+            <a:r>
+              <a:rPr lang="en-IN" dirty="0" smtClean="0"/>
+              <a:t>Introduction</a:t>
+            </a:r>
+            <a:endParaRPr lang="en-IN" dirty="0"/>
+          </a:p>
+        </p:txBody>
+      </p:sp>
+      <p:sp>
+        <p:nvSpPr>
+          <p:cNvPr id="3" name="Content Placeholder 2"/>
+          <p:cNvSpPr>
+            <a:spLocks noGrp="1"/>
+          </p:cNvSpPr>
+          <p:nvPr>
+            <p:ph idx="1"/>
+          </p:nvPr>
+        </p:nvSpPr>
+        <p:spPr>
+          <a:xfrm>
+            <a:off x="117915" y="1378039"/>
+            <a:ext cx="8534400" cy="4636395"/>
+          </a:xfrm>
+        </p:spPr>
+        <p:txBody>
+          <a:bodyPr/>
+          <a:lstStyle/>
+          <a:p>
+            <a:pPr algn="just"/>
+            <a:r>
+              <a:rPr lang="en-IN" dirty="0" smtClean="0"/>
+              <a:t>Paathshala </a:t>
+            </a:r>
+            <a:r>
+              <a:rPr lang="en-IN" dirty="0" smtClean="0"/>
+              <a:t>is a simple </a:t>
+            </a:r>
+            <a:r>
+              <a:rPr lang="en-IN" dirty="0" smtClean="0"/>
+              <a:t>time convenient learning </a:t>
+            </a:r>
+            <a:r>
+              <a:rPr lang="en-IN" dirty="0" smtClean="0"/>
+              <a:t>platform where </a:t>
+            </a:r>
+            <a:r>
+              <a:rPr lang="en-IN" dirty="0" smtClean="0"/>
+              <a:t>the </a:t>
+            </a:r>
+            <a:r>
+              <a:rPr lang="en-IN" dirty="0" smtClean="0"/>
+              <a:t>students </a:t>
+            </a:r>
+            <a:r>
+              <a:rPr lang="en-IN" dirty="0" smtClean="0"/>
+              <a:t>study </a:t>
+            </a:r>
+            <a:r>
+              <a:rPr lang="en-IN" dirty="0" smtClean="0"/>
+              <a:t>and cope up with the academic syllabus. This platform is developed with pure intent of helping students in terms of studying while having some fun. The user interface has been </a:t>
+            </a:r>
+            <a:r>
+              <a:rPr lang="en-IN" dirty="0" smtClean="0"/>
+              <a:t>kept simple and user friendly, for </a:t>
+            </a:r>
+            <a:r>
+              <a:rPr lang="en-IN" dirty="0" smtClean="0"/>
+              <a:t>the </a:t>
+            </a:r>
+            <a:r>
+              <a:rPr lang="en-IN" dirty="0" smtClean="0"/>
+              <a:t>ease of use </a:t>
+            </a:r>
+            <a:r>
+              <a:rPr lang="en-IN" dirty="0" smtClean="0"/>
+              <a:t>so that </a:t>
+            </a:r>
+            <a:r>
+              <a:rPr lang="en-IN" dirty="0" smtClean="0"/>
+              <a:t>even a beginner</a:t>
+            </a:r>
+            <a:r>
+              <a:rPr lang="en-IN" dirty="0" smtClean="0"/>
+              <a:t> </a:t>
+            </a:r>
+            <a:r>
+              <a:rPr lang="en-IN" dirty="0" smtClean="0"/>
+              <a:t>won’t face any problem </a:t>
+            </a:r>
+            <a:r>
+              <a:rPr lang="en-IN" dirty="0" smtClean="0"/>
+              <a:t>while browsing and finding their way to a successful learning</a:t>
+            </a:r>
+            <a:r>
+              <a:rPr lang="en-IN" dirty="0" smtClean="0"/>
+              <a:t>. </a:t>
+            </a:r>
+            <a:endParaRPr lang="en-IN" dirty="0"/>
+          </a:p>
+        </p:txBody>
+      </p:sp>
+    </p:spTree>
+    <p:extLst>
+      <p:ext uri="{BB962C8B-B14F-4D97-AF65-F5344CB8AC3E}">
+        <p14:creationId xmlns:p14="http://schemas.microsoft.com/office/powerpoint/2010/main" val="822521204"/>
+      </p:ext>
+    </p:extLst>
+  </p:cSld>
+  <p:clrMapOvr>
+    <a:masterClrMapping/>
+  </p:clrMapOvr>
+  <p:timing>
+    <p:tnLst>
+      <p:par>
+        <p:cTn id="1" dur="indefinite" restart="never" nodeType="tmRoot"/>
+      </p:par>
+    </p:tnLst>
+  </p:timing>
+</p:sld>
+</file>
+
+<file path=ppt/slides/slide3.xml><?xml version="1.0" encoding="utf-8"?>
+<p:sld xmlns:a="http://schemas.openxmlformats.org/drawingml/2006/main" xmlns:r="http://schemas.openxmlformats.org/officeDocument/2006/relationships" xmlns:p="http://schemas.openxmlformats.org/presentationml/2006/main">
+  <p:cSld>
+    <p:spTree>
+      <p:nvGrpSpPr>
+        <p:cNvPr id="1" name=""/>
+        <p:cNvGrpSpPr/>
+        <p:nvPr/>
+      </p:nvGrpSpPr>
+      <p:grpSpPr>
+        <a:xfrm>
+          <a:off x="0" y="0"/>
+          <a:ext cx="0" cy="0"/>
+          <a:chOff x="0" y="0"/>
+          <a:chExt cx="0" cy="0"/>
+        </a:xfrm>
+      </p:grpSpPr>
+      <p:sp>
+        <p:nvSpPr>
+          <p:cNvPr id="2" name="Title 1"/>
+          <p:cNvSpPr>
+            <a:spLocks noGrp="1"/>
+          </p:cNvSpPr>
+          <p:nvPr>
+            <p:ph type="title"/>
+          </p:nvPr>
+        </p:nvSpPr>
+        <p:spPr>
+          <a:xfrm>
+            <a:off x="129277" y="117981"/>
+            <a:ext cx="8534400" cy="796420"/>
+          </a:xfrm>
+        </p:spPr>
+        <p:txBody>
+          <a:bodyPr/>
+          <a:lstStyle/>
+          <a:p>
+            <a:r>
+              <a:rPr lang="en-US" dirty="0" smtClean="0"/>
+              <a:t>contents</a:t>
+            </a:r>
+            <a:endParaRPr lang="en-US" dirty="0"/>
+          </a:p>
+        </p:txBody>
+      </p:sp>
+      <p:sp>
+        <p:nvSpPr>
+          <p:cNvPr id="3" name="Content Placeholder 2"/>
+          <p:cNvSpPr>
+            <a:spLocks noGrp="1"/>
+          </p:cNvSpPr>
+          <p:nvPr>
+            <p:ph idx="1"/>
+          </p:nvPr>
+        </p:nvSpPr>
+        <p:spPr>
+          <a:xfrm>
+            <a:off x="201128" y="914401"/>
+            <a:ext cx="8534400" cy="5711686"/>
+          </a:xfrm>
+        </p:spPr>
+        <p:txBody>
+          <a:bodyPr>
+            <a:normAutofit fontScale="92500" lnSpcReduction="10000"/>
+          </a:bodyPr>
+          <a:lstStyle/>
+          <a:p>
+            <a:pPr lvl="0"/>
+            <a:r>
+              <a:rPr lang="en-US" dirty="0"/>
+              <a:t>Provide notes to  the students</a:t>
+            </a:r>
+          </a:p>
+          <a:p>
+            <a:pPr lvl="0"/>
+            <a:r>
+              <a:rPr lang="en-US" dirty="0"/>
+              <a:t>Place to read those notes</a:t>
+            </a:r>
+          </a:p>
+          <a:p>
+            <a:pPr lvl="0"/>
+            <a:r>
+              <a:rPr lang="en-US" dirty="0"/>
+              <a:t>Discussion form</a:t>
+            </a:r>
+          </a:p>
+          <a:p>
+            <a:pPr lvl="0"/>
+            <a:r>
+              <a:rPr lang="en-US" dirty="0"/>
+              <a:t>Writing Blogs</a:t>
+            </a:r>
+          </a:p>
+          <a:p>
+            <a:pPr lvl="0"/>
+            <a:r>
+              <a:rPr lang="en-US" dirty="0"/>
+              <a:t>Video tutorials</a:t>
+            </a:r>
+          </a:p>
+          <a:p>
+            <a:pPr lvl="0"/>
+            <a:r>
+              <a:rPr lang="en-US" dirty="0"/>
+              <a:t>Marks prediction on the basis of test series uploaded from previous year question and other sources.</a:t>
+            </a:r>
+          </a:p>
+          <a:p>
+            <a:pPr lvl="0"/>
+            <a:r>
+              <a:rPr lang="en-US" dirty="0"/>
+              <a:t>Semester wise books and subject’s information and test series.</a:t>
+            </a:r>
+          </a:p>
+          <a:p>
+            <a:pPr lvl="0"/>
+            <a:r>
+              <a:rPr lang="en-US" dirty="0"/>
+              <a:t>Reasoning and Aptitude section</a:t>
+            </a:r>
+          </a:p>
+          <a:p>
+            <a:pPr lvl="0"/>
+            <a:r>
+              <a:rPr lang="en-US" dirty="0"/>
+              <a:t>News section on latest technology trends</a:t>
+            </a:r>
+          </a:p>
+          <a:p>
+            <a:pPr lvl="0"/>
+            <a:r>
+              <a:rPr lang="en-US" dirty="0"/>
+              <a:t>Notice section of department and College</a:t>
+            </a:r>
+          </a:p>
+          <a:p>
+            <a:pPr lvl="0"/>
+            <a:r>
+              <a:rPr lang="en-US" dirty="0"/>
+              <a:t>Previous Year’s Project as well as Code Uploading on website for future references </a:t>
+            </a:r>
+            <a:endParaRPr lang="en-US" dirty="0" smtClean="0"/>
+          </a:p>
+          <a:p>
+            <a:pPr lvl="0"/>
+            <a:r>
+              <a:rPr lang="en-US" dirty="0" smtClean="0"/>
+              <a:t>Sections for NOVEL Reading</a:t>
+            </a:r>
+          </a:p>
+          <a:p>
+            <a:pPr lvl="0"/>
+            <a:r>
+              <a:rPr lang="en-US" dirty="0" smtClean="0"/>
+              <a:t>BPUT Notifications</a:t>
+            </a:r>
+            <a:endParaRPr lang="en-US" dirty="0"/>
+          </a:p>
+          <a:p>
+            <a:endParaRPr lang="en-US" dirty="0"/>
+          </a:p>
+        </p:txBody>
+      </p:sp>
+    </p:spTree>
+    <p:extLst>
+      <p:ext uri="{BB962C8B-B14F-4D97-AF65-F5344CB8AC3E}">
+        <p14:creationId xmlns:p14="http://schemas.microsoft.com/office/powerpoint/2010/main" val="3743971410"/>
+      </p:ext>
+    </p:extLst>
+  </p:cSld>
+  <p:clrMapOvr>
+    <a:masterClrMapping/>
+  </p:clrMapOvr>
+  <p:timing>
+    <p:tnLst>
+      <p:par>
+        <p:cTn id="1" dur="indefinite" restart="never" nodeType="tmRoot"/>
+      </p:par>
+    </p:tnLst>
+  </p:timing>
+</p:sld>
+</file>
+
+<file path=ppt/slides/slide4.xml><?xml version="1.0" encoding="utf-8"?>
+<p:sld xmlns:a="http://schemas.openxmlformats.org/drawingml/2006/main" xmlns:r="http://schemas.openxmlformats.org/officeDocument/2006/relationships" xmlns:p="http://schemas.openxmlformats.org/presentationml/2006/main">
+  <p:cSld>
+    <p:spTree>
+      <p:nvGrpSpPr>
+        <p:cNvPr id="1" name=""/>
+        <p:cNvGrpSpPr/>
+        <p:nvPr/>
+      </p:nvGrpSpPr>
+      <p:grpSpPr>
+        <a:xfrm>
+          <a:off x="0" y="0"/>
+          <a:ext cx="0" cy="0"/>
+          <a:chOff x="0" y="0"/>
+          <a:chExt cx="0" cy="0"/>
+        </a:xfrm>
+      </p:grpSpPr>
+      <p:sp>
+        <p:nvSpPr>
+          <p:cNvPr id="2" name="Title 1"/>
+          <p:cNvSpPr>
+            <a:spLocks noGrp="1"/>
+          </p:cNvSpPr>
+          <p:nvPr>
+            <p:ph type="title"/>
+          </p:nvPr>
+        </p:nvSpPr>
+        <p:spPr>
+          <a:xfrm>
+            <a:off x="617951" y="1"/>
+            <a:ext cx="8534400" cy="1099930"/>
+          </a:xfrm>
+        </p:spPr>
+        <p:txBody>
+          <a:bodyPr/>
+          <a:lstStyle/>
+          <a:p>
+            <a:r>
+              <a:rPr lang="en-US" dirty="0" smtClean="0"/>
+              <a:t>goal</a:t>
+            </a:r>
+            <a:endParaRPr lang="en-US" dirty="0"/>
+          </a:p>
+        </p:txBody>
+      </p:sp>
+      <p:sp>
+        <p:nvSpPr>
+          <p:cNvPr id="3" name="Content Placeholder 2"/>
+          <p:cNvSpPr>
+            <a:spLocks noGrp="1"/>
+          </p:cNvSpPr>
+          <p:nvPr>
+            <p:ph idx="1"/>
+          </p:nvPr>
+        </p:nvSpPr>
+        <p:spPr>
+          <a:xfrm>
+            <a:off x="737220" y="1099931"/>
+            <a:ext cx="8534400" cy="3615267"/>
+          </a:xfrm>
+        </p:spPr>
+        <p:txBody>
+          <a:bodyPr/>
+          <a:lstStyle/>
+          <a:p>
+            <a:pPr lvl="0" algn="just"/>
+            <a:r>
+              <a:rPr lang="en-US" dirty="0"/>
+              <a:t>To help students by providing information as well as providing above mentioned facilities free of cost.</a:t>
+            </a:r>
+          </a:p>
+          <a:p>
+            <a:pPr lvl="0" algn="just"/>
+            <a:r>
+              <a:rPr lang="en-US" dirty="0"/>
+              <a:t>To save time- searching for various materials from different platforms</a:t>
+            </a:r>
+          </a:p>
+          <a:p>
+            <a:pPr lvl="0" algn="just"/>
+            <a:r>
+              <a:rPr lang="en-US" dirty="0"/>
+              <a:t>To improve performance by participating in test series and various competitions.</a:t>
+            </a:r>
+          </a:p>
+          <a:p>
+            <a:pPr lvl="0" algn="just"/>
+            <a:r>
+              <a:rPr lang="en-US" dirty="0"/>
+              <a:t>Single portal for different various utilities (notes, discussion forum for FAQ, Test Series, question papers, syllabus, book’s information) most visited domains during student’s career.</a:t>
+            </a:r>
+          </a:p>
+          <a:p>
+            <a:pPr algn="just"/>
+            <a:endParaRPr lang="en-US" dirty="0"/>
+          </a:p>
+        </p:txBody>
+      </p:sp>
+    </p:spTree>
+    <p:extLst>
+      <p:ext uri="{BB962C8B-B14F-4D97-AF65-F5344CB8AC3E}">
+        <p14:creationId xmlns:p14="http://schemas.microsoft.com/office/powerpoint/2010/main" val="524295500"/>
+      </p:ext>
+    </p:extLst>
+  </p:cSld>
+  <p:clrMapOvr>
+    <a:masterClrMapping/>
+  </p:clrMapOvr>
+  <p:timing>
+    <p:tnLst>
+      <p:par>
+        <p:cTn id="1" dur="indefinite" restart="never" nodeType="tmRoot"/>
+      </p:par>
+    </p:tnLst>
+  </p:timing>
+</p:sld>
+</file>
+
+<file path=ppt/slides/slide5.xml><?xml version="1.0" encoding="utf-8"?>
+<p:sld xmlns:a="http://schemas.openxmlformats.org/drawingml/2006/main" xmlns:r="http://schemas.openxmlformats.org/officeDocument/2006/relationships" xmlns:p="http://schemas.openxmlformats.org/presentationml/2006/main">
+  <p:cSld>
+    <p:spTree>
+      <p:nvGrpSpPr>
+        <p:cNvPr id="1" name=""/>
+        <p:cNvGrpSpPr/>
+        <p:nvPr/>
+      </p:nvGrpSpPr>
+      <p:grpSpPr>
+        <a:xfrm>
+          <a:off x="0" y="0"/>
+          <a:ext cx="0" cy="0"/>
+          <a:chOff x="0" y="0"/>
+          <a:chExt cx="0" cy="0"/>
+        </a:xfrm>
+      </p:grpSpPr>
+      <p:sp>
+        <p:nvSpPr>
+          <p:cNvPr id="2" name="Title 1"/>
+          <p:cNvSpPr>
+            <a:spLocks noGrp="1"/>
+          </p:cNvSpPr>
+          <p:nvPr>
+            <p:ph type="ctrTitle"/>
+          </p:nvPr>
+        </p:nvSpPr>
+        <p:spPr>
+          <a:xfrm>
+            <a:off x="252412" y="0"/>
+            <a:ext cx="8001000" cy="825500"/>
+          </a:xfrm>
+        </p:spPr>
+        <p:txBody>
+          <a:bodyPr/>
+          <a:lstStyle/>
+          <a:p>
+            <a:r>
+              <a:rPr lang="en-US" dirty="0" smtClean="0"/>
+              <a:t>Target audience</a:t>
+            </a:r>
+            <a:endParaRPr lang="en-US" dirty="0"/>
+          </a:p>
+        </p:txBody>
+      </p:sp>
+      <p:sp>
+        <p:nvSpPr>
+          <p:cNvPr id="3" name="Subtitle 2"/>
+          <p:cNvSpPr>
+            <a:spLocks noGrp="1"/>
+          </p:cNvSpPr>
+          <p:nvPr>
+            <p:ph type="subTitle" idx="1"/>
+          </p:nvPr>
+        </p:nvSpPr>
+        <p:spPr>
+          <a:xfrm>
+            <a:off x="341312" y="1257300"/>
+            <a:ext cx="8866188" cy="2959100"/>
+          </a:xfrm>
+        </p:spPr>
+        <p:txBody>
+          <a:bodyPr>
+            <a:normAutofit/>
+          </a:bodyPr>
+          <a:lstStyle/>
+          <a:p>
+            <a:pPr lvl="0" algn="just"/>
+            <a:r>
+              <a:rPr lang="en-US" dirty="0"/>
+              <a:t>Students from B.Tech  1</a:t>
+            </a:r>
+            <a:r>
+              <a:rPr lang="en-US" baseline="30000" dirty="0"/>
+              <a:t>st</a:t>
+            </a:r>
+            <a:r>
+              <a:rPr lang="en-US" dirty="0"/>
+              <a:t> year to  4</a:t>
+            </a:r>
+            <a:r>
+              <a:rPr lang="en-US" baseline="30000" dirty="0"/>
+              <a:t>th</a:t>
+            </a:r>
+            <a:r>
+              <a:rPr lang="en-US" dirty="0"/>
+              <a:t> year.</a:t>
+            </a:r>
+          </a:p>
+          <a:p>
+            <a:pPr lvl="0" algn="just"/>
+            <a:r>
+              <a:rPr lang="en-US" dirty="0"/>
+              <a:t>Later on in Second Phase we might go for students of diploma as well as other streams or level of degrees and diplomas.</a:t>
+            </a:r>
+          </a:p>
+          <a:p>
+            <a:pPr lvl="0" algn="just"/>
+            <a:r>
+              <a:rPr lang="en-US" dirty="0"/>
+              <a:t>Suitable for all engineering students (initially for BPUT ONLY).</a:t>
+            </a:r>
+          </a:p>
+          <a:p>
+            <a:pPr algn="just"/>
+            <a:endParaRPr lang="en-US" dirty="0"/>
+          </a:p>
+        </p:txBody>
+      </p:sp>
+    </p:spTree>
+    <p:extLst>
+      <p:ext uri="{BB962C8B-B14F-4D97-AF65-F5344CB8AC3E}">
+        <p14:creationId xmlns:p14="http://schemas.microsoft.com/office/powerpoint/2010/main" val="3585715476"/>
+      </p:ext>
+    </p:extLst>
+  </p:cSld>
+  <p:clrMapOvr>
+    <a:masterClrMapping/>
+  </p:clrMapOvr>
+  <p:timing>
+    <p:tnLst>
+      <p:par>
+        <p:cTn id="1" dur="indefinite" restart="never" nodeType="tmRoot"/>
+      </p:par>
+    </p:tnLst>
+  </p:timing>
+</p:sld>
+</file>
+
+<file path=ppt/slides/slide6.xml><?xml version="1.0" encoding="utf-8"?>
+<p:sld xmlns:a="http://schemas.openxmlformats.org/drawingml/2006/main" xmlns:r="http://schemas.openxmlformats.org/officeDocument/2006/relationships" xmlns:p="http://schemas.openxmlformats.org/presentationml/2006/main">
+  <p:cSld>
+    <p:spTree>
+      <p:nvGrpSpPr>
+        <p:cNvPr id="1" name=""/>
+        <p:cNvGrpSpPr/>
+        <p:nvPr/>
+      </p:nvGrpSpPr>
+      <p:grpSpPr>
+        <a:xfrm>
+          <a:off x="0" y="0"/>
+          <a:ext cx="0" cy="0"/>
+          <a:chOff x="0" y="0"/>
+          <a:chExt cx="0" cy="0"/>
+        </a:xfrm>
+      </p:grpSpPr>
+      <p:sp>
+        <p:nvSpPr>
+          <p:cNvPr id="2" name="TextBox 1"/>
+          <p:cNvSpPr txBox="1"/>
+          <p:nvPr/>
+        </p:nvSpPr>
+        <p:spPr>
+          <a:xfrm>
+            <a:off x="1100831" y="355107"/>
+            <a:ext cx="10200443" cy="646331"/>
+          </a:xfrm>
+          <a:prstGeom prst="rect">
+            <a:avLst/>
+          </a:prstGeom>
+          <a:noFill/>
+        </p:spPr>
+        <p:txBody>
+          <a:bodyPr wrap="square" rtlCol="0">
+            <a:spAutoFit/>
+          </a:bodyPr>
+          <a:lstStyle/>
+          <a:p>
+            <a:r>
+              <a:rPr lang="en-IN" sz="3600" dirty="0" smtClean="0"/>
+              <a:t>Software and Tools </a:t>
+            </a:r>
+            <a:r>
+              <a:rPr lang="en-IN" sz="3600" dirty="0" smtClean="0"/>
+              <a:t>Requirements</a:t>
+            </a:r>
+            <a:endParaRPr lang="en-IN" sz="3600" dirty="0"/>
+          </a:p>
+        </p:txBody>
+      </p:sp>
+      <p:sp>
+        <p:nvSpPr>
+          <p:cNvPr id="3" name="TextBox 2"/>
+          <p:cNvSpPr txBox="1"/>
+          <p:nvPr/>
+        </p:nvSpPr>
+        <p:spPr>
+          <a:xfrm>
+            <a:off x="443883" y="1473693"/>
+            <a:ext cx="11425562" cy="4247317"/>
+          </a:xfrm>
+          <a:prstGeom prst="rect">
+            <a:avLst/>
+          </a:prstGeom>
+          <a:noFill/>
+        </p:spPr>
+        <p:txBody>
+          <a:bodyPr wrap="square" rtlCol="0">
+            <a:spAutoFit/>
+          </a:bodyPr>
+          <a:lstStyle/>
+          <a:p>
+            <a:pPr marL="342900" indent="-342900">
+              <a:buAutoNum type="arabicPeriod"/>
+            </a:pPr>
+            <a:r>
+              <a:rPr lang="en-IN" dirty="0" smtClean="0"/>
+              <a:t>UI Technologies</a:t>
+            </a:r>
+          </a:p>
+          <a:p>
+            <a:r>
+              <a:rPr lang="en-IN" dirty="0" smtClean="0"/>
+              <a:t>		1.1 HTML</a:t>
+            </a:r>
+          </a:p>
+          <a:p>
+            <a:r>
+              <a:rPr lang="en-IN" dirty="0"/>
+              <a:t>	</a:t>
+            </a:r>
+            <a:r>
+              <a:rPr lang="en-IN" dirty="0" smtClean="0"/>
+              <a:t>	1.2 CSS</a:t>
+            </a:r>
+          </a:p>
+          <a:p>
+            <a:r>
+              <a:rPr lang="en-IN" dirty="0"/>
+              <a:t>	</a:t>
+            </a:r>
+            <a:r>
+              <a:rPr lang="en-IN" dirty="0" smtClean="0"/>
+              <a:t>	1.2 BOOTSTRAP</a:t>
+            </a:r>
+          </a:p>
+          <a:p>
+            <a:r>
+              <a:rPr lang="en-IN" dirty="0"/>
+              <a:t>	</a:t>
+            </a:r>
+            <a:r>
+              <a:rPr lang="en-IN" dirty="0" smtClean="0"/>
+              <a:t>	1.3 JAVA SCRIPT</a:t>
+            </a:r>
+          </a:p>
+          <a:p>
+            <a:r>
+              <a:rPr lang="en-IN" dirty="0" smtClean="0"/>
+              <a:t>2. Backend Technologies</a:t>
+            </a:r>
+          </a:p>
+          <a:p>
+            <a:r>
+              <a:rPr lang="en-IN" dirty="0"/>
+              <a:t>	</a:t>
+            </a:r>
+            <a:r>
+              <a:rPr lang="en-IN" dirty="0" smtClean="0"/>
+              <a:t>	2.1 Python</a:t>
+            </a:r>
+          </a:p>
+          <a:p>
+            <a:r>
+              <a:rPr lang="en-IN" dirty="0"/>
+              <a:t>	</a:t>
+            </a:r>
+            <a:r>
+              <a:rPr lang="en-IN" dirty="0" smtClean="0"/>
+              <a:t>	2.2 Django</a:t>
+            </a:r>
+          </a:p>
+          <a:p>
+            <a:r>
+              <a:rPr lang="en-IN" dirty="0"/>
+              <a:t>	</a:t>
+            </a:r>
+            <a:r>
+              <a:rPr lang="en-IN" dirty="0" smtClean="0"/>
+              <a:t>	2.3 Django Development Server</a:t>
+            </a:r>
+          </a:p>
+          <a:p>
+            <a:r>
+              <a:rPr lang="en-IN" dirty="0" smtClean="0"/>
+              <a:t>3. Database</a:t>
+            </a:r>
+          </a:p>
+          <a:p>
+            <a:r>
+              <a:rPr lang="en-IN" dirty="0"/>
+              <a:t>	</a:t>
+            </a:r>
+            <a:r>
+              <a:rPr lang="en-IN" dirty="0" smtClean="0"/>
+              <a:t>	3.1 </a:t>
+            </a:r>
+            <a:r>
+              <a:rPr lang="en-IN" dirty="0" smtClean="0"/>
+              <a:t>SQL</a:t>
+            </a:r>
+          </a:p>
+          <a:p>
+            <a:endParaRPr lang="en-IN" dirty="0" smtClean="0"/>
+          </a:p>
+          <a:p>
+            <a:r>
+              <a:rPr lang="en-IN" dirty="0" smtClean="0"/>
+              <a:t>4. IDE :- </a:t>
+            </a:r>
+            <a:r>
+              <a:rPr lang="en-IN" dirty="0" err="1" smtClean="0"/>
+              <a:t>Pycharm</a:t>
+            </a:r>
+            <a:endParaRPr lang="en-IN" dirty="0" smtClean="0"/>
+          </a:p>
+          <a:p>
+            <a:endParaRPr lang="en-IN" dirty="0"/>
+          </a:p>
+          <a:p>
+            <a:endParaRPr lang="en-IN" dirty="0"/>
+          </a:p>
+        </p:txBody>
+      </p:sp>
+    </p:spTree>
+    <p:extLst>
+      <p:ext uri="{BB962C8B-B14F-4D97-AF65-F5344CB8AC3E}">
+        <p14:creationId xmlns:p14="http://schemas.microsoft.com/office/powerpoint/2010/main" val="2434127352"/>
+      </p:ext>
+    </p:extLst>
+  </p:cSld>
+  <p:clrMapOvr>
+    <a:masterClrMapping/>
+  </p:clrMapOvr>
+  <p:timing>
+    <p:tnLst>
+      <p:par>
+        <p:cTn id="1" dur="indefinite" restart="never" nodeType="tmRoot"/>
+      </p:par>
+    </p:tnLst>
+  </p:timing>
+</p:sld>
+</file>
+
+<file path=ppt/slides/slide7.xml><?xml version="1.0" encoding="utf-8"?>
+<p:sld xmlns:a="http://schemas.openxmlformats.org/drawingml/2006/main" xmlns:r="http://schemas.openxmlformats.org/officeDocument/2006/relationships" xmlns:p="http://schemas.openxmlformats.org/presentationml/2006/main">
+  <p:cSld>
+    <p:spTree>
+      <p:nvGrpSpPr>
+        <p:cNvPr id="1" name=""/>
+        <p:cNvGrpSpPr/>
+        <p:nvPr/>
+      </p:nvGrpSpPr>
+      <p:grpSpPr>
+        <a:xfrm>
+          <a:off x="0" y="0"/>
+          <a:ext cx="0" cy="0"/>
+          <a:chOff x="0" y="0"/>
+          <a:chExt cx="0" cy="0"/>
+        </a:xfrm>
+      </p:grpSpPr>
+      <p:sp>
+        <p:nvSpPr>
+          <p:cNvPr id="2" name="Title 1"/>
+          <p:cNvSpPr>
+            <a:spLocks noGrp="1"/>
+          </p:cNvSpPr>
+          <p:nvPr>
+            <p:ph type="title"/>
+          </p:nvPr>
+        </p:nvSpPr>
+        <p:spPr>
+          <a:xfrm>
+            <a:off x="257156" y="0"/>
+            <a:ext cx="8534400" cy="1507067"/>
+          </a:xfrm>
+        </p:spPr>
+        <p:txBody>
+          <a:bodyPr/>
+          <a:lstStyle/>
+          <a:p>
+            <a:r>
+              <a:rPr lang="en-IN" dirty="0" smtClean="0"/>
+              <a:t>Specifications</a:t>
+            </a:r>
+            <a:endParaRPr lang="en-IN" dirty="0"/>
+          </a:p>
+        </p:txBody>
+      </p:sp>
+      <p:sp>
+        <p:nvSpPr>
+          <p:cNvPr id="3" name="Content Placeholder 2"/>
+          <p:cNvSpPr>
+            <a:spLocks noGrp="1"/>
+          </p:cNvSpPr>
+          <p:nvPr>
+            <p:ph idx="1"/>
+          </p:nvPr>
+        </p:nvSpPr>
+        <p:spPr>
+          <a:xfrm>
+            <a:off x="257156" y="2080451"/>
+            <a:ext cx="8534400" cy="3615267"/>
+          </a:xfrm>
+        </p:spPr>
+        <p:txBody>
+          <a:bodyPr>
+            <a:normAutofit fontScale="92500" lnSpcReduction="10000"/>
+          </a:bodyPr>
+          <a:lstStyle/>
+          <a:p>
+            <a:pPr marL="0" indent="0">
+              <a:buNone/>
+            </a:pPr>
+            <a:r>
+              <a:rPr lang="en-IN" dirty="0" smtClean="0"/>
+              <a:t>Hardware specifications:-</a:t>
+            </a:r>
+          </a:p>
+          <a:p>
+            <a:r>
+              <a:rPr lang="en-IN" dirty="0" smtClean="0"/>
+              <a:t>A desktop running windows 7 or higher</a:t>
+            </a:r>
+          </a:p>
+          <a:p>
+            <a:r>
+              <a:rPr lang="en-IN" dirty="0" smtClean="0"/>
+              <a:t>512MB ram</a:t>
+            </a:r>
+          </a:p>
+          <a:p>
+            <a:r>
+              <a:rPr lang="en-IN" dirty="0" smtClean="0"/>
+              <a:t>Dual core processor</a:t>
+            </a:r>
+          </a:p>
+          <a:p>
+            <a:pPr marL="0" indent="0">
+              <a:buNone/>
+            </a:pPr>
+            <a:endParaRPr lang="en-IN" dirty="0" smtClean="0"/>
+          </a:p>
+          <a:p>
+            <a:pPr marL="0" indent="0">
+              <a:buNone/>
+            </a:pPr>
+            <a:r>
+              <a:rPr lang="en-IN" dirty="0" smtClean="0"/>
+              <a:t>Software Specifications:-</a:t>
+            </a:r>
+          </a:p>
+          <a:p>
+            <a:r>
+              <a:rPr lang="en-IN" dirty="0" smtClean="0"/>
+              <a:t>Chrome v. 30 or Above</a:t>
+            </a:r>
+          </a:p>
+          <a:p>
+            <a:r>
+              <a:rPr lang="en-IN" dirty="0" smtClean="0"/>
+              <a:t>Data connection</a:t>
+            </a:r>
+          </a:p>
+          <a:p>
+            <a:r>
+              <a:rPr lang="en-IN" dirty="0" smtClean="0"/>
+              <a:t>Flash player</a:t>
+            </a:r>
+          </a:p>
+          <a:p>
+            <a:endParaRPr lang="en-IN" dirty="0"/>
+          </a:p>
+        </p:txBody>
+      </p:sp>
+    </p:spTree>
+    <p:extLst>
+      <p:ext uri="{BB962C8B-B14F-4D97-AF65-F5344CB8AC3E}">
+        <p14:creationId xmlns:p14="http://schemas.microsoft.com/office/powerpoint/2010/main" val="4204839390"/>
+      </p:ext>
+    </p:extLst>
+  </p:cSld>
+  <p:clrMapOvr>
+    <a:masterClrMapping/>
+  </p:clrMapOvr>
+  <p:timing>
+    <p:tnLst>
+      <p:par>
+        <p:cTn id="1" dur="indefinite" restart="never" nodeType="tmRoot"/>
+      </p:par>
+    </p:tnLst>
+  </p:timing>
+</p:sld>
+</file>
+
+<file path=ppt/slides/slide8.xml><?xml version="1.0" encoding="utf-8"?>
+<p:sld xmlns:a="http://schemas.openxmlformats.org/drawingml/2006/main" xmlns:r="http://schemas.openxmlformats.org/officeDocument/2006/relationships" xmlns:p="http://schemas.openxmlformats.org/presentationml/2006/main">
+  <p:cSld>
+    <p:spTree>
+      <p:nvGrpSpPr>
+        <p:cNvPr id="1" name=""/>
+        <p:cNvGrpSpPr/>
+        <p:nvPr/>
+      </p:nvGrpSpPr>
+      <p:grpSpPr>
+        <a:xfrm>
+          <a:off x="0" y="0"/>
+          <a:ext cx="0" cy="0"/>
+          <a:chOff x="0" y="0"/>
+          <a:chExt cx="0" cy="0"/>
+        </a:xfrm>
+      </p:grpSpPr>
+      <p:sp>
+        <p:nvSpPr>
+          <p:cNvPr id="2" name="Title 1"/>
+          <p:cNvSpPr>
+            <a:spLocks noGrp="1"/>
+          </p:cNvSpPr>
+          <p:nvPr>
+            <p:ph type="title"/>
+          </p:nvPr>
+        </p:nvSpPr>
+        <p:spPr>
+          <a:xfrm>
+            <a:off x="141259" y="65223"/>
+            <a:ext cx="8534400" cy="1507067"/>
+          </a:xfrm>
+        </p:spPr>
+        <p:txBody>
+          <a:bodyPr/>
+          <a:lstStyle/>
+          <a:p>
+            <a:r>
+              <a:rPr lang="en-IN" dirty="0" smtClean="0"/>
+              <a:t>Modules</a:t>
+            </a:r>
+            <a:endParaRPr lang="en-IN" dirty="0"/>
+          </a:p>
+        </p:txBody>
+      </p:sp>
+      <p:sp>
+        <p:nvSpPr>
+          <p:cNvPr id="3" name="Content Placeholder 2"/>
+          <p:cNvSpPr>
+            <a:spLocks noGrp="1"/>
+          </p:cNvSpPr>
+          <p:nvPr>
+            <p:ph idx="1"/>
+          </p:nvPr>
+        </p:nvSpPr>
+        <p:spPr>
+          <a:xfrm>
+            <a:off x="136242" y="2106392"/>
+            <a:ext cx="8534400" cy="3615267"/>
+          </a:xfrm>
+        </p:spPr>
+        <p:txBody>
+          <a:bodyPr/>
+          <a:lstStyle/>
+          <a:p>
+            <a:pPr marL="0" indent="0">
+              <a:buNone/>
+            </a:pPr>
+            <a:r>
+              <a:rPr lang="en-IN" dirty="0" smtClean="0"/>
+              <a:t>Our portal works basically on 2 modules:-</a:t>
+            </a:r>
+          </a:p>
+          <a:p>
+            <a:r>
+              <a:rPr lang="en-IN" dirty="0" smtClean="0"/>
+              <a:t>Admin</a:t>
+            </a:r>
+          </a:p>
+          <a:p>
+            <a:r>
+              <a:rPr lang="en-IN" dirty="0" smtClean="0"/>
+              <a:t>User </a:t>
+            </a:r>
+          </a:p>
+          <a:p>
+            <a:pPr marL="0" indent="0">
+              <a:buNone/>
+            </a:pPr>
+            <a:endParaRPr lang="en-IN" dirty="0"/>
+          </a:p>
+        </p:txBody>
+      </p:sp>
+    </p:spTree>
+    <p:extLst>
+      <p:ext uri="{BB962C8B-B14F-4D97-AF65-F5344CB8AC3E}">
+        <p14:creationId xmlns:p14="http://schemas.microsoft.com/office/powerpoint/2010/main" val="1565098221"/>
+      </p:ext>
+    </p:extLst>
+  </p:cSld>
+  <p:clrMapOvr>
+    <a:masterClrMapping/>
+  </p:clrMapOvr>
+  <p:timing>
+    <p:tnLst>
+      <p:par>
+        <p:cTn id="1" dur="indefinite" restart="never" nodeType="tmRoot"/>
+      </p:par>
+    </p:tnLst>
+  </p:timing>
+</p:sld>
+</file>
+
+<file path=ppt/slides/slide9.xml><?xml version="1.0" encoding="utf-8"?>
+<p:sld xmlns:a="http://schemas.openxmlformats.org/drawingml/2006/main" xmlns:r="http://schemas.openxmlformats.org/officeDocument/2006/relationships" xmlns:p="http://schemas.openxmlformats.org/presentationml/2006/main">
+  <p:cSld>
+    <p:spTree>
+      <p:nvGrpSpPr>
+        <p:cNvPr id="1" name=""/>
+        <p:cNvGrpSpPr/>
+        <p:nvPr/>
+      </p:nvGrpSpPr>
+      <p:grpSpPr>
+        <a:xfrm>
+          <a:off x="0" y="0"/>
+          <a:ext cx="0" cy="0"/>
+          <a:chOff x="0" y="0"/>
+          <a:chExt cx="0" cy="0"/>
+        </a:xfrm>
+      </p:grpSpPr>
+      <p:sp>
+        <p:nvSpPr>
+          <p:cNvPr id="6" name="Rectangle 5"/>
+          <p:cNvSpPr/>
+          <p:nvPr/>
+        </p:nvSpPr>
+        <p:spPr>
+          <a:xfrm>
+            <a:off x="4199803" y="1056443"/>
+            <a:ext cx="2396970" cy="4953740"/>
+          </a:xfrm>
+          <a:prstGeom prst="rect">
+            <a:avLst/>
+          </a:prstGeom>
+          <a:solidFill>
+            <a:schemeClr val="bg2">
+              <a:lumMod val="60000"/>
+              <a:lumOff val="40000"/>
+            </a:schemeClr>
+          </a:solidFill>
+        </p:spPr>
+        <p:style>
+          <a:lnRef idx="2">
+            <a:schemeClr val="accent1">
+              <a:shade val="50000"/>
+            </a:schemeClr>
+          </a:lnRef>
+          <a:fillRef idx="1">
+            <a:schemeClr val="accent1"/>
+          </a:fillRef>
+          <a:effectRef idx="0">
+            <a:schemeClr val="accent1"/>
+          </a:effectRef>
+          <a:fontRef idx="minor">
+            <a:schemeClr val="lt1"/>
+          </a:fontRef>
+        </p:style>
+        <p:txBody>
+          <a:bodyPr rtlCol="0" anchor="ctr"/>
+          <a:lstStyle/>
+          <a:p>
+            <a:pPr algn="ctr"/>
+            <a:endParaRPr lang="en-IN"/>
+          </a:p>
+        </p:txBody>
+      </p:sp>
+      <p:sp>
+        <p:nvSpPr>
+          <p:cNvPr id="9" name="Flowchart: Terminator 8"/>
+          <p:cNvSpPr/>
+          <p:nvPr/>
+        </p:nvSpPr>
+        <p:spPr>
+          <a:xfrm>
+            <a:off x="4749553" y="1194046"/>
+            <a:ext cx="1411550" cy="421690"/>
+          </a:xfrm>
+          <a:prstGeom prst="flowChartTerminator">
+            <a:avLst/>
+          </a:prstGeom>
+          <a:solidFill>
+            <a:schemeClr val="bg2">
+              <a:lumMod val="60000"/>
+              <a:lumOff val="40000"/>
+              <a:alpha val="75000"/>
+            </a:schemeClr>
+          </a:solidFill>
+        </p:spPr>
+        <p:style>
+          <a:lnRef idx="2">
+            <a:schemeClr val="accent1">
+              <a:shade val="50000"/>
+            </a:schemeClr>
+          </a:lnRef>
+          <a:fillRef idx="1">
+            <a:schemeClr val="accent1"/>
+          </a:fillRef>
+          <a:effectRef idx="0">
+            <a:schemeClr val="accent1"/>
+          </a:effectRef>
+          <a:fontRef idx="minor">
+            <a:schemeClr val="lt1"/>
+          </a:fontRef>
+        </p:style>
+        <p:txBody>
+          <a:bodyPr rtlCol="0" anchor="ctr"/>
+          <a:lstStyle/>
+          <a:p>
+            <a:pPr algn="ctr"/>
+            <a:r>
+              <a:rPr lang="en-IN" dirty="0" smtClean="0"/>
+              <a:t>login</a:t>
+            </a:r>
+            <a:endParaRPr lang="en-IN" dirty="0"/>
+          </a:p>
+        </p:txBody>
+      </p:sp>
+      <p:sp>
+        <p:nvSpPr>
+          <p:cNvPr id="10" name="Flowchart: Terminator 9"/>
+          <p:cNvSpPr/>
+          <p:nvPr/>
+        </p:nvSpPr>
+        <p:spPr>
+          <a:xfrm>
+            <a:off x="4749553" y="1819922"/>
+            <a:ext cx="1411549" cy="399495"/>
+          </a:xfrm>
+          <a:prstGeom prst="flowChartTerminator">
+            <a:avLst/>
+          </a:prstGeom>
+          <a:solidFill>
+            <a:schemeClr val="bg2">
+              <a:lumMod val="60000"/>
+              <a:lumOff val="40000"/>
+              <a:alpha val="53000"/>
+            </a:schemeClr>
+          </a:solidFill>
+        </p:spPr>
+        <p:style>
+          <a:lnRef idx="2">
+            <a:schemeClr val="accent1">
+              <a:shade val="50000"/>
+            </a:schemeClr>
+          </a:lnRef>
+          <a:fillRef idx="1">
+            <a:schemeClr val="accent1"/>
+          </a:fillRef>
+          <a:effectRef idx="0">
+            <a:schemeClr val="accent1"/>
+          </a:effectRef>
+          <a:fontRef idx="minor">
+            <a:schemeClr val="lt1"/>
+          </a:fontRef>
+        </p:style>
+        <p:txBody>
+          <a:bodyPr rtlCol="0" anchor="ctr"/>
+          <a:lstStyle/>
+          <a:p>
+            <a:pPr algn="ctr"/>
+            <a:r>
+              <a:rPr lang="en-IN" dirty="0" smtClean="0"/>
+              <a:t>Sign up</a:t>
+            </a:r>
+            <a:endParaRPr lang="en-IN" dirty="0"/>
+          </a:p>
+        </p:txBody>
+      </p:sp>
+      <p:sp>
+        <p:nvSpPr>
+          <p:cNvPr id="11" name="Flowchart: Terminator 10"/>
+          <p:cNvSpPr/>
+          <p:nvPr/>
+        </p:nvSpPr>
+        <p:spPr>
+          <a:xfrm>
+            <a:off x="4749553" y="2396971"/>
+            <a:ext cx="1411549" cy="408284"/>
+          </a:xfrm>
+          <a:prstGeom prst="flowChartTerminator">
+            <a:avLst/>
+          </a:prstGeom>
+          <a:solidFill>
+            <a:schemeClr val="bg2">
+              <a:lumMod val="60000"/>
+              <a:lumOff val="40000"/>
+              <a:alpha val="63000"/>
+            </a:schemeClr>
+          </a:solidFill>
+        </p:spPr>
+        <p:style>
+          <a:lnRef idx="2">
+            <a:schemeClr val="accent1">
+              <a:shade val="50000"/>
+            </a:schemeClr>
+          </a:lnRef>
+          <a:fillRef idx="1">
+            <a:schemeClr val="accent1"/>
+          </a:fillRef>
+          <a:effectRef idx="0">
+            <a:schemeClr val="accent1"/>
+          </a:effectRef>
+          <a:fontRef idx="minor">
+            <a:schemeClr val="lt1"/>
+          </a:fontRef>
+        </p:style>
+        <p:txBody>
+          <a:bodyPr rtlCol="0" anchor="ctr"/>
+          <a:lstStyle/>
+          <a:p>
+            <a:pPr algn="ctr"/>
+            <a:r>
+              <a:rPr lang="en-IN" dirty="0" smtClean="0"/>
+              <a:t>video</a:t>
+            </a:r>
+            <a:endParaRPr lang="en-IN" dirty="0"/>
+          </a:p>
+        </p:txBody>
+      </p:sp>
+      <p:sp>
+        <p:nvSpPr>
+          <p:cNvPr id="12" name="Flowchart: Terminator 11"/>
+          <p:cNvSpPr/>
+          <p:nvPr/>
+        </p:nvSpPr>
+        <p:spPr>
+          <a:xfrm>
+            <a:off x="4749554" y="3027329"/>
+            <a:ext cx="1411548" cy="399451"/>
+          </a:xfrm>
+          <a:prstGeom prst="flowChartTerminator">
+            <a:avLst/>
+          </a:prstGeom>
+          <a:solidFill>
+            <a:schemeClr val="bg2">
+              <a:lumMod val="60000"/>
+              <a:lumOff val="40000"/>
+              <a:alpha val="59000"/>
+            </a:schemeClr>
+          </a:solidFill>
+        </p:spPr>
+        <p:style>
+          <a:lnRef idx="2">
+            <a:schemeClr val="accent1">
+              <a:shade val="50000"/>
+            </a:schemeClr>
+          </a:lnRef>
+          <a:fillRef idx="1">
+            <a:schemeClr val="accent1"/>
+          </a:fillRef>
+          <a:effectRef idx="0">
+            <a:schemeClr val="accent1"/>
+          </a:effectRef>
+          <a:fontRef idx="minor">
+            <a:schemeClr val="lt1"/>
+          </a:fontRef>
+        </p:style>
+        <p:txBody>
+          <a:bodyPr rtlCol="0" anchor="ctr"/>
+          <a:lstStyle/>
+          <a:p>
+            <a:pPr algn="ctr"/>
+            <a:r>
+              <a:rPr lang="en-IN" dirty="0" smtClean="0"/>
+              <a:t>notes</a:t>
+            </a:r>
+            <a:endParaRPr lang="en-IN" dirty="0"/>
+          </a:p>
+        </p:txBody>
+      </p:sp>
+      <p:sp>
+        <p:nvSpPr>
+          <p:cNvPr id="13" name="Flowchart: Terminator 12"/>
+          <p:cNvSpPr/>
+          <p:nvPr/>
+        </p:nvSpPr>
+        <p:spPr>
+          <a:xfrm>
+            <a:off x="4749554" y="3613255"/>
+            <a:ext cx="1411548" cy="381696"/>
+          </a:xfrm>
+          <a:prstGeom prst="flowChartTerminator">
+            <a:avLst/>
+          </a:prstGeom>
+          <a:solidFill>
+            <a:schemeClr val="bg2">
+              <a:lumMod val="60000"/>
+              <a:lumOff val="40000"/>
+              <a:alpha val="41000"/>
+            </a:schemeClr>
+          </a:solidFill>
+        </p:spPr>
+        <p:style>
+          <a:lnRef idx="2">
+            <a:schemeClr val="accent1">
+              <a:shade val="50000"/>
+            </a:schemeClr>
+          </a:lnRef>
+          <a:fillRef idx="1">
+            <a:schemeClr val="accent1"/>
+          </a:fillRef>
+          <a:effectRef idx="0">
+            <a:schemeClr val="accent1"/>
+          </a:effectRef>
+          <a:fontRef idx="minor">
+            <a:schemeClr val="lt1"/>
+          </a:fontRef>
+        </p:style>
+        <p:txBody>
+          <a:bodyPr rtlCol="0" anchor="ctr"/>
+          <a:lstStyle/>
+          <a:p>
+            <a:pPr algn="ctr"/>
+            <a:r>
+              <a:rPr lang="en-IN" dirty="0" smtClean="0"/>
+              <a:t>projects</a:t>
+            </a:r>
+            <a:endParaRPr lang="en-IN" dirty="0"/>
+          </a:p>
+        </p:txBody>
+      </p:sp>
+      <p:sp>
+        <p:nvSpPr>
+          <p:cNvPr id="14" name="Flowchart: Terminator 13"/>
+          <p:cNvSpPr/>
+          <p:nvPr/>
+        </p:nvSpPr>
+        <p:spPr>
+          <a:xfrm>
+            <a:off x="4749554" y="4172549"/>
+            <a:ext cx="1411548" cy="417206"/>
+          </a:xfrm>
+          <a:prstGeom prst="flowChartTerminator">
+            <a:avLst/>
+          </a:prstGeom>
+          <a:solidFill>
+            <a:schemeClr val="bg2">
+              <a:lumMod val="60000"/>
+              <a:lumOff val="40000"/>
+              <a:alpha val="41000"/>
+            </a:schemeClr>
+          </a:solidFill>
+        </p:spPr>
+        <p:style>
+          <a:lnRef idx="2">
+            <a:schemeClr val="accent1">
+              <a:shade val="50000"/>
+            </a:schemeClr>
+          </a:lnRef>
+          <a:fillRef idx="1">
+            <a:schemeClr val="accent1"/>
+          </a:fillRef>
+          <a:effectRef idx="0">
+            <a:schemeClr val="accent1"/>
+          </a:effectRef>
+          <a:fontRef idx="minor">
+            <a:schemeClr val="lt1"/>
+          </a:fontRef>
+        </p:style>
+        <p:txBody>
+          <a:bodyPr rtlCol="0" anchor="ctr"/>
+          <a:lstStyle/>
+          <a:p>
+            <a:pPr algn="ctr"/>
+            <a:r>
+              <a:rPr lang="en-IN" dirty="0" smtClean="0"/>
+              <a:t>game</a:t>
+            </a:r>
+            <a:endParaRPr lang="en-IN" dirty="0"/>
+          </a:p>
+        </p:txBody>
+      </p:sp>
+      <p:sp>
+        <p:nvSpPr>
+          <p:cNvPr id="15" name="Rectangle 14"/>
+          <p:cNvSpPr/>
+          <p:nvPr/>
+        </p:nvSpPr>
+        <p:spPr>
+          <a:xfrm>
+            <a:off x="1020932" y="1615736"/>
+            <a:ext cx="1500326" cy="532660"/>
+          </a:xfrm>
+          <a:prstGeom prst="rect">
+            <a:avLst/>
+          </a:prstGeom>
+          <a:solidFill>
+            <a:schemeClr val="bg2">
+              <a:lumMod val="60000"/>
+              <a:lumOff val="40000"/>
+              <a:alpha val="40000"/>
+            </a:schemeClr>
+          </a:solidFill>
+        </p:spPr>
+        <p:style>
+          <a:lnRef idx="2">
+            <a:schemeClr val="accent1">
+              <a:shade val="50000"/>
+            </a:schemeClr>
+          </a:lnRef>
+          <a:fillRef idx="1">
+            <a:schemeClr val="accent1"/>
+          </a:fillRef>
+          <a:effectRef idx="0">
+            <a:schemeClr val="accent1"/>
+          </a:effectRef>
+          <a:fontRef idx="minor">
+            <a:schemeClr val="lt1"/>
+          </a:fontRef>
+        </p:style>
+        <p:txBody>
+          <a:bodyPr rtlCol="0" anchor="ctr"/>
+          <a:lstStyle/>
+          <a:p>
+            <a:pPr algn="ctr"/>
+            <a:r>
+              <a:rPr lang="en-IN" dirty="0" smtClean="0"/>
+              <a:t>Admin</a:t>
+            </a:r>
+            <a:endParaRPr lang="en-IN" dirty="0"/>
+          </a:p>
+        </p:txBody>
+      </p:sp>
+      <p:sp>
+        <p:nvSpPr>
+          <p:cNvPr id="16" name="Rectangle 15"/>
+          <p:cNvSpPr/>
+          <p:nvPr/>
+        </p:nvSpPr>
+        <p:spPr>
+          <a:xfrm>
+            <a:off x="1020932" y="3551068"/>
+            <a:ext cx="1500325" cy="523782"/>
+          </a:xfrm>
+          <a:prstGeom prst="rect">
+            <a:avLst/>
+          </a:prstGeom>
+          <a:solidFill>
+            <a:schemeClr val="bg2">
+              <a:lumMod val="60000"/>
+              <a:lumOff val="40000"/>
+              <a:alpha val="41000"/>
+            </a:schemeClr>
+          </a:solidFill>
+        </p:spPr>
+        <p:style>
+          <a:lnRef idx="2">
+            <a:schemeClr val="accent1">
+              <a:shade val="50000"/>
+            </a:schemeClr>
+          </a:lnRef>
+          <a:fillRef idx="1">
+            <a:schemeClr val="accent1"/>
+          </a:fillRef>
+          <a:effectRef idx="0">
+            <a:schemeClr val="accent1"/>
+          </a:effectRef>
+          <a:fontRef idx="minor">
+            <a:schemeClr val="lt1"/>
+          </a:fontRef>
+        </p:style>
+        <p:txBody>
+          <a:bodyPr rtlCol="0" anchor="ctr"/>
+          <a:lstStyle/>
+          <a:p>
+            <a:pPr algn="ctr"/>
+            <a:r>
+              <a:rPr lang="en-IN" dirty="0" smtClean="0"/>
+              <a:t>user</a:t>
+            </a:r>
+            <a:endParaRPr lang="en-IN" dirty="0"/>
+          </a:p>
+        </p:txBody>
+      </p:sp>
+      <p:cxnSp>
+        <p:nvCxnSpPr>
+          <p:cNvPr id="18" name="Straight Arrow Connector 17"/>
+          <p:cNvCxnSpPr>
+            <a:stCxn id="15" idx="3"/>
+          </p:cNvCxnSpPr>
+          <p:nvPr/>
+        </p:nvCxnSpPr>
+        <p:spPr>
+          <a:xfrm>
+            <a:off x="2521258" y="1882066"/>
+            <a:ext cx="1678545" cy="0"/>
+          </a:xfrm>
+          <a:prstGeom prst="straightConnector1">
+            <a:avLst/>
+          </a:prstGeom>
+          <a:ln>
+            <a:solidFill>
+              <a:schemeClr val="bg1">
+                <a:lumMod val="95000"/>
+                <a:lumOff val="5000"/>
+                <a:alpha val="60000"/>
+              </a:schemeClr>
+            </a:solidFill>
+            <a:tailEnd type="arrow"/>
+          </a:ln>
+        </p:spPr>
+        <p:style>
+          <a:lnRef idx="1">
+            <a:schemeClr val="accent1"/>
+          </a:lnRef>
+          <a:fillRef idx="0">
+            <a:schemeClr val="accent1"/>
+          </a:fillRef>
+          <a:effectRef idx="0">
+            <a:schemeClr val="accent1"/>
+          </a:effectRef>
+          <a:fontRef idx="minor">
+            <a:schemeClr val="tx1"/>
+          </a:fontRef>
+        </p:style>
+      </p:cxnSp>
+      <p:cxnSp>
+        <p:nvCxnSpPr>
+          <p:cNvPr id="23" name="Straight Arrow Connector 22"/>
+          <p:cNvCxnSpPr/>
+          <p:nvPr/>
+        </p:nvCxnSpPr>
+        <p:spPr>
+          <a:xfrm>
+            <a:off x="2521258" y="3812959"/>
+            <a:ext cx="1678545" cy="0"/>
+          </a:xfrm>
+          <a:prstGeom prst="straightConnector1">
+            <a:avLst/>
+          </a:prstGeom>
+          <a:ln>
+            <a:solidFill>
+              <a:schemeClr val="bg1">
+                <a:lumMod val="95000"/>
+                <a:lumOff val="5000"/>
+                <a:alpha val="60000"/>
+              </a:schemeClr>
+            </a:solidFill>
+            <a:tailEnd type="arrow"/>
+          </a:ln>
+        </p:spPr>
+        <p:style>
+          <a:lnRef idx="1">
+            <a:schemeClr val="accent1"/>
+          </a:lnRef>
+          <a:fillRef idx="0">
+            <a:schemeClr val="accent1"/>
+          </a:fillRef>
+          <a:effectRef idx="0">
+            <a:schemeClr val="accent1"/>
+          </a:effectRef>
+          <a:fontRef idx="minor">
+            <a:schemeClr val="tx1"/>
+          </a:fontRef>
+        </p:style>
+      </p:cxnSp>
+      <p:cxnSp>
+        <p:nvCxnSpPr>
+          <p:cNvPr id="31" name="Straight Arrow Connector 30"/>
+          <p:cNvCxnSpPr/>
+          <p:nvPr/>
+        </p:nvCxnSpPr>
+        <p:spPr>
+          <a:xfrm>
+            <a:off x="6596773" y="1819922"/>
+            <a:ext cx="1384252" cy="0"/>
+          </a:xfrm>
+          <a:prstGeom prst="straightConnector1">
+            <a:avLst/>
+          </a:prstGeom>
+          <a:ln>
+            <a:solidFill>
+              <a:schemeClr val="bg1">
+                <a:lumMod val="95000"/>
+                <a:lumOff val="5000"/>
+                <a:alpha val="60000"/>
+              </a:schemeClr>
+            </a:solidFill>
+            <a:tailEnd type="arrow"/>
+          </a:ln>
+        </p:spPr>
+        <p:style>
+          <a:lnRef idx="1">
+            <a:schemeClr val="accent1"/>
+          </a:lnRef>
+          <a:fillRef idx="0">
+            <a:schemeClr val="accent1"/>
+          </a:fillRef>
+          <a:effectRef idx="0">
+            <a:schemeClr val="accent1"/>
+          </a:effectRef>
+          <a:fontRef idx="minor">
+            <a:schemeClr val="tx1"/>
+          </a:fontRef>
+        </p:style>
+      </p:cxnSp>
+      <p:cxnSp>
+        <p:nvCxnSpPr>
+          <p:cNvPr id="35" name="Straight Arrow Connector 34"/>
+          <p:cNvCxnSpPr/>
+          <p:nvPr/>
+        </p:nvCxnSpPr>
+        <p:spPr>
+          <a:xfrm>
+            <a:off x="6623406" y="3804103"/>
+            <a:ext cx="1268843" cy="8856"/>
+          </a:xfrm>
+          <a:prstGeom prst="straightConnector1">
+            <a:avLst/>
+          </a:prstGeom>
+          <a:ln>
+            <a:solidFill>
+              <a:schemeClr val="bg1">
+                <a:lumMod val="95000"/>
+                <a:lumOff val="5000"/>
+                <a:alpha val="60000"/>
+              </a:schemeClr>
+            </a:solidFill>
+            <a:tailEnd type="arrow"/>
+          </a:ln>
+        </p:spPr>
+        <p:style>
+          <a:lnRef idx="1">
+            <a:schemeClr val="accent1"/>
+          </a:lnRef>
+          <a:fillRef idx="0">
+            <a:schemeClr val="accent1"/>
+          </a:fillRef>
+          <a:effectRef idx="0">
+            <a:schemeClr val="accent1"/>
+          </a:effectRef>
+          <a:fontRef idx="minor">
+            <a:schemeClr val="tx1"/>
+          </a:fontRef>
+        </p:style>
+      </p:cxnSp>
+      <p:sp>
+        <p:nvSpPr>
+          <p:cNvPr id="38" name="Rectangle 37"/>
+          <p:cNvSpPr/>
+          <p:nvPr/>
+        </p:nvSpPr>
+        <p:spPr>
+          <a:xfrm>
+            <a:off x="7981025" y="1615737"/>
+            <a:ext cx="1615736" cy="532660"/>
+          </a:xfrm>
+          <a:prstGeom prst="rect">
+            <a:avLst/>
+          </a:prstGeom>
+          <a:solidFill>
+            <a:schemeClr val="bg2">
+              <a:lumMod val="60000"/>
+              <a:lumOff val="40000"/>
+              <a:alpha val="41000"/>
+            </a:schemeClr>
+          </a:solidFill>
+        </p:spPr>
+        <p:style>
+          <a:lnRef idx="2">
+            <a:schemeClr val="accent1">
+              <a:shade val="50000"/>
+            </a:schemeClr>
+          </a:lnRef>
+          <a:fillRef idx="1">
+            <a:schemeClr val="accent1"/>
+          </a:fillRef>
+          <a:effectRef idx="0">
+            <a:schemeClr val="accent1"/>
+          </a:effectRef>
+          <a:fontRef idx="minor">
+            <a:schemeClr val="lt1"/>
+          </a:fontRef>
+        </p:style>
+        <p:txBody>
+          <a:bodyPr rtlCol="0" anchor="ctr"/>
+          <a:lstStyle/>
+          <a:p>
+            <a:pPr algn="ctr"/>
+            <a:r>
+              <a:rPr lang="en-IN" dirty="0" smtClean="0"/>
+              <a:t>U </a:t>
+            </a:r>
+            <a:r>
+              <a:rPr lang="en-IN" dirty="0"/>
+              <a:t>I</a:t>
+            </a:r>
+          </a:p>
+        </p:txBody>
+      </p:sp>
+      <p:sp>
+        <p:nvSpPr>
+          <p:cNvPr id="39" name="Can 38"/>
+          <p:cNvSpPr/>
+          <p:nvPr/>
+        </p:nvSpPr>
+        <p:spPr>
+          <a:xfrm>
+            <a:off x="7967709" y="3373603"/>
+            <a:ext cx="1629052" cy="1007549"/>
+          </a:xfrm>
+          <a:prstGeom prst="can">
+            <a:avLst/>
+          </a:prstGeom>
+          <a:solidFill>
+            <a:schemeClr val="bg2">
+              <a:lumMod val="60000"/>
+              <a:lumOff val="40000"/>
+              <a:alpha val="42000"/>
+            </a:schemeClr>
+          </a:solidFill>
+          <a:ln>
+            <a:solidFill>
+              <a:schemeClr val="bg1">
+                <a:lumMod val="95000"/>
+                <a:lumOff val="5000"/>
+                <a:alpha val="75000"/>
+              </a:schemeClr>
+            </a:solidFill>
+          </a:ln>
+        </p:spPr>
+        <p:style>
+          <a:lnRef idx="2">
+            <a:schemeClr val="accent1">
+              <a:shade val="50000"/>
+            </a:schemeClr>
+          </a:lnRef>
+          <a:fillRef idx="1">
+            <a:schemeClr val="accent1"/>
+          </a:fillRef>
+          <a:effectRef idx="0">
+            <a:schemeClr val="accent1"/>
+          </a:effectRef>
+          <a:fontRef idx="minor">
+            <a:schemeClr val="lt1"/>
+          </a:fontRef>
+        </p:style>
+        <p:txBody>
+          <a:bodyPr rtlCol="0" anchor="ctr"/>
+          <a:lstStyle/>
+          <a:p>
+            <a:pPr algn="ctr"/>
+            <a:r>
+              <a:rPr lang="en-IN" dirty="0" smtClean="0"/>
+              <a:t>Database</a:t>
+            </a:r>
+            <a:endParaRPr lang="en-IN" dirty="0"/>
+          </a:p>
+        </p:txBody>
+      </p:sp>
+      <p:sp>
+        <p:nvSpPr>
+          <p:cNvPr id="40" name="Flowchart: Terminator 39"/>
+          <p:cNvSpPr/>
+          <p:nvPr/>
+        </p:nvSpPr>
+        <p:spPr>
+          <a:xfrm>
+            <a:off x="4729577" y="4776185"/>
+            <a:ext cx="1411548" cy="417252"/>
+          </a:xfrm>
+          <a:prstGeom prst="flowChartTerminator">
+            <a:avLst/>
+          </a:prstGeom>
+          <a:solidFill>
+            <a:schemeClr val="bg2">
+              <a:lumMod val="60000"/>
+              <a:lumOff val="40000"/>
+              <a:alpha val="42000"/>
+            </a:schemeClr>
+          </a:solidFill>
+        </p:spPr>
+        <p:style>
+          <a:lnRef idx="2">
+            <a:schemeClr val="accent1">
+              <a:shade val="50000"/>
+            </a:schemeClr>
+          </a:lnRef>
+          <a:fillRef idx="1">
+            <a:schemeClr val="accent1"/>
+          </a:fillRef>
+          <a:effectRef idx="0">
+            <a:schemeClr val="accent1"/>
+          </a:effectRef>
+          <a:fontRef idx="minor">
+            <a:schemeClr val="lt1"/>
+          </a:fontRef>
+        </p:style>
+        <p:txBody>
+          <a:bodyPr rtlCol="0" anchor="ctr"/>
+          <a:lstStyle/>
+          <a:p>
+            <a:pPr algn="ctr"/>
+            <a:r>
+              <a:rPr lang="en-IN" dirty="0" smtClean="0"/>
+              <a:t>blog</a:t>
+            </a:r>
+            <a:endParaRPr lang="en-IN" dirty="0"/>
+          </a:p>
+        </p:txBody>
+      </p:sp>
+      <p:sp>
+        <p:nvSpPr>
+          <p:cNvPr id="41" name="Flowchart: Terminator 40"/>
+          <p:cNvSpPr/>
+          <p:nvPr/>
+        </p:nvSpPr>
+        <p:spPr>
+          <a:xfrm>
+            <a:off x="4742891" y="5326645"/>
+            <a:ext cx="1398234" cy="426085"/>
+          </a:xfrm>
+          <a:prstGeom prst="flowChartTerminator">
+            <a:avLst/>
+          </a:prstGeom>
+          <a:solidFill>
+            <a:schemeClr val="bg2">
+              <a:lumMod val="60000"/>
+              <a:lumOff val="40000"/>
+              <a:alpha val="43000"/>
+            </a:schemeClr>
+          </a:solidFill>
+        </p:spPr>
+        <p:style>
+          <a:lnRef idx="2">
+            <a:schemeClr val="accent1">
+              <a:shade val="50000"/>
+            </a:schemeClr>
+          </a:lnRef>
+          <a:fillRef idx="1">
+            <a:schemeClr val="accent1"/>
+          </a:fillRef>
+          <a:effectRef idx="0">
+            <a:schemeClr val="accent1"/>
+          </a:effectRef>
+          <a:fontRef idx="minor">
+            <a:schemeClr val="lt1"/>
+          </a:fontRef>
+        </p:style>
+        <p:txBody>
+          <a:bodyPr rtlCol="0" anchor="ctr"/>
+          <a:lstStyle/>
+          <a:p>
+            <a:pPr algn="ctr"/>
+            <a:r>
+              <a:rPr lang="en-IN" dirty="0" smtClean="0"/>
+              <a:t>forum</a:t>
+            </a:r>
+            <a:endParaRPr lang="en-IN" dirty="0"/>
+          </a:p>
+        </p:txBody>
+      </p:sp>
+      <p:sp>
+        <p:nvSpPr>
+          <p:cNvPr id="42" name="TextBox 41"/>
+          <p:cNvSpPr txBox="1"/>
+          <p:nvPr/>
+        </p:nvSpPr>
+        <p:spPr>
+          <a:xfrm>
+            <a:off x="1020932" y="97654"/>
+            <a:ext cx="4434396" cy="646331"/>
+          </a:xfrm>
+          <a:prstGeom prst="rect">
+            <a:avLst/>
+          </a:prstGeom>
+          <a:noFill/>
+        </p:spPr>
+        <p:txBody>
+          <a:bodyPr wrap="square" rtlCol="0">
+            <a:spAutoFit/>
+          </a:bodyPr>
+          <a:lstStyle/>
+          <a:p>
+            <a:r>
+              <a:rPr lang="en-IN" sz="3600" dirty="0" smtClean="0"/>
+              <a:t>Context </a:t>
+            </a:r>
+            <a:r>
+              <a:rPr lang="en-IN" sz="3600" dirty="0" smtClean="0"/>
+              <a:t>L</a:t>
+            </a:r>
+            <a:r>
+              <a:rPr lang="en-IN" sz="3600" dirty="0"/>
+              <a:t>e</a:t>
+            </a:r>
+            <a:r>
+              <a:rPr lang="en-IN" sz="3600" dirty="0" smtClean="0"/>
+              <a:t>vel  </a:t>
+            </a:r>
+            <a:r>
+              <a:rPr lang="en-IN" sz="3600" dirty="0" smtClean="0"/>
+              <a:t>DFD</a:t>
+            </a:r>
+            <a:endParaRPr lang="en-IN" sz="3600" dirty="0"/>
+          </a:p>
+        </p:txBody>
+      </p:sp>
+    </p:spTree>
+    <p:extLst>
+      <p:ext uri="{BB962C8B-B14F-4D97-AF65-F5344CB8AC3E}">
+        <p14:creationId xmlns:p14="http://schemas.microsoft.com/office/powerpoint/2010/main" val="2856231031"/>
+      </p:ext>
+    </p:extLst>
+  </p:cSld>
+  <p:clrMapOvr>
+    <a:masterClrMapping/>
+  </p:clrMapOvr>
+  <p:timing>
+    <p:tnLst>
+      <p:par>
+        <p:cTn id="1" dur="indefinite" restart="never" nodeType="tmRoot"/>
+      </p:par>
+    </p:tnLst>
+  </p:timing>
 </p:sld>
 </file>
 
@@ -8513,7 +8823,7 @@
   <a:extraClrSchemeLst/>
   <a:extLst>
     <a:ext uri="{05A4C25C-085E-4340-85A3-A5531E510DB2}">
-      <thm15:themeFamily xmlns:thm15="http://schemas.microsoft.com/office/thememl/2012/main" xmlns="" name="Slice" id="{0507925B-6AC9-4358-8E18-C330545D08F8}" vid="{13FEC7C6-62A9-40C4-99D2-581AACACAA2F}"/>
+      <thm15:themeFamily xmlns:thm15="http://schemas.microsoft.com/office/thememl/2012/main" name="Slice" id="{0507925B-6AC9-4358-8E18-C330545D08F8}" vid="{13FEC7C6-62A9-40C4-99D2-581AACACAA2F}"/>
     </a:ext>
   </a:extLst>
 </a:theme>

--- a/Paathsala.pptx
+++ b/Paathsala.pptx
@@ -327,7 +327,7 @@
             <a:fld id="{B61BEF0D-F0BB-DE4B-95CE-6DB70DBA9567}" type="datetimeFigureOut">
               <a:rPr lang="en-US" dirty="0"/>
               <a:pPr/>
-              <a:t>9/28/2018</a:t>
+              <a:t>10/1/2018</a:t>
             </a:fld>
             <a:endParaRPr lang="en-US" dirty="0"/>
           </a:p>
@@ -760,7 +760,7 @@
             <a:fld id="{B61BEF0D-F0BB-DE4B-95CE-6DB70DBA9567}" type="datetimeFigureOut">
               <a:rPr lang="en-US" dirty="0"/>
               <a:pPr/>
-              <a:t>9/28/2018</a:t>
+              <a:t>10/1/2018</a:t>
             </a:fld>
             <a:endParaRPr lang="en-US" dirty="0"/>
           </a:p>
@@ -1007,7 +1007,7 @@
             <a:fld id="{B61BEF0D-F0BB-DE4B-95CE-6DB70DBA9567}" type="datetimeFigureOut">
               <a:rPr lang="en-US" dirty="0"/>
               <a:pPr/>
-              <a:t>9/28/2018</a:t>
+              <a:t>10/1/2018</a:t>
             </a:fld>
             <a:endParaRPr lang="en-US" dirty="0"/>
           </a:p>
@@ -1312,7 +1312,7 @@
             <a:fld id="{B61BEF0D-F0BB-DE4B-95CE-6DB70DBA9567}" type="datetimeFigureOut">
               <a:rPr lang="en-US" dirty="0"/>
               <a:pPr/>
-              <a:t>9/28/2018</a:t>
+              <a:t>10/1/2018</a:t>
             </a:fld>
             <a:endParaRPr lang="en-US" dirty="0"/>
           </a:p>
@@ -1627,7 +1627,7 @@
             <a:fld id="{B61BEF0D-F0BB-DE4B-95CE-6DB70DBA9567}" type="datetimeFigureOut">
               <a:rPr lang="en-US" dirty="0"/>
               <a:pPr/>
-              <a:t>9/28/2018</a:t>
+              <a:t>10/1/2018</a:t>
             </a:fld>
             <a:endParaRPr lang="en-US" dirty="0"/>
           </a:p>
@@ -1926,7 +1926,7 @@
             <a:fld id="{B61BEF0D-F0BB-DE4B-95CE-6DB70DBA9567}" type="datetimeFigureOut">
               <a:rPr lang="en-US" dirty="0"/>
               <a:pPr/>
-              <a:t>9/28/2018</a:t>
+              <a:t>10/1/2018</a:t>
             </a:fld>
             <a:endParaRPr lang="en-US" dirty="0"/>
           </a:p>
@@ -2290,7 +2290,7 @@
             <a:fld id="{B61BEF0D-F0BB-DE4B-95CE-6DB70DBA9567}" type="datetimeFigureOut">
               <a:rPr lang="en-US" dirty="0"/>
               <a:pPr/>
-              <a:t>9/28/2018</a:t>
+              <a:t>10/1/2018</a:t>
             </a:fld>
             <a:endParaRPr lang="en-US" dirty="0"/>
           </a:p>
@@ -2461,7 +2461,7 @@
             <a:fld id="{B61BEF0D-F0BB-DE4B-95CE-6DB70DBA9567}" type="datetimeFigureOut">
               <a:rPr lang="en-US" dirty="0"/>
               <a:pPr/>
-              <a:t>9/28/2018</a:t>
+              <a:t>10/1/2018</a:t>
             </a:fld>
             <a:endParaRPr lang="en-US" dirty="0"/>
           </a:p>
@@ -2638,7 +2638,7 @@
             <a:fld id="{B61BEF0D-F0BB-DE4B-95CE-6DB70DBA9567}" type="datetimeFigureOut">
               <a:rPr lang="en-US" dirty="0"/>
               <a:pPr/>
-              <a:t>9/28/2018</a:t>
+              <a:t>10/1/2018</a:t>
             </a:fld>
             <a:endParaRPr lang="en-US" dirty="0"/>
           </a:p>
@@ -2805,7 +2805,7 @@
             <a:fld id="{B61BEF0D-F0BB-DE4B-95CE-6DB70DBA9567}" type="datetimeFigureOut">
               <a:rPr lang="en-US" dirty="0"/>
               <a:pPr/>
-              <a:t>9/28/2018</a:t>
+              <a:t>10/1/2018</a:t>
             </a:fld>
             <a:endParaRPr lang="en-US" dirty="0"/>
           </a:p>
@@ -3052,7 +3052,7 @@
             <a:fld id="{B61BEF0D-F0BB-DE4B-95CE-6DB70DBA9567}" type="datetimeFigureOut">
               <a:rPr lang="en-US" dirty="0"/>
               <a:pPr/>
-              <a:t>9/28/2018</a:t>
+              <a:t>10/1/2018</a:t>
             </a:fld>
             <a:endParaRPr lang="en-US" dirty="0"/>
           </a:p>
@@ -3285,7 +3285,7 @@
             <a:fld id="{B61BEF0D-F0BB-DE4B-95CE-6DB70DBA9567}" type="datetimeFigureOut">
               <a:rPr lang="en-US" dirty="0"/>
               <a:pPr/>
-              <a:t>9/28/2018</a:t>
+              <a:t>10/1/2018</a:t>
             </a:fld>
             <a:endParaRPr lang="en-US" dirty="0"/>
           </a:p>
@@ -3664,7 +3664,7 @@
             <a:fld id="{B61BEF0D-F0BB-DE4B-95CE-6DB70DBA9567}" type="datetimeFigureOut">
               <a:rPr lang="en-US" dirty="0"/>
               <a:pPr/>
-              <a:t>9/28/2018</a:t>
+              <a:t>10/1/2018</a:t>
             </a:fld>
             <a:endParaRPr lang="en-US" dirty="0"/>
           </a:p>
@@ -3779,7 +3779,7 @@
             <a:fld id="{B61BEF0D-F0BB-DE4B-95CE-6DB70DBA9567}" type="datetimeFigureOut">
               <a:rPr lang="en-US" dirty="0"/>
               <a:pPr/>
-              <a:t>9/28/2018</a:t>
+              <a:t>10/1/2018</a:t>
             </a:fld>
             <a:endParaRPr lang="en-US" dirty="0"/>
           </a:p>
@@ -3871,7 +3871,7 @@
             <a:fld id="{B61BEF0D-F0BB-DE4B-95CE-6DB70DBA9567}" type="datetimeFigureOut">
               <a:rPr lang="en-US" dirty="0"/>
               <a:pPr/>
-              <a:t>9/28/2018</a:t>
+              <a:t>10/1/2018</a:t>
             </a:fld>
             <a:endParaRPr lang="en-US" dirty="0"/>
           </a:p>
@@ -4123,7 +4123,7 @@
             <a:fld id="{B61BEF0D-F0BB-DE4B-95CE-6DB70DBA9567}" type="datetimeFigureOut">
               <a:rPr lang="en-US" dirty="0"/>
               <a:pPr/>
-              <a:t>9/28/2018</a:t>
+              <a:t>10/1/2018</a:t>
             </a:fld>
             <a:endParaRPr lang="en-US" dirty="0"/>
           </a:p>
@@ -4403,7 +4403,7 @@
             <a:fld id="{B61BEF0D-F0BB-DE4B-95CE-6DB70DBA9567}" type="datetimeFigureOut">
               <a:rPr lang="en-US" dirty="0"/>
               <a:pPr/>
-              <a:t>9/28/2018</a:t>
+              <a:t>10/1/2018</a:t>
             </a:fld>
             <a:endParaRPr lang="en-US" dirty="0"/>
           </a:p>
@@ -4806,7 +4806,7 @@
             <a:fld id="{B61BEF0D-F0BB-DE4B-95CE-6DB70DBA9567}" type="datetimeFigureOut">
               <a:rPr lang="en-US" dirty="0"/>
               <a:pPr/>
-              <a:t>9/28/2018</a:t>
+              <a:t>10/1/2018</a:t>
             </a:fld>
             <a:endParaRPr lang="en-US" dirty="0"/>
           </a:p>
@@ -5361,10 +5361,6 @@
               <a:rPr lang="en-IN" dirty="0" smtClean="0"/>
               <a:t>Paathshala</a:t>
             </a:r>
-            <a:r>
-              <a:rPr lang="en-IN" dirty="0" smtClean="0"/>
-              <a:t/>
-            </a:r>
             <a:br>
               <a:rPr lang="en-IN" dirty="0" smtClean="0"/>
             </a:br>
@@ -5573,21 +5569,8 @@
                   <a:schemeClr val="tx1"/>
                 </a:solidFill>
               </a:rPr>
-              <a:t> sem, Dept. Of </a:t>
-            </a:r>
-            <a:r>
-              <a:rPr lang="en-IN" dirty="0" smtClean="0">
-                <a:solidFill>
-                  <a:schemeClr val="tx1"/>
-                </a:solidFill>
-              </a:rPr>
-              <a:t>CSE</a:t>
-            </a:r>
-            <a:endParaRPr lang="en-IN" dirty="0" smtClean="0">
-              <a:solidFill>
-                <a:schemeClr val="tx1"/>
-              </a:solidFill>
-            </a:endParaRPr>
+              <a:t> sem, Dept. Of CSE</a:t>
+            </a:r>
           </a:p>
         </p:txBody>
       </p:sp>
@@ -5837,11 +5820,7 @@
             <a:pPr lvl="2"/>
             <a:r>
               <a:rPr lang="en-IN" dirty="0" smtClean="0"/>
-              <a:t>UI </a:t>
-            </a:r>
-            <a:r>
-              <a:rPr lang="en-IN" dirty="0" smtClean="0"/>
-              <a:t>displaying set of operation</a:t>
+              <a:t>UI displaying set of operation</a:t>
             </a:r>
           </a:p>
           <a:p>
@@ -5876,8 +5855,13 @@
             <a:pPr lvl="4"/>
             <a:r>
               <a:rPr lang="en-IN" dirty="0" smtClean="0"/>
-              <a:t>Play games</a:t>
-            </a:r>
+              <a:t>Play </a:t>
+            </a:r>
+            <a:r>
+              <a:rPr lang="en-IN" dirty="0" smtClean="0"/>
+              <a:t>games (Typing master)</a:t>
+            </a:r>
+            <a:endParaRPr lang="en-IN" dirty="0" smtClean="0"/>
           </a:p>
           <a:p>
             <a:r>
@@ -6640,71 +6624,7 @@
             <a:pPr algn="just"/>
             <a:r>
               <a:rPr lang="en-IN" dirty="0" smtClean="0"/>
-              <a:t>Paathshala </a:t>
-            </a:r>
-            <a:r>
-              <a:rPr lang="en-IN" dirty="0" smtClean="0"/>
-              <a:t>is a simple </a:t>
-            </a:r>
-            <a:r>
-              <a:rPr lang="en-IN" dirty="0" smtClean="0"/>
-              <a:t>time convenient learning </a:t>
-            </a:r>
-            <a:r>
-              <a:rPr lang="en-IN" dirty="0" smtClean="0"/>
-              <a:t>platform where </a:t>
-            </a:r>
-            <a:r>
-              <a:rPr lang="en-IN" dirty="0" smtClean="0"/>
-              <a:t>the </a:t>
-            </a:r>
-            <a:r>
-              <a:rPr lang="en-IN" dirty="0" smtClean="0"/>
-              <a:t>students </a:t>
-            </a:r>
-            <a:r>
-              <a:rPr lang="en-IN" dirty="0" smtClean="0"/>
-              <a:t>study </a:t>
-            </a:r>
-            <a:r>
-              <a:rPr lang="en-IN" dirty="0" smtClean="0"/>
-              <a:t>and cope up with the academic syllabus. This platform is developed with pure intent of helping students in terms of studying while having some fun. The user interface has been </a:t>
-            </a:r>
-            <a:r>
-              <a:rPr lang="en-IN" dirty="0" smtClean="0"/>
-              <a:t>kept simple and user friendly, for </a:t>
-            </a:r>
-            <a:r>
-              <a:rPr lang="en-IN" dirty="0" smtClean="0"/>
-              <a:t>the </a:t>
-            </a:r>
-            <a:r>
-              <a:rPr lang="en-IN" dirty="0" smtClean="0"/>
-              <a:t>ease of use </a:t>
-            </a:r>
-            <a:r>
-              <a:rPr lang="en-IN" dirty="0" smtClean="0"/>
-              <a:t>so that </a:t>
-            </a:r>
-            <a:r>
-              <a:rPr lang="en-IN" dirty="0" smtClean="0"/>
-              <a:t>even a beginner</a:t>
-            </a:r>
-            <a:r>
-              <a:rPr lang="en-IN" dirty="0" smtClean="0"/>
-              <a:t> </a:t>
-            </a:r>
-            <a:r>
-              <a:rPr lang="en-IN" dirty="0" smtClean="0"/>
-              <a:t>won’t face any problem </a:t>
-            </a:r>
-            <a:r>
-              <a:rPr lang="en-IN" dirty="0" smtClean="0"/>
-              <a:t>while browsing and finding their way to a successful learning</a:t>
-            </a:r>
-            <a:r>
-              <a:rPr lang="en-IN" dirty="0" smtClean="0"/>
-              <a:t>. </a:t>
+              <a:t>Paathshala is a simple time convenient learning platform where the students study and cope up with the academic syllabus. This platform is developed with pure intent of helping students in terms of studying while having some fun. The user interface has been kept simple and user friendly, for the ease of use so that even a beginner won’t face any problem while browsing and finding their way to a successful learning. </a:t>
             </a:r>
             <a:endParaRPr lang="en-IN" dirty="0"/>
           </a:p>
@@ -7202,11 +7122,7 @@
           <a:p>
             <a:r>
               <a:rPr lang="en-IN" sz="3600" dirty="0" smtClean="0"/>
-              <a:t>Software and Tools </a:t>
-            </a:r>
-            <a:r>
-              <a:rPr lang="en-IN" sz="3600" dirty="0" smtClean="0"/>
-              <a:t>Requirements</a:t>
+              <a:t>Software and Tools Requirements</a:t>
             </a:r>
             <a:endParaRPr lang="en-IN" sz="3600" dirty="0"/>
           </a:p>
@@ -7327,11 +7243,7 @@
             </a:r>
             <a:r>
               <a:rPr lang="en-IN" dirty="0" smtClean="0"/>
-              <a:t>	3.1 </a:t>
-            </a:r>
-            <a:r>
-              <a:rPr lang="en-IN" dirty="0" smtClean="0"/>
-              <a:t>SQL</a:t>
+              <a:t>	3.1 SQL</a:t>
             </a:r>
           </a:p>
           <a:p>
@@ -7454,7 +7366,15 @@
           <a:p>
             <a:r>
               <a:rPr lang="en-IN" dirty="0" smtClean="0"/>
-              <a:t>A desktop running windows 7 or higher</a:t>
+              <a:t>A desktop running windows </a:t>
+            </a:r>
+            <a:r>
+              <a:rPr lang="en-IN" dirty="0" smtClean="0"/>
+              <a:t>XP </a:t>
+            </a:r>
+            <a:r>
+              <a:rPr lang="en-IN" dirty="0" smtClean="0"/>
+              <a:t>or higher</a:t>
             </a:r>
           </a:p>
           <a:p>
@@ -8513,11 +8433,7 @@
           <a:p>
             <a:r>
               <a:rPr lang="en-IN" sz="3600" dirty="0" smtClean="0"/>
-              <a:t>Context </a:t>
-            </a:r>
-            <a:r>
-              <a:rPr lang="en-IN" sz="3600" dirty="0" smtClean="0"/>
-              <a:t>L</a:t>
+              <a:t>Context L</a:t>
             </a:r>
             <a:r>
               <a:rPr lang="en-IN" sz="3600" dirty="0"/>
@@ -8525,11 +8441,7 @@
             </a:r>
             <a:r>
               <a:rPr lang="en-IN" sz="3600" dirty="0" smtClean="0"/>
-              <a:t>vel  </a:t>
-            </a:r>
-            <a:r>
-              <a:rPr lang="en-IN" sz="3600" dirty="0" smtClean="0"/>
-              <a:t>DFD</a:t>
+              <a:t>vel  DFD</a:t>
             </a:r>
             <a:endParaRPr lang="en-IN" sz="3600" dirty="0"/>
           </a:p>

--- a/Paathsala.pptx
+++ b/Paathsala.pptx
@@ -18,6 +18,7 @@
     <p:sldId id="262" r:id="rId12"/>
     <p:sldId id="264" r:id="rId13"/>
     <p:sldId id="266" r:id="rId14"/>
+    <p:sldId id="270" r:id="rId15"/>
   </p:sldIdLst>
   <p:sldSz cx="12192000" cy="6858000"/>
   <p:notesSz cx="6858000" cy="9144000"/>
@@ -327,7 +328,7 @@
             <a:fld id="{B61BEF0D-F0BB-DE4B-95CE-6DB70DBA9567}" type="datetimeFigureOut">
               <a:rPr lang="en-US" dirty="0"/>
               <a:pPr/>
-              <a:t>10/1/2018</a:t>
+              <a:t>11/2/2018</a:t>
             </a:fld>
             <a:endParaRPr lang="en-US" dirty="0"/>
           </a:p>
@@ -760,7 +761,7 @@
             <a:fld id="{B61BEF0D-F0BB-DE4B-95CE-6DB70DBA9567}" type="datetimeFigureOut">
               <a:rPr lang="en-US" dirty="0"/>
               <a:pPr/>
-              <a:t>10/1/2018</a:t>
+              <a:t>11/2/2018</a:t>
             </a:fld>
             <a:endParaRPr lang="en-US" dirty="0"/>
           </a:p>
@@ -1007,7 +1008,7 @@
             <a:fld id="{B61BEF0D-F0BB-DE4B-95CE-6DB70DBA9567}" type="datetimeFigureOut">
               <a:rPr lang="en-US" dirty="0"/>
               <a:pPr/>
-              <a:t>10/1/2018</a:t>
+              <a:t>11/2/2018</a:t>
             </a:fld>
             <a:endParaRPr lang="en-US" dirty="0"/>
           </a:p>
@@ -1312,7 +1313,7 @@
             <a:fld id="{B61BEF0D-F0BB-DE4B-95CE-6DB70DBA9567}" type="datetimeFigureOut">
               <a:rPr lang="en-US" dirty="0"/>
               <a:pPr/>
-              <a:t>10/1/2018</a:t>
+              <a:t>11/2/2018</a:t>
             </a:fld>
             <a:endParaRPr lang="en-US" dirty="0"/>
           </a:p>
@@ -1627,7 +1628,7 @@
             <a:fld id="{B61BEF0D-F0BB-DE4B-95CE-6DB70DBA9567}" type="datetimeFigureOut">
               <a:rPr lang="en-US" dirty="0"/>
               <a:pPr/>
-              <a:t>10/1/2018</a:t>
+              <a:t>11/2/2018</a:t>
             </a:fld>
             <a:endParaRPr lang="en-US" dirty="0"/>
           </a:p>
@@ -1926,7 +1927,7 @@
             <a:fld id="{B61BEF0D-F0BB-DE4B-95CE-6DB70DBA9567}" type="datetimeFigureOut">
               <a:rPr lang="en-US" dirty="0"/>
               <a:pPr/>
-              <a:t>10/1/2018</a:t>
+              <a:t>11/2/2018</a:t>
             </a:fld>
             <a:endParaRPr lang="en-US" dirty="0"/>
           </a:p>
@@ -2290,7 +2291,7 @@
             <a:fld id="{B61BEF0D-F0BB-DE4B-95CE-6DB70DBA9567}" type="datetimeFigureOut">
               <a:rPr lang="en-US" dirty="0"/>
               <a:pPr/>
-              <a:t>10/1/2018</a:t>
+              <a:t>11/2/2018</a:t>
             </a:fld>
             <a:endParaRPr lang="en-US" dirty="0"/>
           </a:p>
@@ -2461,7 +2462,7 @@
             <a:fld id="{B61BEF0D-F0BB-DE4B-95CE-6DB70DBA9567}" type="datetimeFigureOut">
               <a:rPr lang="en-US" dirty="0"/>
               <a:pPr/>
-              <a:t>10/1/2018</a:t>
+              <a:t>11/2/2018</a:t>
             </a:fld>
             <a:endParaRPr lang="en-US" dirty="0"/>
           </a:p>
@@ -2638,7 +2639,7 @@
             <a:fld id="{B61BEF0D-F0BB-DE4B-95CE-6DB70DBA9567}" type="datetimeFigureOut">
               <a:rPr lang="en-US" dirty="0"/>
               <a:pPr/>
-              <a:t>10/1/2018</a:t>
+              <a:t>11/2/2018</a:t>
             </a:fld>
             <a:endParaRPr lang="en-US" dirty="0"/>
           </a:p>
@@ -2805,7 +2806,7 @@
             <a:fld id="{B61BEF0D-F0BB-DE4B-95CE-6DB70DBA9567}" type="datetimeFigureOut">
               <a:rPr lang="en-US" dirty="0"/>
               <a:pPr/>
-              <a:t>10/1/2018</a:t>
+              <a:t>11/2/2018</a:t>
             </a:fld>
             <a:endParaRPr lang="en-US" dirty="0"/>
           </a:p>
@@ -3052,7 +3053,7 @@
             <a:fld id="{B61BEF0D-F0BB-DE4B-95CE-6DB70DBA9567}" type="datetimeFigureOut">
               <a:rPr lang="en-US" dirty="0"/>
               <a:pPr/>
-              <a:t>10/1/2018</a:t>
+              <a:t>11/2/2018</a:t>
             </a:fld>
             <a:endParaRPr lang="en-US" dirty="0"/>
           </a:p>
@@ -3285,7 +3286,7 @@
             <a:fld id="{B61BEF0D-F0BB-DE4B-95CE-6DB70DBA9567}" type="datetimeFigureOut">
               <a:rPr lang="en-US" dirty="0"/>
               <a:pPr/>
-              <a:t>10/1/2018</a:t>
+              <a:t>11/2/2018</a:t>
             </a:fld>
             <a:endParaRPr lang="en-US" dirty="0"/>
           </a:p>
@@ -3664,7 +3665,7 @@
             <a:fld id="{B61BEF0D-F0BB-DE4B-95CE-6DB70DBA9567}" type="datetimeFigureOut">
               <a:rPr lang="en-US" dirty="0"/>
               <a:pPr/>
-              <a:t>10/1/2018</a:t>
+              <a:t>11/2/2018</a:t>
             </a:fld>
             <a:endParaRPr lang="en-US" dirty="0"/>
           </a:p>
@@ -3779,7 +3780,7 @@
             <a:fld id="{B61BEF0D-F0BB-DE4B-95CE-6DB70DBA9567}" type="datetimeFigureOut">
               <a:rPr lang="en-US" dirty="0"/>
               <a:pPr/>
-              <a:t>10/1/2018</a:t>
+              <a:t>11/2/2018</a:t>
             </a:fld>
             <a:endParaRPr lang="en-US" dirty="0"/>
           </a:p>
@@ -3871,7 +3872,7 @@
             <a:fld id="{B61BEF0D-F0BB-DE4B-95CE-6DB70DBA9567}" type="datetimeFigureOut">
               <a:rPr lang="en-US" dirty="0"/>
               <a:pPr/>
-              <a:t>10/1/2018</a:t>
+              <a:t>11/2/2018</a:t>
             </a:fld>
             <a:endParaRPr lang="en-US" dirty="0"/>
           </a:p>
@@ -4123,7 +4124,7 @@
             <a:fld id="{B61BEF0D-F0BB-DE4B-95CE-6DB70DBA9567}" type="datetimeFigureOut">
               <a:rPr lang="en-US" dirty="0"/>
               <a:pPr/>
-              <a:t>10/1/2018</a:t>
+              <a:t>11/2/2018</a:t>
             </a:fld>
             <a:endParaRPr lang="en-US" dirty="0"/>
           </a:p>
@@ -4403,7 +4404,7 @@
             <a:fld id="{B61BEF0D-F0BB-DE4B-95CE-6DB70DBA9567}" type="datetimeFigureOut">
               <a:rPr lang="en-US" dirty="0"/>
               <a:pPr/>
-              <a:t>10/1/2018</a:t>
+              <a:t>11/2/2018</a:t>
             </a:fld>
             <a:endParaRPr lang="en-US" dirty="0"/>
           </a:p>
@@ -4806,7 +4807,7 @@
             <a:fld id="{B61BEF0D-F0BB-DE4B-95CE-6DB70DBA9567}" type="datetimeFigureOut">
               <a:rPr lang="en-US" dirty="0"/>
               <a:pPr/>
-              <a:t>10/1/2018</a:t>
+              <a:t>11/2/2018</a:t>
             </a:fld>
             <a:endParaRPr lang="en-US" dirty="0"/>
           </a:p>
@@ -5855,13 +5856,8 @@
             <a:pPr lvl="4"/>
             <a:r>
               <a:rPr lang="en-IN" dirty="0" smtClean="0"/>
-              <a:t>Play </a:t>
-            </a:r>
-            <a:r>
-              <a:rPr lang="en-IN" dirty="0" smtClean="0"/>
-              <a:t>games (Typing master)</a:t>
-            </a:r>
-            <a:endParaRPr lang="en-IN" dirty="0" smtClean="0"/>
+              <a:t>Play games (Typing master)</a:t>
+            </a:r>
           </a:p>
           <a:p>
             <a:r>
@@ -6500,21 +6496,24 @@
           <a:p>
             <a:r>
               <a:rPr lang="en-IN" dirty="0" smtClean="0"/>
-              <a:t>Completion till :- </a:t>
-            </a:r>
-            <a:r>
-              <a:rPr lang="en-IN" smtClean="0"/>
-              <a:t>November 10</a:t>
-            </a:r>
-            <a:r>
-              <a:rPr lang="en-IN" baseline="30000" smtClean="0"/>
+              <a:t>Completion till :- November </a:t>
+            </a:r>
+            <a:r>
+              <a:rPr lang="en-IN" dirty="0" smtClean="0"/>
+              <a:t>14</a:t>
+            </a:r>
+            <a:r>
+              <a:rPr lang="en-IN" baseline="30000" dirty="0" smtClean="0"/>
               <a:t>th </a:t>
             </a:r>
             <a:r>
-              <a:rPr lang="en-IN" smtClean="0"/>
-              <a:t> 2018</a:t>
-            </a:r>
-            <a:endParaRPr lang="en-IN" dirty="0" smtClean="0"/>
+              <a:rPr lang="en-IN" dirty="0" smtClean="0"/>
+              <a:t> </a:t>
+            </a:r>
+            <a:r>
+              <a:rPr lang="en-IN" dirty="0" smtClean="0"/>
+              <a:t>2018</a:t>
+            </a:r>
           </a:p>
           <a:p>
             <a:endParaRPr lang="en-IN" dirty="0"/>
@@ -6540,6 +6539,262 @@
     <p:extLst>
       <p:ext uri="{BB962C8B-B14F-4D97-AF65-F5344CB8AC3E}">
         <p14:creationId xmlns:p14="http://schemas.microsoft.com/office/powerpoint/2010/main" val="2584035808"/>
+      </p:ext>
+    </p:extLst>
+  </p:cSld>
+  <p:clrMapOvr>
+    <a:masterClrMapping/>
+  </p:clrMapOvr>
+  <p:timing>
+    <p:tnLst>
+      <p:par>
+        <p:cTn id="1" dur="indefinite" restart="never" nodeType="tmRoot"/>
+      </p:par>
+    </p:tnLst>
+  </p:timing>
+</p:sld>
+</file>
+
+<file path=ppt/slides/slide14.xml><?xml version="1.0" encoding="utf-8"?>
+<p:sld xmlns:a="http://schemas.openxmlformats.org/drawingml/2006/main" xmlns:r="http://schemas.openxmlformats.org/officeDocument/2006/relationships" xmlns:p="http://schemas.openxmlformats.org/presentationml/2006/main">
+  <p:cSld>
+    <p:spTree>
+      <p:nvGrpSpPr>
+        <p:cNvPr id="1" name=""/>
+        <p:cNvGrpSpPr/>
+        <p:nvPr/>
+      </p:nvGrpSpPr>
+      <p:grpSpPr>
+        <a:xfrm>
+          <a:off x="0" y="0"/>
+          <a:ext cx="0" cy="0"/>
+          <a:chOff x="0" y="0"/>
+          <a:chExt cx="0" cy="0"/>
+        </a:xfrm>
+      </p:grpSpPr>
+      <p:sp>
+        <p:nvSpPr>
+          <p:cNvPr id="5" name="TextBox 4"/>
+          <p:cNvSpPr txBox="1"/>
+          <p:nvPr/>
+        </p:nvSpPr>
+        <p:spPr>
+          <a:xfrm>
+            <a:off x="486792" y="297895"/>
+            <a:ext cx="10972800" cy="923330"/>
+          </a:xfrm>
+          <a:prstGeom prst="rect">
+            <a:avLst/>
+          </a:prstGeom>
+          <a:noFill/>
+        </p:spPr>
+        <p:txBody>
+          <a:bodyPr wrap="square" rtlCol="0">
+            <a:spAutoFit/>
+          </a:bodyPr>
+          <a:lstStyle/>
+          <a:p>
+            <a:pPr algn="just"/>
+            <a:r>
+              <a:rPr lang="en-IN" sz="5400" dirty="0" smtClean="0"/>
+              <a:t>References</a:t>
+            </a:r>
+            <a:endParaRPr lang="en-IN" sz="5400" dirty="0"/>
+          </a:p>
+        </p:txBody>
+      </p:sp>
+      <p:sp>
+        <p:nvSpPr>
+          <p:cNvPr id="6" name="TextBox 5"/>
+          <p:cNvSpPr txBox="1"/>
+          <p:nvPr/>
+        </p:nvSpPr>
+        <p:spPr>
+          <a:xfrm>
+            <a:off x="772357" y="1713390"/>
+            <a:ext cx="9792070" cy="4031873"/>
+          </a:xfrm>
+          <a:prstGeom prst="rect">
+            <a:avLst/>
+          </a:prstGeom>
+          <a:noFill/>
+        </p:spPr>
+        <p:txBody>
+          <a:bodyPr wrap="square" rtlCol="0">
+            <a:spAutoFit/>
+          </a:bodyPr>
+          <a:lstStyle/>
+          <a:p>
+            <a:pPr marL="342900" indent="-342900">
+              <a:buAutoNum type="arabicPeriod"/>
+            </a:pPr>
+            <a:r>
+              <a:rPr lang="en-IN" sz="3200" dirty="0" smtClean="0"/>
+              <a:t>W3Schools </a:t>
+            </a:r>
+            <a:r>
+              <a:rPr lang="en-IN" sz="3200" dirty="0"/>
+              <a:t>: </a:t>
+            </a:r>
+            <a:r>
+              <a:rPr lang="en-IN" sz="3200" dirty="0">
+                <a:hlinkClick r:id="rId2"/>
+              </a:rPr>
+              <a:t>https://www.w3schools.com</a:t>
+            </a:r>
+            <a:r>
+              <a:rPr lang="en-IN" sz="3200" dirty="0" smtClean="0">
+                <a:hlinkClick r:id="rId2"/>
+              </a:rPr>
+              <a:t>/</a:t>
+            </a:r>
+            <a:endParaRPr lang="en-IN" sz="3200" dirty="0" smtClean="0"/>
+          </a:p>
+          <a:p>
+            <a:pPr marL="342900" indent="-342900">
+              <a:buAutoNum type="arabicPeriod"/>
+            </a:pPr>
+            <a:r>
+              <a:rPr lang="en-IN" sz="3200" dirty="0"/>
+              <a:t>YouTube : </a:t>
+            </a:r>
+            <a:r>
+              <a:rPr lang="en-IN" sz="3200" dirty="0">
+                <a:hlinkClick r:id="rId3"/>
+              </a:rPr>
+              <a:t>https://</a:t>
+            </a:r>
+            <a:r>
+              <a:rPr lang="en-IN" sz="3200" dirty="0" smtClean="0">
+                <a:hlinkClick r:id="rId3"/>
+              </a:rPr>
+              <a:t>www.youtube.com/</a:t>
+            </a:r>
+            <a:endParaRPr lang="en-IN" sz="3200" dirty="0" smtClean="0"/>
+          </a:p>
+          <a:p>
+            <a:pPr marL="342900" indent="-342900">
+              <a:buAutoNum type="arabicPeriod"/>
+            </a:pPr>
+            <a:r>
+              <a:rPr lang="en-IN" sz="3200" dirty="0"/>
+              <a:t>GitHub: </a:t>
+            </a:r>
+            <a:r>
+              <a:rPr lang="en-IN" sz="3200" dirty="0">
+                <a:hlinkClick r:id="rId4"/>
+              </a:rPr>
+              <a:t>https://github.com</a:t>
+            </a:r>
+            <a:r>
+              <a:rPr lang="en-IN" sz="3200" dirty="0" smtClean="0">
+                <a:hlinkClick r:id="rId4"/>
+              </a:rPr>
+              <a:t>/</a:t>
+            </a:r>
+            <a:endParaRPr lang="en-IN" sz="3200" dirty="0" smtClean="0"/>
+          </a:p>
+          <a:p>
+            <a:pPr marL="342900" indent="-342900">
+              <a:buAutoNum type="arabicPeriod"/>
+            </a:pPr>
+            <a:r>
+              <a:rPr lang="en-IN" sz="3200" dirty="0" smtClean="0"/>
+              <a:t>CSSMatic</a:t>
+            </a:r>
+            <a:r>
+              <a:rPr lang="en-IN" sz="3200" dirty="0"/>
+              <a:t> : </a:t>
+            </a:r>
+            <a:r>
+              <a:rPr lang="en-IN" sz="3200" dirty="0">
+                <a:hlinkClick r:id="rId5"/>
+              </a:rPr>
+              <a:t>https://</a:t>
+            </a:r>
+            <a:r>
+              <a:rPr lang="en-IN" sz="3200" dirty="0" smtClean="0">
+                <a:hlinkClick r:id="rId5"/>
+              </a:rPr>
+              <a:t>www.cssmatic.com/</a:t>
+            </a:r>
+            <a:endParaRPr lang="en-IN" sz="3200" dirty="0" smtClean="0"/>
+          </a:p>
+          <a:p>
+            <a:pPr marL="342900" indent="-342900">
+              <a:buAutoNum type="arabicPeriod"/>
+            </a:pPr>
+            <a:r>
+              <a:rPr lang="en-IN" sz="3200" dirty="0"/>
+              <a:t>Dribble : </a:t>
+            </a:r>
+            <a:r>
+              <a:rPr lang="en-IN" sz="3200" dirty="0">
+                <a:hlinkClick r:id="rId6"/>
+              </a:rPr>
+              <a:t>https://dribbble.com</a:t>
+            </a:r>
+            <a:r>
+              <a:rPr lang="en-IN" sz="3200" dirty="0" smtClean="0">
+                <a:hlinkClick r:id="rId6"/>
+              </a:rPr>
+              <a:t>/</a:t>
+            </a:r>
+            <a:endParaRPr lang="en-IN" sz="3200" dirty="0" smtClean="0"/>
+          </a:p>
+          <a:p>
+            <a:pPr marL="342900" indent="-342900">
+              <a:buAutoNum type="arabicPeriod"/>
+            </a:pPr>
+            <a:r>
+              <a:rPr lang="en-IN" sz="3200" dirty="0" smtClean="0"/>
+              <a:t>CodePen : </a:t>
+            </a:r>
+            <a:r>
+              <a:rPr lang="en-IN" sz="3200" dirty="0" smtClean="0">
+                <a:hlinkClick r:id="rId7"/>
+              </a:rPr>
+              <a:t>www.codepen.com/</a:t>
+            </a:r>
+            <a:endParaRPr lang="en-IN" sz="3200" dirty="0" smtClean="0"/>
+          </a:p>
+          <a:p>
+            <a:pPr marL="342900" indent="-342900">
+              <a:buAutoNum type="arabicPeriod"/>
+            </a:pPr>
+            <a:r>
+              <a:rPr lang="en-IN" sz="3200" dirty="0"/>
+              <a:t>Tech Crunch : </a:t>
+            </a:r>
+            <a:r>
+              <a:rPr lang="en-IN" sz="3200" dirty="0">
+                <a:hlinkClick r:id="rId8"/>
+              </a:rPr>
+              <a:t>https://</a:t>
+            </a:r>
+            <a:r>
+              <a:rPr lang="en-IN" sz="3200">
+                <a:hlinkClick r:id="rId8"/>
+              </a:rPr>
+              <a:t>techcrunch.com</a:t>
+            </a:r>
+            <a:r>
+              <a:rPr lang="en-IN" sz="3200" smtClean="0">
+                <a:hlinkClick r:id="rId8"/>
+              </a:rPr>
+              <a:t>/</a:t>
+            </a:r>
+            <a:endParaRPr lang="en-IN" sz="3200" dirty="0"/>
+          </a:p>
+          <a:p>
+            <a:endParaRPr lang="en-IN" sz="3200" dirty="0"/>
+          </a:p>
+        </p:txBody>
+      </p:sp>
+    </p:spTree>
+    <p:extLst>
+      <p:ext uri="{BB962C8B-B14F-4D97-AF65-F5344CB8AC3E}">
+        <p14:creationId xmlns:p14="http://schemas.microsoft.com/office/powerpoint/2010/main" val="3184866639"/>
       </p:ext>
     </p:extLst>
   </p:cSld>
@@ -7137,7 +7392,7 @@
         <p:spPr>
           <a:xfrm>
             <a:off x="443883" y="1473693"/>
-            <a:ext cx="11425562" cy="4247317"/>
+            <a:ext cx="11425562" cy="5078313"/>
           </a:xfrm>
           <a:prstGeom prst="rect">
             <a:avLst/>
@@ -7261,6 +7516,23 @@
             <a:endParaRPr lang="en-IN" dirty="0" smtClean="0"/>
           </a:p>
           <a:p>
+            <a:endParaRPr lang="en-IN" dirty="0"/>
+          </a:p>
+          <a:p>
+            <a:r>
+              <a:rPr lang="en-IN" dirty="0" smtClean="0"/>
+              <a:t>5. Developing Tools :- Sublime, GitHub Desktop, Photoshop</a:t>
+            </a:r>
+            <a:endParaRPr lang="en-IN" dirty="0" smtClean="0"/>
+          </a:p>
+          <a:p>
+            <a:endParaRPr lang="en-IN" dirty="0" smtClean="0"/>
+          </a:p>
+          <a:p>
+            <a:r>
+              <a:rPr lang="en-IN" dirty="0" smtClean="0"/>
+              <a:t>6. Viewing  Tools:- Google Chrome</a:t>
+            </a:r>
             <a:endParaRPr lang="en-IN" dirty="0"/>
           </a:p>
           <a:p>
@@ -7366,15 +7638,7 @@
           <a:p>
             <a:r>
               <a:rPr lang="en-IN" dirty="0" smtClean="0"/>
-              <a:t>A desktop running windows </a:t>
-            </a:r>
-            <a:r>
-              <a:rPr lang="en-IN" dirty="0" smtClean="0"/>
-              <a:t>XP </a:t>
-            </a:r>
-            <a:r>
-              <a:rPr lang="en-IN" dirty="0" smtClean="0"/>
-              <a:t>or higher</a:t>
+              <a:t>A desktop running windows XP or higher</a:t>
             </a:r>
           </a:p>
           <a:p>

--- a/Paathsala.pptx
+++ b/Paathsala.pptx
@@ -18,7 +18,6 @@
     <p:sldId id="262" r:id="rId12"/>
     <p:sldId id="264" r:id="rId13"/>
     <p:sldId id="266" r:id="rId14"/>
-    <p:sldId id="270" r:id="rId15"/>
   </p:sldIdLst>
   <p:sldSz cx="12192000" cy="6858000"/>
   <p:notesSz cx="6858000" cy="9144000"/>
@@ -328,7 +327,7 @@
             <a:fld id="{B61BEF0D-F0BB-DE4B-95CE-6DB70DBA9567}" type="datetimeFigureOut">
               <a:rPr lang="en-US" dirty="0"/>
               <a:pPr/>
-              <a:t>11/2/2018</a:t>
+              <a:t>9/28/2018</a:t>
             </a:fld>
             <a:endParaRPr lang="en-US" dirty="0"/>
           </a:p>
@@ -761,7 +760,7 @@
             <a:fld id="{B61BEF0D-F0BB-DE4B-95CE-6DB70DBA9567}" type="datetimeFigureOut">
               <a:rPr lang="en-US" dirty="0"/>
               <a:pPr/>
-              <a:t>11/2/2018</a:t>
+              <a:t>9/28/2018</a:t>
             </a:fld>
             <a:endParaRPr lang="en-US" dirty="0"/>
           </a:p>
@@ -1008,7 +1007,7 @@
             <a:fld id="{B61BEF0D-F0BB-DE4B-95CE-6DB70DBA9567}" type="datetimeFigureOut">
               <a:rPr lang="en-US" dirty="0"/>
               <a:pPr/>
-              <a:t>11/2/2018</a:t>
+              <a:t>9/28/2018</a:t>
             </a:fld>
             <a:endParaRPr lang="en-US" dirty="0"/>
           </a:p>
@@ -1313,7 +1312,7 @@
             <a:fld id="{B61BEF0D-F0BB-DE4B-95CE-6DB70DBA9567}" type="datetimeFigureOut">
               <a:rPr lang="en-US" dirty="0"/>
               <a:pPr/>
-              <a:t>11/2/2018</a:t>
+              <a:t>9/28/2018</a:t>
             </a:fld>
             <a:endParaRPr lang="en-US" dirty="0"/>
           </a:p>
@@ -1628,7 +1627,7 @@
             <a:fld id="{B61BEF0D-F0BB-DE4B-95CE-6DB70DBA9567}" type="datetimeFigureOut">
               <a:rPr lang="en-US" dirty="0"/>
               <a:pPr/>
-              <a:t>11/2/2018</a:t>
+              <a:t>9/28/2018</a:t>
             </a:fld>
             <a:endParaRPr lang="en-US" dirty="0"/>
           </a:p>
@@ -1927,7 +1926,7 @@
             <a:fld id="{B61BEF0D-F0BB-DE4B-95CE-6DB70DBA9567}" type="datetimeFigureOut">
               <a:rPr lang="en-US" dirty="0"/>
               <a:pPr/>
-              <a:t>11/2/2018</a:t>
+              <a:t>9/28/2018</a:t>
             </a:fld>
             <a:endParaRPr lang="en-US" dirty="0"/>
           </a:p>
@@ -2291,7 +2290,7 @@
             <a:fld id="{B61BEF0D-F0BB-DE4B-95CE-6DB70DBA9567}" type="datetimeFigureOut">
               <a:rPr lang="en-US" dirty="0"/>
               <a:pPr/>
-              <a:t>11/2/2018</a:t>
+              <a:t>9/28/2018</a:t>
             </a:fld>
             <a:endParaRPr lang="en-US" dirty="0"/>
           </a:p>
@@ -2462,7 +2461,7 @@
             <a:fld id="{B61BEF0D-F0BB-DE4B-95CE-6DB70DBA9567}" type="datetimeFigureOut">
               <a:rPr lang="en-US" dirty="0"/>
               <a:pPr/>
-              <a:t>11/2/2018</a:t>
+              <a:t>9/28/2018</a:t>
             </a:fld>
             <a:endParaRPr lang="en-US" dirty="0"/>
           </a:p>
@@ -2639,7 +2638,7 @@
             <a:fld id="{B61BEF0D-F0BB-DE4B-95CE-6DB70DBA9567}" type="datetimeFigureOut">
               <a:rPr lang="en-US" dirty="0"/>
               <a:pPr/>
-              <a:t>11/2/2018</a:t>
+              <a:t>9/28/2018</a:t>
             </a:fld>
             <a:endParaRPr lang="en-US" dirty="0"/>
           </a:p>
@@ -2806,7 +2805,7 @@
             <a:fld id="{B61BEF0D-F0BB-DE4B-95CE-6DB70DBA9567}" type="datetimeFigureOut">
               <a:rPr lang="en-US" dirty="0"/>
               <a:pPr/>
-              <a:t>11/2/2018</a:t>
+              <a:t>9/28/2018</a:t>
             </a:fld>
             <a:endParaRPr lang="en-US" dirty="0"/>
           </a:p>
@@ -3053,7 +3052,7 @@
             <a:fld id="{B61BEF0D-F0BB-DE4B-95CE-6DB70DBA9567}" type="datetimeFigureOut">
               <a:rPr lang="en-US" dirty="0"/>
               <a:pPr/>
-              <a:t>11/2/2018</a:t>
+              <a:t>9/28/2018</a:t>
             </a:fld>
             <a:endParaRPr lang="en-US" dirty="0"/>
           </a:p>
@@ -3286,7 +3285,7 @@
             <a:fld id="{B61BEF0D-F0BB-DE4B-95CE-6DB70DBA9567}" type="datetimeFigureOut">
               <a:rPr lang="en-US" dirty="0"/>
               <a:pPr/>
-              <a:t>11/2/2018</a:t>
+              <a:t>9/28/2018</a:t>
             </a:fld>
             <a:endParaRPr lang="en-US" dirty="0"/>
           </a:p>
@@ -3665,7 +3664,7 @@
             <a:fld id="{B61BEF0D-F0BB-DE4B-95CE-6DB70DBA9567}" type="datetimeFigureOut">
               <a:rPr lang="en-US" dirty="0"/>
               <a:pPr/>
-              <a:t>11/2/2018</a:t>
+              <a:t>9/28/2018</a:t>
             </a:fld>
             <a:endParaRPr lang="en-US" dirty="0"/>
           </a:p>
@@ -3780,7 +3779,7 @@
             <a:fld id="{B61BEF0D-F0BB-DE4B-95CE-6DB70DBA9567}" type="datetimeFigureOut">
               <a:rPr lang="en-US" dirty="0"/>
               <a:pPr/>
-              <a:t>11/2/2018</a:t>
+              <a:t>9/28/2018</a:t>
             </a:fld>
             <a:endParaRPr lang="en-US" dirty="0"/>
           </a:p>
@@ -3872,7 +3871,7 @@
             <a:fld id="{B61BEF0D-F0BB-DE4B-95CE-6DB70DBA9567}" type="datetimeFigureOut">
               <a:rPr lang="en-US" dirty="0"/>
               <a:pPr/>
-              <a:t>11/2/2018</a:t>
+              <a:t>9/28/2018</a:t>
             </a:fld>
             <a:endParaRPr lang="en-US" dirty="0"/>
           </a:p>
@@ -4124,7 +4123,7 @@
             <a:fld id="{B61BEF0D-F0BB-DE4B-95CE-6DB70DBA9567}" type="datetimeFigureOut">
               <a:rPr lang="en-US" dirty="0"/>
               <a:pPr/>
-              <a:t>11/2/2018</a:t>
+              <a:t>9/28/2018</a:t>
             </a:fld>
             <a:endParaRPr lang="en-US" dirty="0"/>
           </a:p>
@@ -4404,7 +4403,7 @@
             <a:fld id="{B61BEF0D-F0BB-DE4B-95CE-6DB70DBA9567}" type="datetimeFigureOut">
               <a:rPr lang="en-US" dirty="0"/>
               <a:pPr/>
-              <a:t>11/2/2018</a:t>
+              <a:t>9/28/2018</a:t>
             </a:fld>
             <a:endParaRPr lang="en-US" dirty="0"/>
           </a:p>
@@ -4807,7 +4806,7 @@
             <a:fld id="{B61BEF0D-F0BB-DE4B-95CE-6DB70DBA9567}" type="datetimeFigureOut">
               <a:rPr lang="en-US" dirty="0"/>
               <a:pPr/>
-              <a:t>11/2/2018</a:t>
+              <a:t>9/28/2018</a:t>
             </a:fld>
             <a:endParaRPr lang="en-US" dirty="0"/>
           </a:p>
@@ -5362,6 +5361,10 @@
               <a:rPr lang="en-IN" dirty="0" smtClean="0"/>
               <a:t>Paathshala</a:t>
             </a:r>
+            <a:r>
+              <a:rPr lang="en-IN" dirty="0" smtClean="0"/>
+              <a:t/>
+            </a:r>
             <a:br>
               <a:rPr lang="en-IN" dirty="0" smtClean="0"/>
             </a:br>
@@ -5570,8 +5573,21 @@
                   <a:schemeClr val="tx1"/>
                 </a:solidFill>
               </a:rPr>
-              <a:t> sem, Dept. Of CSE</a:t>
-            </a:r>
+              <a:t> sem, Dept. Of </a:t>
+            </a:r>
+            <a:r>
+              <a:rPr lang="en-IN" dirty="0" smtClean="0">
+                <a:solidFill>
+                  <a:schemeClr val="tx1"/>
+                </a:solidFill>
+              </a:rPr>
+              <a:t>CSE</a:t>
+            </a:r>
+            <a:endParaRPr lang="en-IN" dirty="0" smtClean="0">
+              <a:solidFill>
+                <a:schemeClr val="tx1"/>
+              </a:solidFill>
+            </a:endParaRPr>
           </a:p>
         </p:txBody>
       </p:sp>
@@ -5821,7 +5837,11 @@
             <a:pPr lvl="2"/>
             <a:r>
               <a:rPr lang="en-IN" dirty="0" smtClean="0"/>
-              <a:t>UI displaying set of operation</a:t>
+              <a:t>UI </a:t>
+            </a:r>
+            <a:r>
+              <a:rPr lang="en-IN" dirty="0" smtClean="0"/>
+              <a:t>displaying set of operation</a:t>
             </a:r>
           </a:p>
           <a:p>
@@ -5856,7 +5876,7 @@
             <a:pPr lvl="4"/>
             <a:r>
               <a:rPr lang="en-IN" dirty="0" smtClean="0"/>
-              <a:t>Play games (Typing master)</a:t>
+              <a:t>Play games</a:t>
             </a:r>
           </a:p>
           <a:p>
@@ -6496,24 +6516,21 @@
           <a:p>
             <a:r>
               <a:rPr lang="en-IN" dirty="0" smtClean="0"/>
-              <a:t>Completion till :- November </a:t>
-            </a:r>
-            <a:r>
-              <a:rPr lang="en-IN" dirty="0" smtClean="0"/>
-              <a:t>14</a:t>
-            </a:r>
-            <a:r>
-              <a:rPr lang="en-IN" baseline="30000" dirty="0" smtClean="0"/>
+              <a:t>Completion till :- </a:t>
+            </a:r>
+            <a:r>
+              <a:rPr lang="en-IN" smtClean="0"/>
+              <a:t>November 10</a:t>
+            </a:r>
+            <a:r>
+              <a:rPr lang="en-IN" baseline="30000" smtClean="0"/>
               <a:t>th </a:t>
             </a:r>
             <a:r>
-              <a:rPr lang="en-IN" dirty="0" smtClean="0"/>
-              <a:t> </a:t>
-            </a:r>
-            <a:r>
-              <a:rPr lang="en-IN" dirty="0" smtClean="0"/>
-              <a:t>2018</a:t>
-            </a:r>
+              <a:rPr lang="en-IN" smtClean="0"/>
+              <a:t> 2018</a:t>
+            </a:r>
+            <a:endParaRPr lang="en-IN" dirty="0" smtClean="0"/>
           </a:p>
           <a:p>
             <a:endParaRPr lang="en-IN" dirty="0"/>
@@ -6539,262 +6556,6 @@
     <p:extLst>
       <p:ext uri="{BB962C8B-B14F-4D97-AF65-F5344CB8AC3E}">
         <p14:creationId xmlns:p14="http://schemas.microsoft.com/office/powerpoint/2010/main" val="2584035808"/>
-      </p:ext>
-    </p:extLst>
-  </p:cSld>
-  <p:clrMapOvr>
-    <a:masterClrMapping/>
-  </p:clrMapOvr>
-  <p:timing>
-    <p:tnLst>
-      <p:par>
-        <p:cTn id="1" dur="indefinite" restart="never" nodeType="tmRoot"/>
-      </p:par>
-    </p:tnLst>
-  </p:timing>
-</p:sld>
-</file>
-
-<file path=ppt/slides/slide14.xml><?xml version="1.0" encoding="utf-8"?>
-<p:sld xmlns:a="http://schemas.openxmlformats.org/drawingml/2006/main" xmlns:r="http://schemas.openxmlformats.org/officeDocument/2006/relationships" xmlns:p="http://schemas.openxmlformats.org/presentationml/2006/main">
-  <p:cSld>
-    <p:spTree>
-      <p:nvGrpSpPr>
-        <p:cNvPr id="1" name=""/>
-        <p:cNvGrpSpPr/>
-        <p:nvPr/>
-      </p:nvGrpSpPr>
-      <p:grpSpPr>
-        <a:xfrm>
-          <a:off x="0" y="0"/>
-          <a:ext cx="0" cy="0"/>
-          <a:chOff x="0" y="0"/>
-          <a:chExt cx="0" cy="0"/>
-        </a:xfrm>
-      </p:grpSpPr>
-      <p:sp>
-        <p:nvSpPr>
-          <p:cNvPr id="5" name="TextBox 4"/>
-          <p:cNvSpPr txBox="1"/>
-          <p:nvPr/>
-        </p:nvSpPr>
-        <p:spPr>
-          <a:xfrm>
-            <a:off x="486792" y="297895"/>
-            <a:ext cx="10972800" cy="923330"/>
-          </a:xfrm>
-          <a:prstGeom prst="rect">
-            <a:avLst/>
-          </a:prstGeom>
-          <a:noFill/>
-        </p:spPr>
-        <p:txBody>
-          <a:bodyPr wrap="square" rtlCol="0">
-            <a:spAutoFit/>
-          </a:bodyPr>
-          <a:lstStyle/>
-          <a:p>
-            <a:pPr algn="just"/>
-            <a:r>
-              <a:rPr lang="en-IN" sz="5400" dirty="0" smtClean="0"/>
-              <a:t>References</a:t>
-            </a:r>
-            <a:endParaRPr lang="en-IN" sz="5400" dirty="0"/>
-          </a:p>
-        </p:txBody>
-      </p:sp>
-      <p:sp>
-        <p:nvSpPr>
-          <p:cNvPr id="6" name="TextBox 5"/>
-          <p:cNvSpPr txBox="1"/>
-          <p:nvPr/>
-        </p:nvSpPr>
-        <p:spPr>
-          <a:xfrm>
-            <a:off x="772357" y="1713390"/>
-            <a:ext cx="9792070" cy="4031873"/>
-          </a:xfrm>
-          <a:prstGeom prst="rect">
-            <a:avLst/>
-          </a:prstGeom>
-          <a:noFill/>
-        </p:spPr>
-        <p:txBody>
-          <a:bodyPr wrap="square" rtlCol="0">
-            <a:spAutoFit/>
-          </a:bodyPr>
-          <a:lstStyle/>
-          <a:p>
-            <a:pPr marL="342900" indent="-342900">
-              <a:buAutoNum type="arabicPeriod"/>
-            </a:pPr>
-            <a:r>
-              <a:rPr lang="en-IN" sz="3200" dirty="0" smtClean="0"/>
-              <a:t>W3Schools </a:t>
-            </a:r>
-            <a:r>
-              <a:rPr lang="en-IN" sz="3200" dirty="0"/>
-              <a:t>: </a:t>
-            </a:r>
-            <a:r>
-              <a:rPr lang="en-IN" sz="3200" dirty="0">
-                <a:hlinkClick r:id="rId2"/>
-              </a:rPr>
-              <a:t>https://www.w3schools.com</a:t>
-            </a:r>
-            <a:r>
-              <a:rPr lang="en-IN" sz="3200" dirty="0" smtClean="0">
-                <a:hlinkClick r:id="rId2"/>
-              </a:rPr>
-              <a:t>/</a:t>
-            </a:r>
-            <a:endParaRPr lang="en-IN" sz="3200" dirty="0" smtClean="0"/>
-          </a:p>
-          <a:p>
-            <a:pPr marL="342900" indent="-342900">
-              <a:buAutoNum type="arabicPeriod"/>
-            </a:pPr>
-            <a:r>
-              <a:rPr lang="en-IN" sz="3200" dirty="0"/>
-              <a:t>YouTube : </a:t>
-            </a:r>
-            <a:r>
-              <a:rPr lang="en-IN" sz="3200" dirty="0">
-                <a:hlinkClick r:id="rId3"/>
-              </a:rPr>
-              <a:t>https://</a:t>
-            </a:r>
-            <a:r>
-              <a:rPr lang="en-IN" sz="3200" dirty="0" smtClean="0">
-                <a:hlinkClick r:id="rId3"/>
-              </a:rPr>
-              <a:t>www.youtube.com/</a:t>
-            </a:r>
-            <a:endParaRPr lang="en-IN" sz="3200" dirty="0" smtClean="0"/>
-          </a:p>
-          <a:p>
-            <a:pPr marL="342900" indent="-342900">
-              <a:buAutoNum type="arabicPeriod"/>
-            </a:pPr>
-            <a:r>
-              <a:rPr lang="en-IN" sz="3200" dirty="0"/>
-              <a:t>GitHub: </a:t>
-            </a:r>
-            <a:r>
-              <a:rPr lang="en-IN" sz="3200" dirty="0">
-                <a:hlinkClick r:id="rId4"/>
-              </a:rPr>
-              <a:t>https://github.com</a:t>
-            </a:r>
-            <a:r>
-              <a:rPr lang="en-IN" sz="3200" dirty="0" smtClean="0">
-                <a:hlinkClick r:id="rId4"/>
-              </a:rPr>
-              <a:t>/</a:t>
-            </a:r>
-            <a:endParaRPr lang="en-IN" sz="3200" dirty="0" smtClean="0"/>
-          </a:p>
-          <a:p>
-            <a:pPr marL="342900" indent="-342900">
-              <a:buAutoNum type="arabicPeriod"/>
-            </a:pPr>
-            <a:r>
-              <a:rPr lang="en-IN" sz="3200" dirty="0" smtClean="0"/>
-              <a:t>CSSMatic</a:t>
-            </a:r>
-            <a:r>
-              <a:rPr lang="en-IN" sz="3200" dirty="0"/>
-              <a:t> : </a:t>
-            </a:r>
-            <a:r>
-              <a:rPr lang="en-IN" sz="3200" dirty="0">
-                <a:hlinkClick r:id="rId5"/>
-              </a:rPr>
-              <a:t>https://</a:t>
-            </a:r>
-            <a:r>
-              <a:rPr lang="en-IN" sz="3200" dirty="0" smtClean="0">
-                <a:hlinkClick r:id="rId5"/>
-              </a:rPr>
-              <a:t>www.cssmatic.com/</a:t>
-            </a:r>
-            <a:endParaRPr lang="en-IN" sz="3200" dirty="0" smtClean="0"/>
-          </a:p>
-          <a:p>
-            <a:pPr marL="342900" indent="-342900">
-              <a:buAutoNum type="arabicPeriod"/>
-            </a:pPr>
-            <a:r>
-              <a:rPr lang="en-IN" sz="3200" dirty="0"/>
-              <a:t>Dribble : </a:t>
-            </a:r>
-            <a:r>
-              <a:rPr lang="en-IN" sz="3200" dirty="0">
-                <a:hlinkClick r:id="rId6"/>
-              </a:rPr>
-              <a:t>https://dribbble.com</a:t>
-            </a:r>
-            <a:r>
-              <a:rPr lang="en-IN" sz="3200" dirty="0" smtClean="0">
-                <a:hlinkClick r:id="rId6"/>
-              </a:rPr>
-              <a:t>/</a:t>
-            </a:r>
-            <a:endParaRPr lang="en-IN" sz="3200" dirty="0" smtClean="0"/>
-          </a:p>
-          <a:p>
-            <a:pPr marL="342900" indent="-342900">
-              <a:buAutoNum type="arabicPeriod"/>
-            </a:pPr>
-            <a:r>
-              <a:rPr lang="en-IN" sz="3200" dirty="0" smtClean="0"/>
-              <a:t>CodePen : </a:t>
-            </a:r>
-            <a:r>
-              <a:rPr lang="en-IN" sz="3200" dirty="0" smtClean="0">
-                <a:hlinkClick r:id="rId7"/>
-              </a:rPr>
-              <a:t>www.codepen.com/</a:t>
-            </a:r>
-            <a:endParaRPr lang="en-IN" sz="3200" dirty="0" smtClean="0"/>
-          </a:p>
-          <a:p>
-            <a:pPr marL="342900" indent="-342900">
-              <a:buAutoNum type="arabicPeriod"/>
-            </a:pPr>
-            <a:r>
-              <a:rPr lang="en-IN" sz="3200" dirty="0"/>
-              <a:t>Tech Crunch : </a:t>
-            </a:r>
-            <a:r>
-              <a:rPr lang="en-IN" sz="3200" dirty="0">
-                <a:hlinkClick r:id="rId8"/>
-              </a:rPr>
-              <a:t>https://</a:t>
-            </a:r>
-            <a:r>
-              <a:rPr lang="en-IN" sz="3200">
-                <a:hlinkClick r:id="rId8"/>
-              </a:rPr>
-              <a:t>techcrunch.com</a:t>
-            </a:r>
-            <a:r>
-              <a:rPr lang="en-IN" sz="3200" smtClean="0">
-                <a:hlinkClick r:id="rId8"/>
-              </a:rPr>
-              <a:t>/</a:t>
-            </a:r>
-            <a:endParaRPr lang="en-IN" sz="3200" dirty="0"/>
-          </a:p>
-          <a:p>
-            <a:endParaRPr lang="en-IN" sz="3200" dirty="0"/>
-          </a:p>
-        </p:txBody>
-      </p:sp>
-    </p:spTree>
-    <p:extLst>
-      <p:ext uri="{BB962C8B-B14F-4D97-AF65-F5344CB8AC3E}">
-        <p14:creationId xmlns:p14="http://schemas.microsoft.com/office/powerpoint/2010/main" val="3184866639"/>
       </p:ext>
     </p:extLst>
   </p:cSld>
@@ -6879,7 +6640,71 @@
             <a:pPr algn="just"/>
             <a:r>
               <a:rPr lang="en-IN" dirty="0" smtClean="0"/>
-              <a:t>Paathshala is a simple time convenient learning platform where the students study and cope up with the academic syllabus. This platform is developed with pure intent of helping students in terms of studying while having some fun. The user interface has been kept simple and user friendly, for the ease of use so that even a beginner won’t face any problem while browsing and finding their way to a successful learning. </a:t>
+              <a:t>Paathshala </a:t>
+            </a:r>
+            <a:r>
+              <a:rPr lang="en-IN" dirty="0" smtClean="0"/>
+              <a:t>is a simple </a:t>
+            </a:r>
+            <a:r>
+              <a:rPr lang="en-IN" dirty="0" smtClean="0"/>
+              <a:t>time convenient learning </a:t>
+            </a:r>
+            <a:r>
+              <a:rPr lang="en-IN" dirty="0" smtClean="0"/>
+              <a:t>platform where </a:t>
+            </a:r>
+            <a:r>
+              <a:rPr lang="en-IN" dirty="0" smtClean="0"/>
+              <a:t>the </a:t>
+            </a:r>
+            <a:r>
+              <a:rPr lang="en-IN" dirty="0" smtClean="0"/>
+              <a:t>students </a:t>
+            </a:r>
+            <a:r>
+              <a:rPr lang="en-IN" dirty="0" smtClean="0"/>
+              <a:t>study </a:t>
+            </a:r>
+            <a:r>
+              <a:rPr lang="en-IN" dirty="0" smtClean="0"/>
+              <a:t>and cope up with the academic syllabus. This platform is developed with pure intent of helping students in terms of studying while having some fun. The user interface has been </a:t>
+            </a:r>
+            <a:r>
+              <a:rPr lang="en-IN" dirty="0" smtClean="0"/>
+              <a:t>kept simple and user friendly, for </a:t>
+            </a:r>
+            <a:r>
+              <a:rPr lang="en-IN" dirty="0" smtClean="0"/>
+              <a:t>the </a:t>
+            </a:r>
+            <a:r>
+              <a:rPr lang="en-IN" dirty="0" smtClean="0"/>
+              <a:t>ease of use </a:t>
+            </a:r>
+            <a:r>
+              <a:rPr lang="en-IN" dirty="0" smtClean="0"/>
+              <a:t>so that </a:t>
+            </a:r>
+            <a:r>
+              <a:rPr lang="en-IN" dirty="0" smtClean="0"/>
+              <a:t>even a beginner</a:t>
+            </a:r>
+            <a:r>
+              <a:rPr lang="en-IN" dirty="0" smtClean="0"/>
+              <a:t> </a:t>
+            </a:r>
+            <a:r>
+              <a:rPr lang="en-IN" dirty="0" smtClean="0"/>
+              <a:t>won’t face any problem </a:t>
+            </a:r>
+            <a:r>
+              <a:rPr lang="en-IN" dirty="0" smtClean="0"/>
+              <a:t>while browsing and finding their way to a successful learning</a:t>
+            </a:r>
+            <a:r>
+              <a:rPr lang="en-IN" dirty="0" smtClean="0"/>
+              <a:t>. </a:t>
             </a:r>
             <a:endParaRPr lang="en-IN" dirty="0"/>
           </a:p>
@@ -7377,7 +7202,11 @@
           <a:p>
             <a:r>
               <a:rPr lang="en-IN" sz="3600" dirty="0" smtClean="0"/>
-              <a:t>Software and Tools Requirements</a:t>
+              <a:t>Software and Tools </a:t>
+            </a:r>
+            <a:r>
+              <a:rPr lang="en-IN" sz="3600" dirty="0" smtClean="0"/>
+              <a:t>Requirements</a:t>
             </a:r>
             <a:endParaRPr lang="en-IN" sz="3600" dirty="0"/>
           </a:p>
@@ -7392,7 +7221,7 @@
         <p:spPr>
           <a:xfrm>
             <a:off x="443883" y="1473693"/>
-            <a:ext cx="11425562" cy="5078313"/>
+            <a:ext cx="11425562" cy="4247317"/>
           </a:xfrm>
           <a:prstGeom prst="rect">
             <a:avLst/>
@@ -7498,7 +7327,11 @@
             </a:r>
             <a:r>
               <a:rPr lang="en-IN" dirty="0" smtClean="0"/>
-              <a:t>	3.1 SQL</a:t>
+              <a:t>	3.1 </a:t>
+            </a:r>
+            <a:r>
+              <a:rPr lang="en-IN" dirty="0" smtClean="0"/>
+              <a:t>SQL</a:t>
             </a:r>
           </a:p>
           <a:p>
@@ -7516,23 +7349,6 @@
             <a:endParaRPr lang="en-IN" dirty="0" smtClean="0"/>
           </a:p>
           <a:p>
-            <a:endParaRPr lang="en-IN" dirty="0"/>
-          </a:p>
-          <a:p>
-            <a:r>
-              <a:rPr lang="en-IN" dirty="0" smtClean="0"/>
-              <a:t>5. Developing Tools :- Sublime, GitHub Desktop, Photoshop</a:t>
-            </a:r>
-            <a:endParaRPr lang="en-IN" dirty="0" smtClean="0"/>
-          </a:p>
-          <a:p>
-            <a:endParaRPr lang="en-IN" dirty="0" smtClean="0"/>
-          </a:p>
-          <a:p>
-            <a:r>
-              <a:rPr lang="en-IN" dirty="0" smtClean="0"/>
-              <a:t>6. Viewing  Tools:- Google Chrome</a:t>
-            </a:r>
             <a:endParaRPr lang="en-IN" dirty="0"/>
           </a:p>
           <a:p>
@@ -7638,7 +7454,7 @@
           <a:p>
             <a:r>
               <a:rPr lang="en-IN" dirty="0" smtClean="0"/>
-              <a:t>A desktop running windows XP or higher</a:t>
+              <a:t>A desktop running windows 7 or higher</a:t>
             </a:r>
           </a:p>
           <a:p>
@@ -8697,7 +8513,11 @@
           <a:p>
             <a:r>
               <a:rPr lang="en-IN" sz="3600" dirty="0" smtClean="0"/>
-              <a:t>Context L</a:t>
+              <a:t>Context </a:t>
+            </a:r>
+            <a:r>
+              <a:rPr lang="en-IN" sz="3600" dirty="0" smtClean="0"/>
+              <a:t>L</a:t>
             </a:r>
             <a:r>
               <a:rPr lang="en-IN" sz="3600" dirty="0"/>
@@ -8705,7 +8525,11 @@
             </a:r>
             <a:r>
               <a:rPr lang="en-IN" sz="3600" dirty="0" smtClean="0"/>
-              <a:t>vel  DFD</a:t>
+              <a:t>vel  </a:t>
+            </a:r>
+            <a:r>
+              <a:rPr lang="en-IN" sz="3600" dirty="0" smtClean="0"/>
+              <a:t>DFD</a:t>
             </a:r>
             <a:endParaRPr lang="en-IN" sz="3600" dirty="0"/>
           </a:p>
